--- a/Презентация.pptx
+++ b/Презентация.pptx
@@ -5,25 +5,27 @@
     <p:sldMasterId id="2147483648" r:id="rId1"/>
   </p:sldMasterIdLst>
   <p:notesMasterIdLst>
-    <p:notesMasterId r:id="rId18"/>
+    <p:notesMasterId r:id="rId20"/>
   </p:notesMasterIdLst>
   <p:sldIdLst>
     <p:sldId id="256" r:id="rId2"/>
-    <p:sldId id="257" r:id="rId3"/>
-    <p:sldId id="258" r:id="rId4"/>
-    <p:sldId id="259" r:id="rId5"/>
-    <p:sldId id="260" r:id="rId6"/>
-    <p:sldId id="262" r:id="rId7"/>
-    <p:sldId id="263" r:id="rId8"/>
-    <p:sldId id="264" r:id="rId9"/>
-    <p:sldId id="265" r:id="rId10"/>
-    <p:sldId id="266" r:id="rId11"/>
-    <p:sldId id="267" r:id="rId12"/>
-    <p:sldId id="268" r:id="rId13"/>
-    <p:sldId id="269" r:id="rId14"/>
-    <p:sldId id="270" r:id="rId15"/>
-    <p:sldId id="271" r:id="rId16"/>
-    <p:sldId id="261" r:id="rId17"/>
+    <p:sldId id="272" r:id="rId3"/>
+    <p:sldId id="257" r:id="rId4"/>
+    <p:sldId id="258" r:id="rId5"/>
+    <p:sldId id="259" r:id="rId6"/>
+    <p:sldId id="260" r:id="rId7"/>
+    <p:sldId id="262" r:id="rId8"/>
+    <p:sldId id="263" r:id="rId9"/>
+    <p:sldId id="264" r:id="rId10"/>
+    <p:sldId id="265" r:id="rId11"/>
+    <p:sldId id="266" r:id="rId12"/>
+    <p:sldId id="267" r:id="rId13"/>
+    <p:sldId id="268" r:id="rId14"/>
+    <p:sldId id="269" r:id="rId15"/>
+    <p:sldId id="270" r:id="rId16"/>
+    <p:sldId id="273" r:id="rId17"/>
+    <p:sldId id="271" r:id="rId18"/>
+    <p:sldId id="261" r:id="rId19"/>
   </p:sldIdLst>
   <p:sldSz cx="12192000" cy="6858000"/>
   <p:notesSz cx="6858000" cy="9144000"/>
@@ -122,6 +124,11 @@
       </a:defRPr>
     </a:lvl9pPr>
   </p:defaultTextStyle>
+  <p:extLst>
+    <p:ext uri="{EFAFB233-063F-42B5-8137-9DF3F51BA10A}">
+      <p15:sldGuideLst xmlns:p15="http://schemas.microsoft.com/office/powerpoint/2012/main"/>
+    </p:ext>
+  </p:extLst>
 </p:presentation>
 </file>
 
@@ -207,7 +214,7 @@
           <a:p>
             <a:fld id="{D054A241-F106-4F39-AA12-60CE9DFA1BB9}" type="datetimeFigureOut">
               <a:rPr lang="ru-RU" smtClean="0"/>
-              <a:t>25.03.2025</a:t>
+              <a:t>26.03.2025</a:t>
             </a:fld>
             <a:endParaRPr lang="ru-RU"/>
           </a:p>
@@ -540,7 +547,7 @@
           <a:p>
             <a:fld id="{178B80E5-7496-4955-A84F-E796BEE384B0}" type="slidenum">
               <a:rPr lang="ru-RU" smtClean="0"/>
-              <a:t>6</a:t>
+              <a:t>7</a:t>
             </a:fld>
             <a:endParaRPr lang="ru-RU"/>
           </a:p>
@@ -690,7 +697,7 @@
           <a:p>
             <a:fld id="{8C1BFC87-188E-4EFD-80CA-0C297CE81861}" type="datetimeFigureOut">
               <a:rPr lang="ru-RU" smtClean="0"/>
-              <a:t>25.03.2025</a:t>
+              <a:t>26.03.2025</a:t>
             </a:fld>
             <a:endParaRPr lang="ru-RU"/>
           </a:p>
@@ -860,7 +867,7 @@
           <a:p>
             <a:fld id="{8C1BFC87-188E-4EFD-80CA-0C297CE81861}" type="datetimeFigureOut">
               <a:rPr lang="ru-RU" smtClean="0"/>
-              <a:t>25.03.2025</a:t>
+              <a:t>26.03.2025</a:t>
             </a:fld>
             <a:endParaRPr lang="ru-RU"/>
           </a:p>
@@ -1040,7 +1047,7 @@
           <a:p>
             <a:fld id="{8C1BFC87-188E-4EFD-80CA-0C297CE81861}" type="datetimeFigureOut">
               <a:rPr lang="ru-RU" smtClean="0"/>
-              <a:t>25.03.2025</a:t>
+              <a:t>26.03.2025</a:t>
             </a:fld>
             <a:endParaRPr lang="ru-RU"/>
           </a:p>
@@ -1210,7 +1217,7 @@
           <a:p>
             <a:fld id="{8C1BFC87-188E-4EFD-80CA-0C297CE81861}" type="datetimeFigureOut">
               <a:rPr lang="ru-RU" smtClean="0"/>
-              <a:t>25.03.2025</a:t>
+              <a:t>26.03.2025</a:t>
             </a:fld>
             <a:endParaRPr lang="ru-RU"/>
           </a:p>
@@ -1456,7 +1463,7 @@
           <a:p>
             <a:fld id="{8C1BFC87-188E-4EFD-80CA-0C297CE81861}" type="datetimeFigureOut">
               <a:rPr lang="ru-RU" smtClean="0"/>
-              <a:t>25.03.2025</a:t>
+              <a:t>26.03.2025</a:t>
             </a:fld>
             <a:endParaRPr lang="ru-RU"/>
           </a:p>
@@ -1688,7 +1695,7 @@
           <a:p>
             <a:fld id="{8C1BFC87-188E-4EFD-80CA-0C297CE81861}" type="datetimeFigureOut">
               <a:rPr lang="ru-RU" smtClean="0"/>
-              <a:t>25.03.2025</a:t>
+              <a:t>26.03.2025</a:t>
             </a:fld>
             <a:endParaRPr lang="ru-RU"/>
           </a:p>
@@ -2055,7 +2062,7 @@
           <a:p>
             <a:fld id="{8C1BFC87-188E-4EFD-80CA-0C297CE81861}" type="datetimeFigureOut">
               <a:rPr lang="ru-RU" smtClean="0"/>
-              <a:t>25.03.2025</a:t>
+              <a:t>26.03.2025</a:t>
             </a:fld>
             <a:endParaRPr lang="ru-RU"/>
           </a:p>
@@ -2173,7 +2180,7 @@
           <a:p>
             <a:fld id="{8C1BFC87-188E-4EFD-80CA-0C297CE81861}" type="datetimeFigureOut">
               <a:rPr lang="ru-RU" smtClean="0"/>
-              <a:t>25.03.2025</a:t>
+              <a:t>26.03.2025</a:t>
             </a:fld>
             <a:endParaRPr lang="ru-RU"/>
           </a:p>
@@ -2268,7 +2275,7 @@
           <a:p>
             <a:fld id="{8C1BFC87-188E-4EFD-80CA-0C297CE81861}" type="datetimeFigureOut">
               <a:rPr lang="ru-RU" smtClean="0"/>
-              <a:t>25.03.2025</a:t>
+              <a:t>26.03.2025</a:t>
             </a:fld>
             <a:endParaRPr lang="ru-RU"/>
           </a:p>
@@ -2545,7 +2552,7 @@
           <a:p>
             <a:fld id="{8C1BFC87-188E-4EFD-80CA-0C297CE81861}" type="datetimeFigureOut">
               <a:rPr lang="ru-RU" smtClean="0"/>
-              <a:t>25.03.2025</a:t>
+              <a:t>26.03.2025</a:t>
             </a:fld>
             <a:endParaRPr lang="ru-RU"/>
           </a:p>
@@ -2798,7 +2805,7 @@
           <a:p>
             <a:fld id="{8C1BFC87-188E-4EFD-80CA-0C297CE81861}" type="datetimeFigureOut">
               <a:rPr lang="ru-RU" smtClean="0"/>
-              <a:t>25.03.2025</a:t>
+              <a:t>26.03.2025</a:t>
             </a:fld>
             <a:endParaRPr lang="ru-RU"/>
           </a:p>
@@ -3011,7 +3018,7 @@
           <a:p>
             <a:fld id="{8C1BFC87-188E-4EFD-80CA-0C297CE81861}" type="datetimeFigureOut">
               <a:rPr lang="ru-RU" smtClean="0"/>
-              <a:t>25.03.2025</a:t>
+              <a:t>26.03.2025</a:t>
             </a:fld>
             <a:endParaRPr lang="ru-RU"/>
           </a:p>
@@ -3712,47 +3719,9 @@
           <a:chExt cx="0" cy="0"/>
         </a:xfrm>
       </p:grpSpPr>
-      <p:sp>
-        <p:nvSpPr>
-          <p:cNvPr id="2" name="Заголовок 1"/>
-          <p:cNvSpPr>
-            <a:spLocks noGrp="1"/>
-          </p:cNvSpPr>
-          <p:nvPr>
-            <p:ph type="title"/>
-          </p:nvPr>
-        </p:nvSpPr>
-        <p:spPr/>
-        <p:txBody>
-          <a:bodyPr/>
-          <a:lstStyle/>
-          <a:p>
-            <a:endParaRPr lang="ru-RU"/>
-          </a:p>
-        </p:txBody>
-      </p:sp>
-      <p:sp>
-        <p:nvSpPr>
-          <p:cNvPr id="3" name="Объект 2"/>
-          <p:cNvSpPr>
-            <a:spLocks noGrp="1"/>
-          </p:cNvSpPr>
-          <p:nvPr>
-            <p:ph idx="1"/>
-          </p:nvPr>
-        </p:nvSpPr>
-        <p:spPr/>
-        <p:txBody>
-          <a:bodyPr/>
-          <a:lstStyle/>
-          <a:p>
-            <a:endParaRPr lang="ru-RU"/>
-          </a:p>
-        </p:txBody>
-      </p:sp>
       <p:pic>
         <p:nvPicPr>
-          <p:cNvPr id="4" name="Рисунок 3"/>
+          <p:cNvPr id="8" name="Рисунок 7"/>
           <p:cNvPicPr>
             <a:picLocks noChangeAspect="1"/>
           </p:cNvPicPr>
@@ -3788,20 +3757,85 @@
         </p:nvSpPr>
         <p:spPr>
           <a:xfrm>
-            <a:off x="838200" y="1264015"/>
-            <a:ext cx="10515600" cy="2568717"/>
+            <a:off x="2782436" y="1278798"/>
+            <a:ext cx="6627135" cy="784382"/>
           </a:xfrm>
           <a:prstGeom prst="rect">
             <a:avLst/>
           </a:prstGeom>
         </p:spPr>
         <p:txBody>
+          <a:bodyPr wrap="none">
+            <a:spAutoFit/>
+          </a:bodyPr>
+          <a:lstStyle/>
+          <a:p>
+            <a:pPr algn="ctr">
+              <a:lnSpc>
+                <a:spcPct val="107000"/>
+              </a:lnSpc>
+              <a:spcBef>
+                <a:spcPts val="1200"/>
+              </a:spcBef>
+              <a:spcAft>
+                <a:spcPts val="0"/>
+              </a:spcAft>
+            </a:pPr>
+            <a:r>
+              <a:rPr lang="ru-RU" sz="4400" b="1" kern="0" dirty="0">
+                <a:solidFill>
+                  <a:srgbClr val="000000"/>
+                </a:solidFill>
+                <a:latin typeface="Arial Black" panose="020B0A04020102020204" pitchFamily="34" charset="0"/>
+                <a:ea typeface="Times New Roman" panose="02020603050405020304" pitchFamily="18" charset="0"/>
+                <a:cs typeface="Times New Roman" panose="02020603050405020304" pitchFamily="18" charset="0"/>
+              </a:rPr>
+              <a:t>Практическая </a:t>
+            </a:r>
+            <a:r>
+              <a:rPr lang="ru-RU" sz="4400" b="1" kern="0" dirty="0" smtClean="0">
+                <a:solidFill>
+                  <a:srgbClr val="000000"/>
+                </a:solidFill>
+                <a:latin typeface="Arial Black" panose="020B0A04020102020204" pitchFamily="34" charset="0"/>
+                <a:ea typeface="Times New Roman" panose="02020603050405020304" pitchFamily="18" charset="0"/>
+                <a:cs typeface="Times New Roman" panose="02020603050405020304" pitchFamily="18" charset="0"/>
+              </a:rPr>
+              <a:t>часть</a:t>
+            </a:r>
+            <a:endParaRPr lang="ru-RU" sz="4400" b="1" kern="0" dirty="0">
+              <a:solidFill>
+                <a:srgbClr val="2F5496"/>
+              </a:solidFill>
+              <a:latin typeface="Arial Black" panose="020B0A04020102020204" pitchFamily="34" charset="0"/>
+              <a:ea typeface="Times New Roman" panose="02020603050405020304" pitchFamily="18" charset="0"/>
+              <a:cs typeface="Times New Roman" panose="02020603050405020304" pitchFamily="18" charset="0"/>
+            </a:endParaRPr>
+          </a:p>
+        </p:txBody>
+      </p:sp>
+      <p:sp>
+        <p:nvSpPr>
+          <p:cNvPr id="6" name="Прямоугольник 5"/>
+          <p:cNvSpPr/>
+          <p:nvPr/>
+        </p:nvSpPr>
+        <p:spPr>
+          <a:xfrm>
+            <a:off x="2413820" y="2670944"/>
+            <a:ext cx="7364360" cy="739754"/>
+          </a:xfrm>
+          <a:prstGeom prst="rect">
+            <a:avLst/>
+          </a:prstGeom>
+        </p:spPr>
+        <p:txBody>
           <a:bodyPr wrap="square">
             <a:spAutoFit/>
           </a:bodyPr>
           <a:lstStyle/>
           <a:p>
-            <a:pPr algn="just">
+            <a:pPr algn="ctr">
               <a:lnSpc>
                 <a:spcPct val="150000"/>
               </a:lnSpc>
@@ -3810,136 +3844,30 @@
               </a:spcAft>
             </a:pPr>
             <a:r>
-              <a:rPr lang="ru-RU" sz="2200" dirty="0" smtClean="0">
-                <a:latin typeface="Arial" panose="020B0604020202020204" pitchFamily="34" charset="0"/>
-                <a:ea typeface="Calibri" panose="020F0502020204030204" pitchFamily="34" charset="0"/>
-                <a:cs typeface="Arial" panose="020B0604020202020204" pitchFamily="34" charset="0"/>
-              </a:rPr>
-              <a:t>	Далее </a:t>
-            </a:r>
-            <a:r>
-              <a:rPr lang="ru-RU" sz="2200" dirty="0">
-                <a:latin typeface="Arial" panose="020B0604020202020204" pitchFamily="34" charset="0"/>
-                <a:ea typeface="Calibri" panose="020F0502020204030204" pitchFamily="34" charset="0"/>
-                <a:cs typeface="Arial" panose="020B0604020202020204" pitchFamily="34" charset="0"/>
-              </a:rPr>
-              <a:t>мы должны получить </a:t>
-            </a:r>
-            <a:r>
-              <a:rPr lang="ru-RU" sz="2200" dirty="0" err="1">
-                <a:latin typeface="Arial" panose="020B0604020202020204" pitchFamily="34" charset="0"/>
-                <a:ea typeface="Calibri" panose="020F0502020204030204" pitchFamily="34" charset="0"/>
-                <a:cs typeface="Arial" panose="020B0604020202020204" pitchFamily="34" charset="0"/>
-              </a:rPr>
-              <a:t>токен</a:t>
-            </a:r>
-            <a:r>
-              <a:rPr lang="ru-RU" sz="2200" dirty="0">
-                <a:latin typeface="Arial" panose="020B0604020202020204" pitchFamily="34" charset="0"/>
-                <a:ea typeface="Calibri" panose="020F0502020204030204" pitchFamily="34" charset="0"/>
-                <a:cs typeface="Arial" panose="020B0604020202020204" pitchFamily="34" charset="0"/>
-              </a:rPr>
-              <a:t> бота через </a:t>
-            </a:r>
-            <a:r>
-              <a:rPr lang="ru-RU" sz="2200" dirty="0" err="1">
-                <a:latin typeface="Arial" panose="020B0604020202020204" pitchFamily="34" charset="0"/>
-                <a:ea typeface="Calibri" panose="020F0502020204030204" pitchFamily="34" charset="0"/>
-                <a:cs typeface="Arial" panose="020B0604020202020204" pitchFamily="34" charset="0"/>
-              </a:rPr>
-              <a:t>BotFather</a:t>
-            </a:r>
-            <a:r>
-              <a:rPr lang="ru-RU" sz="2200" dirty="0">
-                <a:latin typeface="Arial" panose="020B0604020202020204" pitchFamily="34" charset="0"/>
-                <a:ea typeface="Calibri" panose="020F0502020204030204" pitchFamily="34" charset="0"/>
-                <a:cs typeface="Arial" panose="020B0604020202020204" pitchFamily="34" charset="0"/>
-              </a:rPr>
-              <a:t> в </a:t>
-            </a:r>
-            <a:r>
-              <a:rPr lang="ru-RU" sz="2200" dirty="0" err="1">
-                <a:latin typeface="Arial" panose="020B0604020202020204" pitchFamily="34" charset="0"/>
-                <a:ea typeface="Calibri" panose="020F0502020204030204" pitchFamily="34" charset="0"/>
-                <a:cs typeface="Arial" panose="020B0604020202020204" pitchFamily="34" charset="0"/>
-              </a:rPr>
-              <a:t>Telegram</a:t>
-            </a:r>
-            <a:r>
-              <a:rPr lang="ru-RU" sz="2200" dirty="0">
-                <a:latin typeface="Arial" panose="020B0604020202020204" pitchFamily="34" charset="0"/>
-                <a:ea typeface="Calibri" panose="020F0502020204030204" pitchFamily="34" charset="0"/>
-                <a:cs typeface="Arial" panose="020B0604020202020204" pitchFamily="34" charset="0"/>
-              </a:rPr>
-              <a:t>. </a:t>
-            </a:r>
-            <a:r>
-              <a:rPr lang="ru-RU" sz="2200" dirty="0" err="1">
-                <a:solidFill>
-                  <a:srgbClr val="333333"/>
-                </a:solidFill>
-                <a:latin typeface="Arial" panose="020B0604020202020204" pitchFamily="34" charset="0"/>
-                <a:ea typeface="Calibri" panose="020F0502020204030204" pitchFamily="34" charset="0"/>
-                <a:cs typeface="Arial" panose="020B0604020202020204" pitchFamily="34" charset="0"/>
-              </a:rPr>
-              <a:t>Токен</a:t>
-            </a:r>
-            <a:r>
-              <a:rPr lang="ru-RU" sz="2200" dirty="0">
-                <a:solidFill>
-                  <a:srgbClr val="333333"/>
-                </a:solidFill>
-                <a:latin typeface="Arial" panose="020B0604020202020204" pitchFamily="34" charset="0"/>
-                <a:ea typeface="Calibri" panose="020F0502020204030204" pitchFamily="34" charset="0"/>
-                <a:cs typeface="Arial" panose="020B0604020202020204" pitchFamily="34" charset="0"/>
-              </a:rPr>
-              <a:t> бота в </a:t>
-            </a:r>
-            <a:r>
-              <a:rPr lang="ru-RU" sz="2200" dirty="0" err="1">
-                <a:solidFill>
-                  <a:srgbClr val="333333"/>
-                </a:solidFill>
-                <a:latin typeface="Arial" panose="020B0604020202020204" pitchFamily="34" charset="0"/>
-                <a:ea typeface="Calibri" panose="020F0502020204030204" pitchFamily="34" charset="0"/>
-                <a:cs typeface="Arial" panose="020B0604020202020204" pitchFamily="34" charset="0"/>
-              </a:rPr>
-              <a:t>Telegram</a:t>
-            </a:r>
-            <a:r>
-              <a:rPr lang="ru-RU" sz="2200" dirty="0">
-                <a:solidFill>
-                  <a:srgbClr val="333333"/>
-                </a:solidFill>
-                <a:latin typeface="Arial" panose="020B0604020202020204" pitchFamily="34" charset="0"/>
-                <a:ea typeface="Calibri" panose="020F0502020204030204" pitchFamily="34" charset="0"/>
-                <a:cs typeface="Arial" panose="020B0604020202020204" pitchFamily="34" charset="0"/>
-              </a:rPr>
-              <a:t> — </a:t>
-            </a:r>
-            <a:r>
-              <a:rPr lang="ru-RU" sz="2200" b="1" dirty="0">
-                <a:solidFill>
-                  <a:srgbClr val="333333"/>
-                </a:solidFill>
-                <a:latin typeface="Arial" panose="020B0604020202020204" pitchFamily="34" charset="0"/>
-                <a:ea typeface="Calibri" panose="020F0502020204030204" pitchFamily="34" charset="0"/>
-                <a:cs typeface="Arial" panose="020B0604020202020204" pitchFamily="34" charset="0"/>
-              </a:rPr>
-              <a:t>это уникальный набор символов, который адресует нужный ресурс именно к данному боту</a:t>
-            </a:r>
-            <a:r>
-              <a:rPr lang="ru-RU" sz="2200" dirty="0">
-                <a:solidFill>
-                  <a:srgbClr val="333333"/>
-                </a:solidFill>
-                <a:latin typeface="Arial" panose="020B0604020202020204" pitchFamily="34" charset="0"/>
-                <a:ea typeface="Calibri" panose="020F0502020204030204" pitchFamily="34" charset="0"/>
-                <a:cs typeface="Arial" panose="020B0604020202020204" pitchFamily="34" charset="0"/>
-              </a:rPr>
-              <a:t>, избегая путаницы с другими ботами. Вставив его в программу как переменную, мы обозначим программе в какой бот именно будут адресованы наши будущие команды.</a:t>
-            </a:r>
-            <a:endParaRPr lang="ru-RU" sz="2200" dirty="0">
+              <a:rPr lang="ru-RU" sz="3200" dirty="0" smtClean="0">
+                <a:latin typeface="Arial" panose="020B0604020202020204" pitchFamily="34" charset="0"/>
+                <a:ea typeface="Calibri" panose="020F0502020204030204" pitchFamily="34" charset="0"/>
+                <a:cs typeface="Arial" panose="020B0604020202020204" pitchFamily="34" charset="0"/>
+              </a:rPr>
+              <a:t>И</a:t>
+            </a:r>
+            <a:r>
+              <a:rPr lang="ru-RU" sz="3200" dirty="0" smtClean="0">
+                <a:latin typeface="Arial" panose="020B0604020202020204" pitchFamily="34" charset="0"/>
+                <a:ea typeface="Calibri" panose="020F0502020204030204" pitchFamily="34" charset="0"/>
+                <a:cs typeface="Arial" panose="020B0604020202020204" pitchFamily="34" charset="0"/>
+              </a:rPr>
+              <a:t>мпортируем библиотеку </a:t>
+            </a:r>
+            <a:r>
+              <a:rPr lang="en-US" sz="3200" dirty="0" err="1" smtClean="0">
+                <a:latin typeface="Arial" panose="020B0604020202020204" pitchFamily="34" charset="0"/>
+                <a:ea typeface="Calibri" panose="020F0502020204030204" pitchFamily="34" charset="0"/>
+                <a:cs typeface="Arial" panose="020B0604020202020204" pitchFamily="34" charset="0"/>
+              </a:rPr>
+              <a:t>aiogram</a:t>
+            </a:r>
+            <a:endParaRPr lang="ru-RU" sz="2400" dirty="0">
               <a:effectLst/>
               <a:latin typeface="Arial" panose="020B0604020202020204" pitchFamily="34" charset="0"/>
               <a:ea typeface="Calibri" panose="020F0502020204030204" pitchFamily="34" charset="0"/>
@@ -3950,7 +3878,7 @@
       </p:sp>
       <p:pic>
         <p:nvPicPr>
-          <p:cNvPr id="6" name="Рисунок 5"/>
+          <p:cNvPr id="7" name="Рисунок 6"/>
           <p:cNvPicPr/>
           <p:nvPr/>
         </p:nvPicPr>
@@ -3968,8 +3896,8 @@
         </p:blipFill>
         <p:spPr>
           <a:xfrm>
-            <a:off x="1054356" y="4261370"/>
-            <a:ext cx="10083288" cy="1074000"/>
+            <a:off x="2782436" y="3593876"/>
+            <a:ext cx="6627135" cy="2043014"/>
           </a:xfrm>
           <a:prstGeom prst="rect">
             <a:avLst/>
@@ -3978,7 +3906,7 @@
       </p:pic>
       <p:pic>
         <p:nvPicPr>
-          <p:cNvPr id="7" name="Picture 2" descr="https://lh7-rt.googleusercontent.com/slidesz/AGV_vUd8F4EE1wzuFxCyXG1Kse3hFsL9usWqkaofEajgMGUQkZLhBlEWhRJgQ4vMglAAyo8vQ3yIipUQeIJAAWQnt_ajpvcI2w5AeFF7CwxXr9Am9vUdasSJUZnIxKzLo4uCuZD4qBnyrg=s2048?key=Y6vFkQwsukFWBCD0PD32GgMn"/>
+          <p:cNvPr id="9" name="Picture 2" descr="https://lh7-rt.googleusercontent.com/slidesz/AGV_vUd8F4EE1wzuFxCyXG1Kse3hFsL9usWqkaofEajgMGUQkZLhBlEWhRJgQ4vMglAAyo8vQ3yIipUQeIJAAWQnt_ajpvcI2w5AeFF7CwxXr9Am9vUdasSJUZnIxKzLo4uCuZD4qBnyrg=s2048?key=Y6vFkQwsukFWBCD0PD32GgMn"/>
           <p:cNvPicPr>
             <a:picLocks noChangeAspect="1" noChangeArrowheads="1"/>
           </p:cNvPicPr>
@@ -4020,7 +3948,7 @@
     </p:spTree>
     <p:extLst>
       <p:ext uri="{BB962C8B-B14F-4D97-AF65-F5344CB8AC3E}">
-        <p14:creationId xmlns:p14="http://schemas.microsoft.com/office/powerpoint/2010/main" val="2292053128"/>
+        <p14:creationId xmlns:p14="http://schemas.microsoft.com/office/powerpoint/2010/main" val="2595437770"/>
       </p:ext>
     </p:extLst>
   </p:cSld>
@@ -4130,8 +4058,8 @@
         </p:nvSpPr>
         <p:spPr>
           <a:xfrm>
-            <a:off x="3165987" y="3119651"/>
-            <a:ext cx="5860026" cy="3057312"/>
+            <a:off x="838200" y="1264015"/>
+            <a:ext cx="10515600" cy="2217082"/>
           </a:xfrm>
           <a:prstGeom prst="rect">
             <a:avLst/>
@@ -4143,272 +4071,293 @@
           </a:bodyPr>
           <a:lstStyle/>
           <a:p>
-            <a:pPr algn="ctr">
+            <a:pPr algn="just">
               <a:lnSpc>
-                <a:spcPct val="107000"/>
+                <a:spcPct val="150000"/>
               </a:lnSpc>
               <a:spcAft>
                 <a:spcPts val="800"/>
               </a:spcAft>
             </a:pPr>
             <a:r>
-              <a:rPr lang="ru-RU" dirty="0">
-                <a:latin typeface="Arial" panose="020B0604020202020204" pitchFamily="34" charset="0"/>
-                <a:ea typeface="Calibri" panose="020F0502020204030204" pitchFamily="34" charset="0"/>
-                <a:cs typeface="Arial" panose="020B0604020202020204" pitchFamily="34" charset="0"/>
-              </a:rPr>
-              <a:t>Наш бот будет выполнять 5 команд:</a:t>
-            </a:r>
-            <a:endParaRPr lang="ru-RU" sz="1400" dirty="0" smtClean="0">
+              <a:rPr lang="ru-RU" sz="3200" dirty="0" smtClean="0">
+                <a:latin typeface="Arial" panose="020B0604020202020204" pitchFamily="34" charset="0"/>
+                <a:ea typeface="Calibri" panose="020F0502020204030204" pitchFamily="34" charset="0"/>
+                <a:cs typeface="Arial" panose="020B0604020202020204" pitchFamily="34" charset="0"/>
+              </a:rPr>
+              <a:t>	</a:t>
+            </a:r>
+            <a:r>
+              <a:rPr lang="ru-RU" sz="3200" dirty="0" err="1" smtClean="0">
+                <a:solidFill>
+                  <a:srgbClr val="333333"/>
+                </a:solidFill>
+                <a:latin typeface="Arial" panose="020B0604020202020204" pitchFamily="34" charset="0"/>
+                <a:ea typeface="Calibri" panose="020F0502020204030204" pitchFamily="34" charset="0"/>
+                <a:cs typeface="Arial" panose="020B0604020202020204" pitchFamily="34" charset="0"/>
+              </a:rPr>
+              <a:t>Токен</a:t>
+            </a:r>
+            <a:r>
+              <a:rPr lang="ru-RU" sz="3200" dirty="0" smtClean="0">
+                <a:solidFill>
+                  <a:srgbClr val="333333"/>
+                </a:solidFill>
+                <a:latin typeface="Arial" panose="020B0604020202020204" pitchFamily="34" charset="0"/>
+                <a:ea typeface="Calibri" panose="020F0502020204030204" pitchFamily="34" charset="0"/>
+                <a:cs typeface="Arial" panose="020B0604020202020204" pitchFamily="34" charset="0"/>
+              </a:rPr>
+              <a:t> </a:t>
+            </a:r>
+            <a:r>
+              <a:rPr lang="ru-RU" sz="3200" dirty="0">
+                <a:solidFill>
+                  <a:srgbClr val="333333"/>
+                </a:solidFill>
+                <a:latin typeface="Arial" panose="020B0604020202020204" pitchFamily="34" charset="0"/>
+                <a:ea typeface="Calibri" panose="020F0502020204030204" pitchFamily="34" charset="0"/>
+                <a:cs typeface="Arial" panose="020B0604020202020204" pitchFamily="34" charset="0"/>
+              </a:rPr>
+              <a:t>бота в </a:t>
+            </a:r>
+            <a:r>
+              <a:rPr lang="ru-RU" sz="3200" dirty="0" err="1">
+                <a:solidFill>
+                  <a:srgbClr val="333333"/>
+                </a:solidFill>
+                <a:latin typeface="Arial" panose="020B0604020202020204" pitchFamily="34" charset="0"/>
+                <a:ea typeface="Calibri" panose="020F0502020204030204" pitchFamily="34" charset="0"/>
+                <a:cs typeface="Arial" panose="020B0604020202020204" pitchFamily="34" charset="0"/>
+              </a:rPr>
+              <a:t>Telegram</a:t>
+            </a:r>
+            <a:r>
+              <a:rPr lang="ru-RU" sz="3200" dirty="0">
+                <a:solidFill>
+                  <a:srgbClr val="333333"/>
+                </a:solidFill>
+                <a:latin typeface="Arial" panose="020B0604020202020204" pitchFamily="34" charset="0"/>
+                <a:ea typeface="Calibri" panose="020F0502020204030204" pitchFamily="34" charset="0"/>
+                <a:cs typeface="Arial" panose="020B0604020202020204" pitchFamily="34" charset="0"/>
+              </a:rPr>
+              <a:t> — </a:t>
+            </a:r>
+            <a:r>
+              <a:rPr lang="ru-RU" sz="3200" b="1" dirty="0">
+                <a:solidFill>
+                  <a:srgbClr val="333333"/>
+                </a:solidFill>
+                <a:latin typeface="Arial" panose="020B0604020202020204" pitchFamily="34" charset="0"/>
+                <a:ea typeface="Calibri" panose="020F0502020204030204" pitchFamily="34" charset="0"/>
+                <a:cs typeface="Arial" panose="020B0604020202020204" pitchFamily="34" charset="0"/>
+              </a:rPr>
+              <a:t>это уникальный набор символов, который адресует нужный ресурс именно к данному </a:t>
+            </a:r>
+            <a:r>
+              <a:rPr lang="ru-RU" sz="3200" b="1" dirty="0" smtClean="0">
+                <a:solidFill>
+                  <a:srgbClr val="333333"/>
+                </a:solidFill>
+                <a:latin typeface="Arial" panose="020B0604020202020204" pitchFamily="34" charset="0"/>
+                <a:ea typeface="Calibri" panose="020F0502020204030204" pitchFamily="34" charset="0"/>
+                <a:cs typeface="Arial" panose="020B0604020202020204" pitchFamily="34" charset="0"/>
+              </a:rPr>
+              <a:t>боту</a:t>
+            </a:r>
+            <a:r>
+              <a:rPr lang="ru-RU" sz="3200" dirty="0">
+                <a:solidFill>
+                  <a:srgbClr val="333333"/>
+                </a:solidFill>
+                <a:latin typeface="Arial" panose="020B0604020202020204" pitchFamily="34" charset="0"/>
+                <a:ea typeface="Calibri" panose="020F0502020204030204" pitchFamily="34" charset="0"/>
+                <a:cs typeface="Arial" panose="020B0604020202020204" pitchFamily="34" charset="0"/>
+              </a:rPr>
+              <a:t>.</a:t>
+            </a:r>
+            <a:endParaRPr lang="ru-RU" sz="3200" dirty="0">
               <a:effectLst/>
               <a:latin typeface="Arial" panose="020B0604020202020204" pitchFamily="34" charset="0"/>
               <a:ea typeface="Calibri" panose="020F0502020204030204" pitchFamily="34" charset="0"/>
               <a:cs typeface="Arial" panose="020B0604020202020204" pitchFamily="34" charset="0"/>
             </a:endParaRPr>
           </a:p>
-          <a:p>
-            <a:pPr algn="ctr">
-              <a:lnSpc>
-                <a:spcPct val="107000"/>
-              </a:lnSpc>
-              <a:spcAft>
-                <a:spcPts val="800"/>
-              </a:spcAft>
-            </a:pPr>
-            <a:r>
-              <a:rPr lang="ru-RU" dirty="0">
-                <a:latin typeface="Arial" panose="020B0604020202020204" pitchFamily="34" charset="0"/>
-                <a:ea typeface="Calibri" panose="020F0502020204030204" pitchFamily="34" charset="0"/>
-                <a:cs typeface="Arial" panose="020B0604020202020204" pitchFamily="34" charset="0"/>
-              </a:rPr>
-              <a:t>/</a:t>
-            </a:r>
-            <a:r>
-              <a:rPr lang="ru-RU" dirty="0" err="1">
-                <a:latin typeface="Arial" panose="020B0604020202020204" pitchFamily="34" charset="0"/>
-                <a:ea typeface="Calibri" panose="020F0502020204030204" pitchFamily="34" charset="0"/>
-                <a:cs typeface="Arial" panose="020B0604020202020204" pitchFamily="34" charset="0"/>
-              </a:rPr>
-              <a:t>info</a:t>
-            </a:r>
-            <a:r>
-              <a:rPr lang="ru-RU" dirty="0">
-                <a:latin typeface="Arial" panose="020B0604020202020204" pitchFamily="34" charset="0"/>
-                <a:ea typeface="Calibri" panose="020F0502020204030204" pitchFamily="34" charset="0"/>
-                <a:cs typeface="Arial" panose="020B0604020202020204" pitchFamily="34" charset="0"/>
-              </a:rPr>
-              <a:t> – информация и телефоны больницы  </a:t>
-            </a:r>
-            <a:endParaRPr lang="ru-RU" sz="1400" dirty="0" smtClean="0">
-              <a:effectLst/>
-              <a:latin typeface="Arial" panose="020B0604020202020204" pitchFamily="34" charset="0"/>
-              <a:ea typeface="Calibri" panose="020F0502020204030204" pitchFamily="34" charset="0"/>
-              <a:cs typeface="Arial" panose="020B0604020202020204" pitchFamily="34" charset="0"/>
-            </a:endParaRPr>
-          </a:p>
-          <a:p>
-            <a:pPr algn="ctr">
-              <a:lnSpc>
-                <a:spcPct val="107000"/>
-              </a:lnSpc>
-              <a:spcAft>
-                <a:spcPts val="800"/>
-              </a:spcAft>
-            </a:pPr>
-            <a:r>
-              <a:rPr lang="ru-RU" dirty="0">
-                <a:latin typeface="Arial" panose="020B0604020202020204" pitchFamily="34" charset="0"/>
-                <a:ea typeface="Calibri" panose="020F0502020204030204" pitchFamily="34" charset="0"/>
-                <a:cs typeface="Arial" panose="020B0604020202020204" pitchFamily="34" charset="0"/>
-              </a:rPr>
-              <a:t>/</a:t>
-            </a:r>
-            <a:r>
-              <a:rPr lang="ru-RU" dirty="0" err="1">
-                <a:latin typeface="Arial" panose="020B0604020202020204" pitchFamily="34" charset="0"/>
-                <a:ea typeface="Calibri" panose="020F0502020204030204" pitchFamily="34" charset="0"/>
-                <a:cs typeface="Arial" panose="020B0604020202020204" pitchFamily="34" charset="0"/>
-              </a:rPr>
-              <a:t>doctors</a:t>
-            </a:r>
-            <a:r>
-              <a:rPr lang="ru-RU" dirty="0">
-                <a:latin typeface="Arial" panose="020B0604020202020204" pitchFamily="34" charset="0"/>
-                <a:ea typeface="Calibri" panose="020F0502020204030204" pitchFamily="34" charset="0"/>
-                <a:cs typeface="Arial" panose="020B0604020202020204" pitchFamily="34" charset="0"/>
-              </a:rPr>
-              <a:t> - список медицинских работников</a:t>
-            </a:r>
-            <a:endParaRPr lang="ru-RU" sz="1400" dirty="0" smtClean="0">
-              <a:effectLst/>
-              <a:latin typeface="Arial" panose="020B0604020202020204" pitchFamily="34" charset="0"/>
-              <a:ea typeface="Calibri" panose="020F0502020204030204" pitchFamily="34" charset="0"/>
-              <a:cs typeface="Arial" panose="020B0604020202020204" pitchFamily="34" charset="0"/>
-            </a:endParaRPr>
-          </a:p>
-          <a:p>
-            <a:pPr algn="ctr">
-              <a:lnSpc>
-                <a:spcPct val="107000"/>
-              </a:lnSpc>
-              <a:spcAft>
-                <a:spcPts val="800"/>
-              </a:spcAft>
-            </a:pPr>
-            <a:r>
-              <a:rPr lang="ru-RU" dirty="0">
-                <a:latin typeface="Arial" panose="020B0604020202020204" pitchFamily="34" charset="0"/>
-                <a:ea typeface="Calibri" panose="020F0502020204030204" pitchFamily="34" charset="0"/>
-                <a:cs typeface="Arial" panose="020B0604020202020204" pitchFamily="34" charset="0"/>
-              </a:rPr>
-              <a:t>/</a:t>
-            </a:r>
-            <a:r>
-              <a:rPr lang="ru-RU" dirty="0" err="1">
-                <a:latin typeface="Arial" panose="020B0604020202020204" pitchFamily="34" charset="0"/>
-                <a:ea typeface="Calibri" panose="020F0502020204030204" pitchFamily="34" charset="0"/>
-                <a:cs typeface="Arial" panose="020B0604020202020204" pitchFamily="34" charset="0"/>
-              </a:rPr>
-              <a:t>schedule</a:t>
-            </a:r>
-            <a:r>
-              <a:rPr lang="ru-RU" dirty="0">
-                <a:latin typeface="Arial" panose="020B0604020202020204" pitchFamily="34" charset="0"/>
-                <a:ea typeface="Calibri" panose="020F0502020204030204" pitchFamily="34" charset="0"/>
-                <a:cs typeface="Arial" panose="020B0604020202020204" pitchFamily="34" charset="0"/>
-              </a:rPr>
-              <a:t> - расписание работы</a:t>
-            </a:r>
-            <a:endParaRPr lang="ru-RU" sz="1400" dirty="0" smtClean="0">
-              <a:effectLst/>
-              <a:latin typeface="Arial" panose="020B0604020202020204" pitchFamily="34" charset="0"/>
-              <a:ea typeface="Calibri" panose="020F0502020204030204" pitchFamily="34" charset="0"/>
-              <a:cs typeface="Arial" panose="020B0604020202020204" pitchFamily="34" charset="0"/>
-            </a:endParaRPr>
-          </a:p>
-          <a:p>
-            <a:pPr algn="ctr">
-              <a:lnSpc>
-                <a:spcPct val="107000"/>
-              </a:lnSpc>
-              <a:spcAft>
-                <a:spcPts val="800"/>
-              </a:spcAft>
-            </a:pPr>
-            <a:r>
-              <a:rPr lang="ru-RU" dirty="0">
-                <a:latin typeface="Arial" panose="020B0604020202020204" pitchFamily="34" charset="0"/>
-                <a:ea typeface="Calibri" panose="020F0502020204030204" pitchFamily="34" charset="0"/>
-                <a:cs typeface="Arial" panose="020B0604020202020204" pitchFamily="34" charset="0"/>
-              </a:rPr>
-              <a:t>/</a:t>
-            </a:r>
-            <a:r>
-              <a:rPr lang="ru-RU" dirty="0" err="1">
-                <a:latin typeface="Arial" panose="020B0604020202020204" pitchFamily="34" charset="0"/>
-                <a:ea typeface="Calibri" panose="020F0502020204030204" pitchFamily="34" charset="0"/>
-                <a:cs typeface="Arial" panose="020B0604020202020204" pitchFamily="34" charset="0"/>
-              </a:rPr>
-              <a:t>professions</a:t>
-            </a:r>
-            <a:r>
-              <a:rPr lang="ru-RU" dirty="0">
-                <a:latin typeface="Arial" panose="020B0604020202020204" pitchFamily="34" charset="0"/>
-                <a:ea typeface="Calibri" panose="020F0502020204030204" pitchFamily="34" charset="0"/>
-                <a:cs typeface="Arial" panose="020B0604020202020204" pitchFamily="34" charset="0"/>
-              </a:rPr>
-              <a:t> – специальности</a:t>
-            </a:r>
-            <a:endParaRPr lang="ru-RU" sz="1400" dirty="0" smtClean="0">
-              <a:effectLst/>
-              <a:latin typeface="Arial" panose="020B0604020202020204" pitchFamily="34" charset="0"/>
-              <a:ea typeface="Calibri" panose="020F0502020204030204" pitchFamily="34" charset="0"/>
-              <a:cs typeface="Arial" panose="020B0604020202020204" pitchFamily="34" charset="0"/>
-            </a:endParaRPr>
-          </a:p>
-          <a:p>
-            <a:pPr algn="ctr">
-              <a:lnSpc>
-                <a:spcPct val="107000"/>
-              </a:lnSpc>
-              <a:spcAft>
-                <a:spcPts val="800"/>
-              </a:spcAft>
-            </a:pPr>
-            <a:r>
-              <a:rPr lang="ru-RU" dirty="0">
-                <a:latin typeface="Arial" panose="020B0604020202020204" pitchFamily="34" charset="0"/>
-                <a:ea typeface="Calibri" panose="020F0502020204030204" pitchFamily="34" charset="0"/>
-                <a:cs typeface="Arial" panose="020B0604020202020204" pitchFamily="34" charset="0"/>
-              </a:rPr>
-              <a:t>/</a:t>
-            </a:r>
-            <a:r>
-              <a:rPr lang="en-US" dirty="0">
+        </p:txBody>
+      </p:sp>
+      <p:pic>
+        <p:nvPicPr>
+          <p:cNvPr id="6" name="Рисунок 5"/>
+          <p:cNvPicPr/>
+          <p:nvPr/>
+        </p:nvPicPr>
+        <p:blipFill>
+          <a:blip r:embed="rId3">
+            <a:extLst>
+              <a:ext uri="{28A0092B-C50C-407E-A947-70E740481C1C}">
+                <a14:useLocalDpi xmlns:a14="http://schemas.microsoft.com/office/drawing/2010/main" val="0"/>
+              </a:ext>
+            </a:extLst>
+          </a:blip>
+          <a:stretch>
+            <a:fillRect/>
+          </a:stretch>
+        </p:blipFill>
+        <p:spPr>
+          <a:xfrm>
+            <a:off x="1054356" y="4001294"/>
+            <a:ext cx="10083288" cy="1074000"/>
+          </a:xfrm>
+          <a:prstGeom prst="rect">
+            <a:avLst/>
+          </a:prstGeom>
+        </p:spPr>
+      </p:pic>
+      <p:pic>
+        <p:nvPicPr>
+          <p:cNvPr id="7" name="Picture 2" descr="https://lh7-rt.googleusercontent.com/slidesz/AGV_vUd8F4EE1wzuFxCyXG1Kse3hFsL9usWqkaofEajgMGUQkZLhBlEWhRJgQ4vMglAAyo8vQ3yIipUQeIJAAWQnt_ajpvcI2w5AeFF7CwxXr9Am9vUdasSJUZnIxKzLo4uCuZD4qBnyrg=s2048?key=Y6vFkQwsukFWBCD0PD32GgMn"/>
+          <p:cNvPicPr>
+            <a:picLocks noChangeAspect="1" noChangeArrowheads="1"/>
+          </p:cNvPicPr>
+          <p:nvPr/>
+        </p:nvPicPr>
+        <p:blipFill>
+          <a:blip r:embed="rId4" cstate="print">
+            <a:extLst>
+              <a:ext uri="{28A0092B-C50C-407E-A947-70E740481C1C}">
+                <a14:useLocalDpi xmlns:a14="http://schemas.microsoft.com/office/drawing/2010/main" val="0"/>
+              </a:ext>
+            </a:extLst>
+          </a:blip>
+          <a:srcRect/>
+          <a:stretch>
+            <a:fillRect/>
+          </a:stretch>
+        </p:blipFill>
+        <p:spPr bwMode="auto">
+          <a:xfrm>
+            <a:off x="10961206" y="208100"/>
+            <a:ext cx="1023520" cy="1119117"/>
+          </a:xfrm>
+          <a:prstGeom prst="rect">
+            <a:avLst/>
+          </a:prstGeom>
+          <a:noFill/>
+          <a:extLst>
+            <a:ext uri="{909E8E84-426E-40DD-AFC4-6F175D3DCCD1}">
+              <a14:hiddenFill xmlns:a14="http://schemas.microsoft.com/office/drawing/2010/main">
                 <a:solidFill>
-                  <a:srgbClr val="000000"/>
+                  <a:srgbClr val="FFFFFF"/>
                 </a:solidFill>
-                <a:latin typeface="Arial" panose="020B0604020202020204" pitchFamily="34" charset="0"/>
-                <a:ea typeface="Calibri" panose="020F0502020204030204" pitchFamily="34" charset="0"/>
-                <a:cs typeface="Arial" panose="020B0604020202020204" pitchFamily="34" charset="0"/>
-              </a:rPr>
-              <a:t>t</a:t>
-            </a:r>
-            <a:r>
-              <a:rPr lang="ru-RU" dirty="0" err="1">
-                <a:solidFill>
-                  <a:srgbClr val="000000"/>
-                </a:solidFill>
-                <a:latin typeface="Arial" panose="020B0604020202020204" pitchFamily="34" charset="0"/>
-                <a:ea typeface="Calibri" panose="020F0502020204030204" pitchFamily="34" charset="0"/>
-                <a:cs typeface="Arial" panose="020B0604020202020204" pitchFamily="34" charset="0"/>
-              </a:rPr>
-              <a:t>he_bosses</a:t>
-            </a:r>
-            <a:r>
-              <a:rPr lang="ru-RU" dirty="0">
-                <a:solidFill>
-                  <a:srgbClr val="000000"/>
-                </a:solidFill>
-                <a:latin typeface="Arial" panose="020B0604020202020204" pitchFamily="34" charset="0"/>
-                <a:ea typeface="Calibri" panose="020F0502020204030204" pitchFamily="34" charset="0"/>
-                <a:cs typeface="Arial" panose="020B0604020202020204" pitchFamily="34" charset="0"/>
-              </a:rPr>
-              <a:t> – начальство</a:t>
-            </a:r>
-            <a:endParaRPr lang="ru-RU" sz="1400" dirty="0" smtClean="0">
-              <a:effectLst/>
-              <a:latin typeface="Arial" panose="020B0604020202020204" pitchFamily="34" charset="0"/>
-              <a:ea typeface="Calibri" panose="020F0502020204030204" pitchFamily="34" charset="0"/>
-              <a:cs typeface="Arial" panose="020B0604020202020204" pitchFamily="34" charset="0"/>
-            </a:endParaRPr>
-          </a:p>
-          <a:p>
-            <a:pPr algn="ctr">
-              <a:lnSpc>
-                <a:spcPct val="107000"/>
-              </a:lnSpc>
-              <a:spcAft>
-                <a:spcPts val="800"/>
-              </a:spcAft>
-            </a:pPr>
-            <a:r>
-              <a:rPr lang="ru-RU" dirty="0">
-                <a:latin typeface="Arial" panose="020B0604020202020204" pitchFamily="34" charset="0"/>
-                <a:ea typeface="Calibri" panose="020F0502020204030204" pitchFamily="34" charset="0"/>
-                <a:cs typeface="Arial" panose="020B0604020202020204" pitchFamily="34" charset="0"/>
-              </a:rPr>
-              <a:t>И эти команды мы сохраняем в программе как переменные</a:t>
-            </a:r>
-            <a:endParaRPr lang="ru-RU" sz="1400" dirty="0">
-              <a:effectLst/>
-              <a:latin typeface="Arial" panose="020B0604020202020204" pitchFamily="34" charset="0"/>
-              <a:ea typeface="Calibri" panose="020F0502020204030204" pitchFamily="34" charset="0"/>
-              <a:cs typeface="Arial" panose="020B0604020202020204" pitchFamily="34" charset="0"/>
-            </a:endParaRPr>
-          </a:p>
-        </p:txBody>
-      </p:sp>
+              </a14:hiddenFill>
+            </a:ext>
+          </a:extLst>
+        </p:spPr>
+      </p:pic>
+    </p:spTree>
+    <p:extLst>
+      <p:ext uri="{BB962C8B-B14F-4D97-AF65-F5344CB8AC3E}">
+        <p14:creationId xmlns:p14="http://schemas.microsoft.com/office/powerpoint/2010/main" val="2292053128"/>
+      </p:ext>
+    </p:extLst>
+  </p:cSld>
+  <p:clrMapOvr>
+    <a:masterClrMapping/>
+  </p:clrMapOvr>
+  <p:timing>
+    <p:tnLst>
+      <p:par>
+        <p:cTn id="1" dur="indefinite" restart="never" nodeType="tmRoot"/>
+      </p:par>
+    </p:tnLst>
+  </p:timing>
+</p:sld>
+</file>
+
+<file path=ppt/slides/slide12.xml><?xml version="1.0" encoding="utf-8"?>
+<p:sld xmlns:a="http://schemas.openxmlformats.org/drawingml/2006/main" xmlns:r="http://schemas.openxmlformats.org/officeDocument/2006/relationships" xmlns:p="http://schemas.openxmlformats.org/presentationml/2006/main">
+  <p:cSld>
+    <p:spTree>
+      <p:nvGrpSpPr>
+        <p:cNvPr id="1" name=""/>
+        <p:cNvGrpSpPr/>
+        <p:nvPr/>
+      </p:nvGrpSpPr>
+      <p:grpSpPr>
+        <a:xfrm>
+          <a:off x="0" y="0"/>
+          <a:ext cx="0" cy="0"/>
+          <a:chOff x="0" y="0"/>
+          <a:chExt cx="0" cy="0"/>
+        </a:xfrm>
+      </p:grpSpPr>
+      <p:sp>
+        <p:nvSpPr>
+          <p:cNvPr id="2" name="Заголовок 1"/>
+          <p:cNvSpPr>
+            <a:spLocks noGrp="1"/>
+          </p:cNvSpPr>
+          <p:nvPr>
+            <p:ph type="title"/>
+          </p:nvPr>
+        </p:nvSpPr>
+        <p:spPr/>
+        <p:txBody>
+          <a:bodyPr/>
+          <a:lstStyle/>
+          <a:p>
+            <a:endParaRPr lang="ru-RU"/>
+          </a:p>
+        </p:txBody>
+      </p:sp>
+      <p:sp>
+        <p:nvSpPr>
+          <p:cNvPr id="3" name="Объект 2"/>
+          <p:cNvSpPr>
+            <a:spLocks noGrp="1"/>
+          </p:cNvSpPr>
+          <p:nvPr>
+            <p:ph idx="1"/>
+          </p:nvPr>
+        </p:nvSpPr>
+        <p:spPr/>
+        <p:txBody>
+          <a:bodyPr/>
+          <a:lstStyle/>
+          <a:p>
+            <a:endParaRPr lang="ru-RU"/>
+          </a:p>
+        </p:txBody>
+      </p:sp>
+      <p:pic>
+        <p:nvPicPr>
+          <p:cNvPr id="4" name="Рисунок 3"/>
+          <p:cNvPicPr>
+            <a:picLocks noChangeAspect="1"/>
+          </p:cNvPicPr>
+          <p:nvPr/>
+        </p:nvPicPr>
+        <p:blipFill>
+          <a:blip r:embed="rId2">
+            <a:extLst>
+              <a:ext uri="{28A0092B-C50C-407E-A947-70E740481C1C}">
+                <a14:useLocalDpi xmlns:a14="http://schemas.microsoft.com/office/drawing/2010/main" val="0"/>
+              </a:ext>
+            </a:extLst>
+          </a:blip>
+          <a:stretch>
+            <a:fillRect/>
+          </a:stretch>
+        </p:blipFill>
+        <p:spPr>
+          <a:xfrm>
+            <a:off x="0" y="0"/>
+            <a:ext cx="12192000" cy="6858000"/>
+          </a:xfrm>
+          <a:prstGeom prst="rect">
+            <a:avLst/>
+          </a:prstGeom>
+        </p:spPr>
+      </p:pic>
       <p:pic>
         <p:nvPicPr>
           <p:cNvPr id="6" name="Рисунок 5"/>
@@ -4485,7 +4434,7 @@
         </p:blipFill>
         <p:spPr>
           <a:xfrm>
-            <a:off x="1564718" y="429903"/>
+            <a:off x="1627320" y="200363"/>
             <a:ext cx="9062560" cy="5998193"/>
           </a:xfrm>
           <a:prstGeom prst="rect">
@@ -4513,7 +4462,7 @@
         </p:blipFill>
         <p:spPr>
           <a:xfrm>
-            <a:off x="1347890" y="530140"/>
+            <a:off x="1410314" y="280132"/>
             <a:ext cx="9496572" cy="5797717"/>
           </a:xfrm>
           <a:prstGeom prst="rect">
@@ -4590,6 +4539,288 @@
           </a:extLst>
         </p:spPr>
       </p:pic>
+      <p:sp>
+        <p:nvSpPr>
+          <p:cNvPr id="5" name="Прямоугольник 4"/>
+          <p:cNvSpPr/>
+          <p:nvPr/>
+        </p:nvSpPr>
+        <p:spPr>
+          <a:xfrm>
+            <a:off x="3165984" y="3388243"/>
+            <a:ext cx="5860026" cy="2383473"/>
+          </a:xfrm>
+          <a:prstGeom prst="rect">
+            <a:avLst/>
+          </a:prstGeom>
+        </p:spPr>
+        <p:txBody>
+          <a:bodyPr wrap="square">
+            <a:spAutoFit/>
+          </a:bodyPr>
+          <a:lstStyle/>
+          <a:p>
+            <a:pPr algn="ctr">
+              <a:lnSpc>
+                <a:spcPct val="107000"/>
+              </a:lnSpc>
+              <a:spcAft>
+                <a:spcPts val="800"/>
+              </a:spcAft>
+            </a:pPr>
+            <a:r>
+              <a:rPr lang="ru-RU" dirty="0" smtClean="0">
+                <a:latin typeface="Arial" panose="020B0604020202020204" pitchFamily="34" charset="0"/>
+                <a:ea typeface="Calibri" panose="020F0502020204030204" pitchFamily="34" charset="0"/>
+                <a:cs typeface="Arial" panose="020B0604020202020204" pitchFamily="34" charset="0"/>
+              </a:rPr>
+              <a:t>5 </a:t>
+            </a:r>
+            <a:r>
+              <a:rPr lang="ru-RU" dirty="0">
+                <a:latin typeface="Arial" panose="020B0604020202020204" pitchFamily="34" charset="0"/>
+                <a:ea typeface="Calibri" panose="020F0502020204030204" pitchFamily="34" charset="0"/>
+                <a:cs typeface="Arial" panose="020B0604020202020204" pitchFamily="34" charset="0"/>
+              </a:rPr>
+              <a:t>команд:</a:t>
+            </a:r>
+            <a:endParaRPr lang="ru-RU" sz="1400" dirty="0" smtClean="0">
+              <a:effectLst/>
+              <a:latin typeface="Arial" panose="020B0604020202020204" pitchFamily="34" charset="0"/>
+              <a:ea typeface="Calibri" panose="020F0502020204030204" pitchFamily="34" charset="0"/>
+              <a:cs typeface="Arial" panose="020B0604020202020204" pitchFamily="34" charset="0"/>
+            </a:endParaRPr>
+          </a:p>
+          <a:p>
+            <a:pPr algn="ctr">
+              <a:lnSpc>
+                <a:spcPct val="107000"/>
+              </a:lnSpc>
+              <a:spcAft>
+                <a:spcPts val="800"/>
+              </a:spcAft>
+            </a:pPr>
+            <a:r>
+              <a:rPr lang="ru-RU" dirty="0">
+                <a:latin typeface="Arial" panose="020B0604020202020204" pitchFamily="34" charset="0"/>
+                <a:ea typeface="Calibri" panose="020F0502020204030204" pitchFamily="34" charset="0"/>
+                <a:cs typeface="Arial" panose="020B0604020202020204" pitchFamily="34" charset="0"/>
+              </a:rPr>
+              <a:t>/</a:t>
+            </a:r>
+            <a:r>
+              <a:rPr lang="ru-RU" dirty="0" err="1">
+                <a:latin typeface="Arial" panose="020B0604020202020204" pitchFamily="34" charset="0"/>
+                <a:ea typeface="Calibri" panose="020F0502020204030204" pitchFamily="34" charset="0"/>
+                <a:cs typeface="Arial" panose="020B0604020202020204" pitchFamily="34" charset="0"/>
+              </a:rPr>
+              <a:t>info</a:t>
+            </a:r>
+            <a:r>
+              <a:rPr lang="ru-RU" dirty="0">
+                <a:latin typeface="Arial" panose="020B0604020202020204" pitchFamily="34" charset="0"/>
+                <a:ea typeface="Calibri" panose="020F0502020204030204" pitchFamily="34" charset="0"/>
+                <a:cs typeface="Arial" panose="020B0604020202020204" pitchFamily="34" charset="0"/>
+              </a:rPr>
+              <a:t> – информация и телефоны больницы  </a:t>
+            </a:r>
+            <a:endParaRPr lang="ru-RU" sz="1400" dirty="0" smtClean="0">
+              <a:effectLst/>
+              <a:latin typeface="Arial" panose="020B0604020202020204" pitchFamily="34" charset="0"/>
+              <a:ea typeface="Calibri" panose="020F0502020204030204" pitchFamily="34" charset="0"/>
+              <a:cs typeface="Arial" panose="020B0604020202020204" pitchFamily="34" charset="0"/>
+            </a:endParaRPr>
+          </a:p>
+          <a:p>
+            <a:pPr algn="ctr">
+              <a:lnSpc>
+                <a:spcPct val="107000"/>
+              </a:lnSpc>
+              <a:spcAft>
+                <a:spcPts val="800"/>
+              </a:spcAft>
+            </a:pPr>
+            <a:r>
+              <a:rPr lang="ru-RU" dirty="0">
+                <a:latin typeface="Arial" panose="020B0604020202020204" pitchFamily="34" charset="0"/>
+                <a:ea typeface="Calibri" panose="020F0502020204030204" pitchFamily="34" charset="0"/>
+                <a:cs typeface="Arial" panose="020B0604020202020204" pitchFamily="34" charset="0"/>
+              </a:rPr>
+              <a:t>/</a:t>
+            </a:r>
+            <a:r>
+              <a:rPr lang="ru-RU" dirty="0" err="1">
+                <a:latin typeface="Arial" panose="020B0604020202020204" pitchFamily="34" charset="0"/>
+                <a:ea typeface="Calibri" panose="020F0502020204030204" pitchFamily="34" charset="0"/>
+                <a:cs typeface="Arial" panose="020B0604020202020204" pitchFamily="34" charset="0"/>
+              </a:rPr>
+              <a:t>doctors</a:t>
+            </a:r>
+            <a:r>
+              <a:rPr lang="ru-RU" dirty="0">
+                <a:latin typeface="Arial" panose="020B0604020202020204" pitchFamily="34" charset="0"/>
+                <a:ea typeface="Calibri" panose="020F0502020204030204" pitchFamily="34" charset="0"/>
+                <a:cs typeface="Arial" panose="020B0604020202020204" pitchFamily="34" charset="0"/>
+              </a:rPr>
+              <a:t> - список медицинских работников</a:t>
+            </a:r>
+            <a:endParaRPr lang="ru-RU" sz="1400" dirty="0" smtClean="0">
+              <a:effectLst/>
+              <a:latin typeface="Arial" panose="020B0604020202020204" pitchFamily="34" charset="0"/>
+              <a:ea typeface="Calibri" panose="020F0502020204030204" pitchFamily="34" charset="0"/>
+              <a:cs typeface="Arial" panose="020B0604020202020204" pitchFamily="34" charset="0"/>
+            </a:endParaRPr>
+          </a:p>
+          <a:p>
+            <a:pPr algn="ctr">
+              <a:lnSpc>
+                <a:spcPct val="107000"/>
+              </a:lnSpc>
+              <a:spcAft>
+                <a:spcPts val="800"/>
+              </a:spcAft>
+            </a:pPr>
+            <a:r>
+              <a:rPr lang="ru-RU" dirty="0">
+                <a:latin typeface="Arial" panose="020B0604020202020204" pitchFamily="34" charset="0"/>
+                <a:ea typeface="Calibri" panose="020F0502020204030204" pitchFamily="34" charset="0"/>
+                <a:cs typeface="Arial" panose="020B0604020202020204" pitchFamily="34" charset="0"/>
+              </a:rPr>
+              <a:t>/</a:t>
+            </a:r>
+            <a:r>
+              <a:rPr lang="ru-RU" dirty="0" err="1">
+                <a:latin typeface="Arial" panose="020B0604020202020204" pitchFamily="34" charset="0"/>
+                <a:ea typeface="Calibri" panose="020F0502020204030204" pitchFamily="34" charset="0"/>
+                <a:cs typeface="Arial" panose="020B0604020202020204" pitchFamily="34" charset="0"/>
+              </a:rPr>
+              <a:t>schedule</a:t>
+            </a:r>
+            <a:r>
+              <a:rPr lang="ru-RU" dirty="0">
+                <a:latin typeface="Arial" panose="020B0604020202020204" pitchFamily="34" charset="0"/>
+                <a:ea typeface="Calibri" panose="020F0502020204030204" pitchFamily="34" charset="0"/>
+                <a:cs typeface="Arial" panose="020B0604020202020204" pitchFamily="34" charset="0"/>
+              </a:rPr>
+              <a:t> - расписание работы</a:t>
+            </a:r>
+            <a:endParaRPr lang="ru-RU" sz="1400" dirty="0" smtClean="0">
+              <a:effectLst/>
+              <a:latin typeface="Arial" panose="020B0604020202020204" pitchFamily="34" charset="0"/>
+              <a:ea typeface="Calibri" panose="020F0502020204030204" pitchFamily="34" charset="0"/>
+              <a:cs typeface="Arial" panose="020B0604020202020204" pitchFamily="34" charset="0"/>
+            </a:endParaRPr>
+          </a:p>
+          <a:p>
+            <a:pPr algn="ctr">
+              <a:lnSpc>
+                <a:spcPct val="107000"/>
+              </a:lnSpc>
+              <a:spcAft>
+                <a:spcPts val="800"/>
+              </a:spcAft>
+            </a:pPr>
+            <a:r>
+              <a:rPr lang="ru-RU" dirty="0">
+                <a:latin typeface="Arial" panose="020B0604020202020204" pitchFamily="34" charset="0"/>
+                <a:ea typeface="Calibri" panose="020F0502020204030204" pitchFamily="34" charset="0"/>
+                <a:cs typeface="Arial" panose="020B0604020202020204" pitchFamily="34" charset="0"/>
+              </a:rPr>
+              <a:t>/</a:t>
+            </a:r>
+            <a:r>
+              <a:rPr lang="ru-RU" dirty="0" err="1">
+                <a:latin typeface="Arial" panose="020B0604020202020204" pitchFamily="34" charset="0"/>
+                <a:ea typeface="Calibri" panose="020F0502020204030204" pitchFamily="34" charset="0"/>
+                <a:cs typeface="Arial" panose="020B0604020202020204" pitchFamily="34" charset="0"/>
+              </a:rPr>
+              <a:t>professions</a:t>
+            </a:r>
+            <a:r>
+              <a:rPr lang="ru-RU" dirty="0">
+                <a:latin typeface="Arial" panose="020B0604020202020204" pitchFamily="34" charset="0"/>
+                <a:ea typeface="Calibri" panose="020F0502020204030204" pitchFamily="34" charset="0"/>
+                <a:cs typeface="Arial" panose="020B0604020202020204" pitchFamily="34" charset="0"/>
+              </a:rPr>
+              <a:t> – специальности</a:t>
+            </a:r>
+            <a:endParaRPr lang="ru-RU" sz="1400" dirty="0" smtClean="0">
+              <a:effectLst/>
+              <a:latin typeface="Arial" panose="020B0604020202020204" pitchFamily="34" charset="0"/>
+              <a:ea typeface="Calibri" panose="020F0502020204030204" pitchFamily="34" charset="0"/>
+              <a:cs typeface="Arial" panose="020B0604020202020204" pitchFamily="34" charset="0"/>
+            </a:endParaRPr>
+          </a:p>
+          <a:p>
+            <a:pPr algn="ctr">
+              <a:lnSpc>
+                <a:spcPct val="107000"/>
+              </a:lnSpc>
+              <a:spcAft>
+                <a:spcPts val="800"/>
+              </a:spcAft>
+            </a:pPr>
+            <a:r>
+              <a:rPr lang="ru-RU" dirty="0">
+                <a:latin typeface="Arial" panose="020B0604020202020204" pitchFamily="34" charset="0"/>
+                <a:ea typeface="Calibri" panose="020F0502020204030204" pitchFamily="34" charset="0"/>
+                <a:cs typeface="Arial" panose="020B0604020202020204" pitchFamily="34" charset="0"/>
+              </a:rPr>
+              <a:t>/</a:t>
+            </a:r>
+            <a:r>
+              <a:rPr lang="en-US" dirty="0">
+                <a:solidFill>
+                  <a:srgbClr val="000000"/>
+                </a:solidFill>
+                <a:latin typeface="Arial" panose="020B0604020202020204" pitchFamily="34" charset="0"/>
+                <a:ea typeface="Calibri" panose="020F0502020204030204" pitchFamily="34" charset="0"/>
+                <a:cs typeface="Arial" panose="020B0604020202020204" pitchFamily="34" charset="0"/>
+              </a:rPr>
+              <a:t>t</a:t>
+            </a:r>
+            <a:r>
+              <a:rPr lang="ru-RU" dirty="0" err="1">
+                <a:solidFill>
+                  <a:srgbClr val="000000"/>
+                </a:solidFill>
+                <a:latin typeface="Arial" panose="020B0604020202020204" pitchFamily="34" charset="0"/>
+                <a:ea typeface="Calibri" panose="020F0502020204030204" pitchFamily="34" charset="0"/>
+                <a:cs typeface="Arial" panose="020B0604020202020204" pitchFamily="34" charset="0"/>
+              </a:rPr>
+              <a:t>he_bosses</a:t>
+            </a:r>
+            <a:r>
+              <a:rPr lang="ru-RU" dirty="0">
+                <a:solidFill>
+                  <a:srgbClr val="000000"/>
+                </a:solidFill>
+                <a:latin typeface="Arial" panose="020B0604020202020204" pitchFamily="34" charset="0"/>
+                <a:ea typeface="Calibri" panose="020F0502020204030204" pitchFamily="34" charset="0"/>
+                <a:cs typeface="Arial" panose="020B0604020202020204" pitchFamily="34" charset="0"/>
+              </a:rPr>
+              <a:t> – </a:t>
+            </a:r>
+            <a:r>
+              <a:rPr lang="ru-RU" dirty="0" smtClean="0">
+                <a:solidFill>
+                  <a:srgbClr val="000000"/>
+                </a:solidFill>
+                <a:latin typeface="Arial" panose="020B0604020202020204" pitchFamily="34" charset="0"/>
+                <a:ea typeface="Calibri" panose="020F0502020204030204" pitchFamily="34" charset="0"/>
+                <a:cs typeface="Arial" panose="020B0604020202020204" pitchFamily="34" charset="0"/>
+              </a:rPr>
+              <a:t>начальство</a:t>
+            </a:r>
+            <a:endParaRPr lang="ru-RU" sz="1400" dirty="0" smtClean="0">
+              <a:effectLst/>
+              <a:latin typeface="Arial" panose="020B0604020202020204" pitchFamily="34" charset="0"/>
+              <a:ea typeface="Calibri" panose="020F0502020204030204" pitchFamily="34" charset="0"/>
+              <a:cs typeface="Arial" panose="020B0604020202020204" pitchFamily="34" charset="0"/>
+            </a:endParaRPr>
+          </a:p>
+        </p:txBody>
+      </p:sp>
     </p:spTree>
     <p:extLst>
       <p:ext uri="{BB962C8B-B14F-4D97-AF65-F5344CB8AC3E}">
@@ -5089,7 +5320,7 @@
 </p:sld>
 </file>
 
-<file path=ppt/slides/slide12.xml><?xml version="1.0" encoding="utf-8"?>
+<file path=ppt/slides/slide13.xml><?xml version="1.0" encoding="utf-8"?>
 <p:sld xmlns:a="http://schemas.openxmlformats.org/drawingml/2006/main" xmlns:r="http://schemas.openxmlformats.org/officeDocument/2006/relationships" xmlns:p="http://schemas.openxmlformats.org/presentationml/2006/main">
   <p:cSld>
     <p:spTree>
@@ -5182,8 +5413,8 @@
         </p:nvSpPr>
         <p:spPr>
           <a:xfrm>
-            <a:off x="2920181" y="951091"/>
-            <a:ext cx="6096000" cy="2239844"/>
+            <a:off x="3048000" y="1644996"/>
+            <a:ext cx="6096000" cy="1063433"/>
           </a:xfrm>
           <a:prstGeom prst="rect">
             <a:avLst/>
@@ -5204,38 +5435,30 @@
               </a:spcAft>
             </a:pPr>
             <a:r>
-              <a:rPr lang="ru-RU" sz="2400" dirty="0" smtClean="0">
-                <a:latin typeface="Arial" panose="020B0604020202020204" pitchFamily="34" charset="0"/>
-                <a:ea typeface="Calibri" panose="020F0502020204030204" pitchFamily="34" charset="0"/>
-                <a:cs typeface="Arial" panose="020B0604020202020204" pitchFamily="34" charset="0"/>
-              </a:rPr>
-              <a:t>После </a:t>
-            </a:r>
-            <a:r>
-              <a:rPr lang="ru-RU" sz="2400" dirty="0">
-                <a:latin typeface="Arial" panose="020B0604020202020204" pitchFamily="34" charset="0"/>
-                <a:ea typeface="Calibri" panose="020F0502020204030204" pitchFamily="34" charset="0"/>
-                <a:cs typeface="Arial" panose="020B0604020202020204" pitchFamily="34" charset="0"/>
-              </a:rPr>
-              <a:t>добавляем функцию /</a:t>
-            </a:r>
-            <a:r>
-              <a:rPr lang="en-US" sz="2400" dirty="0">
+              <a:rPr lang="ru-RU" sz="4800" dirty="0" smtClean="0">
+                <a:latin typeface="Arial" panose="020B0604020202020204" pitchFamily="34" charset="0"/>
+                <a:ea typeface="Calibri" panose="020F0502020204030204" pitchFamily="34" charset="0"/>
+                <a:cs typeface="Arial" panose="020B0604020202020204" pitchFamily="34" charset="0"/>
+              </a:rPr>
+              <a:t>Функция </a:t>
+            </a:r>
+            <a:r>
+              <a:rPr lang="ru-RU" sz="4800" dirty="0">
+                <a:latin typeface="Arial" panose="020B0604020202020204" pitchFamily="34" charset="0"/>
+                <a:ea typeface="Calibri" panose="020F0502020204030204" pitchFamily="34" charset="0"/>
+                <a:cs typeface="Arial" panose="020B0604020202020204" pitchFamily="34" charset="0"/>
+              </a:rPr>
+              <a:t>/</a:t>
+            </a:r>
+            <a:r>
+              <a:rPr lang="en-US" sz="4800" dirty="0" smtClean="0">
                 <a:latin typeface="Arial" panose="020B0604020202020204" pitchFamily="34" charset="0"/>
                 <a:ea typeface="Calibri" panose="020F0502020204030204" pitchFamily="34" charset="0"/>
                 <a:cs typeface="Arial" panose="020B0604020202020204" pitchFamily="34" charset="0"/>
               </a:rPr>
               <a:t>start</a:t>
             </a:r>
-            <a:r>
-              <a:rPr lang="ru-RU" sz="2400" dirty="0">
-                <a:latin typeface="Arial" panose="020B0604020202020204" pitchFamily="34" charset="0"/>
-                <a:ea typeface="Calibri" panose="020F0502020204030204" pitchFamily="34" charset="0"/>
-                <a:cs typeface="Arial" panose="020B0604020202020204" pitchFamily="34" charset="0"/>
-              </a:rPr>
-              <a:t>, которая будет приветствовать пользователя объяснять что выполняет каждая команда.</a:t>
-            </a:r>
-            <a:endParaRPr lang="ru-RU" dirty="0">
+            <a:endParaRPr lang="ru-RU" sz="4000" dirty="0">
               <a:effectLst/>
               <a:latin typeface="Arial" panose="020B0604020202020204" pitchFamily="34" charset="0"/>
               <a:ea typeface="Calibri" panose="020F0502020204030204" pitchFamily="34" charset="0"/>
@@ -5317,253 +5540,6 @@
     <p:extLst>
       <p:ext uri="{BB962C8B-B14F-4D97-AF65-F5344CB8AC3E}">
         <p14:creationId xmlns:p14="http://schemas.microsoft.com/office/powerpoint/2010/main" val="4290612779"/>
-      </p:ext>
-    </p:extLst>
-  </p:cSld>
-  <p:clrMapOvr>
-    <a:masterClrMapping/>
-  </p:clrMapOvr>
-  <p:timing>
-    <p:tnLst>
-      <p:par>
-        <p:cTn id="1" dur="indefinite" restart="never" nodeType="tmRoot"/>
-      </p:par>
-    </p:tnLst>
-  </p:timing>
-</p:sld>
-</file>
-
-<file path=ppt/slides/slide13.xml><?xml version="1.0" encoding="utf-8"?>
-<p:sld xmlns:a="http://schemas.openxmlformats.org/drawingml/2006/main" xmlns:r="http://schemas.openxmlformats.org/officeDocument/2006/relationships" xmlns:p="http://schemas.openxmlformats.org/presentationml/2006/main">
-  <p:cSld>
-    <p:spTree>
-      <p:nvGrpSpPr>
-        <p:cNvPr id="1" name=""/>
-        <p:cNvGrpSpPr/>
-        <p:nvPr/>
-      </p:nvGrpSpPr>
-      <p:grpSpPr>
-        <a:xfrm>
-          <a:off x="0" y="0"/>
-          <a:ext cx="0" cy="0"/>
-          <a:chOff x="0" y="0"/>
-          <a:chExt cx="0" cy="0"/>
-        </a:xfrm>
-      </p:grpSpPr>
-      <p:sp>
-        <p:nvSpPr>
-          <p:cNvPr id="2" name="Заголовок 1"/>
-          <p:cNvSpPr>
-            <a:spLocks noGrp="1"/>
-          </p:cNvSpPr>
-          <p:nvPr>
-            <p:ph type="title"/>
-          </p:nvPr>
-        </p:nvSpPr>
-        <p:spPr/>
-        <p:txBody>
-          <a:bodyPr/>
-          <a:lstStyle/>
-          <a:p>
-            <a:endParaRPr lang="ru-RU"/>
-          </a:p>
-        </p:txBody>
-      </p:sp>
-      <p:sp>
-        <p:nvSpPr>
-          <p:cNvPr id="3" name="Объект 2"/>
-          <p:cNvSpPr>
-            <a:spLocks noGrp="1"/>
-          </p:cNvSpPr>
-          <p:nvPr>
-            <p:ph idx="1"/>
-          </p:nvPr>
-        </p:nvSpPr>
-        <p:spPr/>
-        <p:txBody>
-          <a:bodyPr/>
-          <a:lstStyle/>
-          <a:p>
-            <a:endParaRPr lang="ru-RU"/>
-          </a:p>
-        </p:txBody>
-      </p:sp>
-      <p:pic>
-        <p:nvPicPr>
-          <p:cNvPr id="4" name="Рисунок 3"/>
-          <p:cNvPicPr>
-            <a:picLocks noChangeAspect="1"/>
-          </p:cNvPicPr>
-          <p:nvPr/>
-        </p:nvPicPr>
-        <p:blipFill>
-          <a:blip r:embed="rId2">
-            <a:extLst>
-              <a:ext uri="{28A0092B-C50C-407E-A947-70E740481C1C}">
-                <a14:useLocalDpi xmlns:a14="http://schemas.microsoft.com/office/drawing/2010/main" val="0"/>
-              </a:ext>
-            </a:extLst>
-          </a:blip>
-          <a:stretch>
-            <a:fillRect/>
-          </a:stretch>
-        </p:blipFill>
-        <p:spPr>
-          <a:xfrm>
-            <a:off x="0" y="0"/>
-            <a:ext cx="12192000" cy="6858000"/>
-          </a:xfrm>
-          <a:prstGeom prst="rect">
-            <a:avLst/>
-          </a:prstGeom>
-        </p:spPr>
-      </p:pic>
-      <p:pic>
-        <p:nvPicPr>
-          <p:cNvPr id="5" name="Рисунок 4"/>
-          <p:cNvPicPr/>
-          <p:nvPr/>
-        </p:nvPicPr>
-        <p:blipFill>
-          <a:blip r:embed="rId3">
-            <a:extLst>
-              <a:ext uri="{28A0092B-C50C-407E-A947-70E740481C1C}">
-                <a14:useLocalDpi xmlns:a14="http://schemas.microsoft.com/office/drawing/2010/main" val="0"/>
-              </a:ext>
-            </a:extLst>
-          </a:blip>
-          <a:stretch>
-            <a:fillRect/>
-          </a:stretch>
-        </p:blipFill>
-        <p:spPr>
-          <a:xfrm>
-            <a:off x="3135947" y="2049622"/>
-            <a:ext cx="5920105" cy="4467860"/>
-          </a:xfrm>
-          <a:prstGeom prst="rect">
-            <a:avLst/>
-          </a:prstGeom>
-        </p:spPr>
-      </p:pic>
-      <p:sp>
-        <p:nvSpPr>
-          <p:cNvPr id="6" name="Прямоугольник 5"/>
-          <p:cNvSpPr/>
-          <p:nvPr/>
-        </p:nvSpPr>
-        <p:spPr>
-          <a:xfrm>
-            <a:off x="2910348" y="522119"/>
-            <a:ext cx="6371302" cy="1338828"/>
-          </a:xfrm>
-          <a:prstGeom prst="rect">
-            <a:avLst/>
-          </a:prstGeom>
-        </p:spPr>
-        <p:txBody>
-          <a:bodyPr wrap="square">
-            <a:spAutoFit/>
-          </a:bodyPr>
-          <a:lstStyle/>
-          <a:p>
-            <a:pPr algn="just">
-              <a:lnSpc>
-                <a:spcPct val="150000"/>
-              </a:lnSpc>
-              <a:spcAft>
-                <a:spcPts val="800"/>
-              </a:spcAft>
-            </a:pPr>
-            <a:r>
-              <a:rPr lang="ru-RU" dirty="0" smtClean="0">
-                <a:latin typeface="Arial" panose="020B0604020202020204" pitchFamily="34" charset="0"/>
-                <a:ea typeface="Calibri" panose="020F0502020204030204" pitchFamily="34" charset="0"/>
-                <a:cs typeface="Arial" panose="020B0604020202020204" pitchFamily="34" charset="0"/>
-              </a:rPr>
-              <a:t>	Следующим </a:t>
-            </a:r>
-            <a:r>
-              <a:rPr lang="ru-RU" dirty="0">
-                <a:latin typeface="Arial" panose="020B0604020202020204" pitchFamily="34" charset="0"/>
-                <a:ea typeface="Calibri" panose="020F0502020204030204" pitchFamily="34" charset="0"/>
-                <a:cs typeface="Arial" panose="020B0604020202020204" pitchFamily="34" charset="0"/>
-              </a:rPr>
-              <a:t>шагом будет создать </a:t>
-            </a:r>
-            <a:r>
-              <a:rPr lang="ru-RU" dirty="0">
-                <a:solidFill>
-                  <a:srgbClr val="000000"/>
-                </a:solidFill>
-                <a:latin typeface="Arial" panose="020B0604020202020204" pitchFamily="34" charset="0"/>
-                <a:ea typeface="Calibri" panose="020F0502020204030204" pitchFamily="34" charset="0"/>
-                <a:cs typeface="Arial" panose="020B0604020202020204" pitchFamily="34" charset="0"/>
-              </a:rPr>
-              <a:t>асинхронное определение для каждой команды</a:t>
-            </a:r>
-            <a:r>
-              <a:rPr lang="ru-RU" dirty="0">
-                <a:latin typeface="Arial" panose="020B0604020202020204" pitchFamily="34" charset="0"/>
-                <a:ea typeface="Calibri" panose="020F0502020204030204" pitchFamily="34" charset="0"/>
-                <a:cs typeface="Arial" panose="020B0604020202020204" pitchFamily="34" charset="0"/>
-              </a:rPr>
-              <a:t>, то есть бот должен принимать и отвечать на запросы пользователя.</a:t>
-            </a:r>
-            <a:endParaRPr lang="ru-RU" sz="1400" dirty="0">
-              <a:effectLst/>
-              <a:latin typeface="Arial" panose="020B0604020202020204" pitchFamily="34" charset="0"/>
-              <a:ea typeface="Calibri" panose="020F0502020204030204" pitchFamily="34" charset="0"/>
-              <a:cs typeface="Arial" panose="020B0604020202020204" pitchFamily="34" charset="0"/>
-            </a:endParaRPr>
-          </a:p>
-        </p:txBody>
-      </p:sp>
-      <p:pic>
-        <p:nvPicPr>
-          <p:cNvPr id="7" name="Picture 2" descr="https://lh7-rt.googleusercontent.com/slidesz/AGV_vUd8F4EE1wzuFxCyXG1Kse3hFsL9usWqkaofEajgMGUQkZLhBlEWhRJgQ4vMglAAyo8vQ3yIipUQeIJAAWQnt_ajpvcI2w5AeFF7CwxXr9Am9vUdasSJUZnIxKzLo4uCuZD4qBnyrg=s2048?key=Y6vFkQwsukFWBCD0PD32GgMn"/>
-          <p:cNvPicPr>
-            <a:picLocks noChangeAspect="1" noChangeArrowheads="1"/>
-          </p:cNvPicPr>
-          <p:nvPr/>
-        </p:nvPicPr>
-        <p:blipFill>
-          <a:blip r:embed="rId4" cstate="print">
-            <a:extLst>
-              <a:ext uri="{28A0092B-C50C-407E-A947-70E740481C1C}">
-                <a14:useLocalDpi xmlns:a14="http://schemas.microsoft.com/office/drawing/2010/main" val="0"/>
-              </a:ext>
-            </a:extLst>
-          </a:blip>
-          <a:srcRect/>
-          <a:stretch>
-            <a:fillRect/>
-          </a:stretch>
-        </p:blipFill>
-        <p:spPr bwMode="auto">
-          <a:xfrm>
-            <a:off x="10961206" y="208100"/>
-            <a:ext cx="1023520" cy="1119117"/>
-          </a:xfrm>
-          <a:prstGeom prst="rect">
-            <a:avLst/>
-          </a:prstGeom>
-          <a:noFill/>
-          <a:extLst>
-            <a:ext uri="{909E8E84-426E-40DD-AFC4-6F175D3DCCD1}">
-              <a14:hiddenFill xmlns:a14="http://schemas.microsoft.com/office/drawing/2010/main">
-                <a:solidFill>
-                  <a:srgbClr val="FFFFFF"/>
-                </a:solidFill>
-              </a14:hiddenFill>
-            </a:ext>
-          </a:extLst>
-        </p:spPr>
-      </p:pic>
-    </p:spTree>
-    <p:extLst>
-      <p:ext uri="{BB962C8B-B14F-4D97-AF65-F5344CB8AC3E}">
-        <p14:creationId xmlns:p14="http://schemas.microsoft.com/office/powerpoint/2010/main" val="2473536965"/>
       </p:ext>
     </p:extLst>
   </p:cSld>
@@ -5665,90 +5641,9 @@
           </a:prstGeom>
         </p:spPr>
       </p:pic>
-      <p:sp>
-        <p:nvSpPr>
-          <p:cNvPr id="5" name="Прямоугольник 4"/>
-          <p:cNvSpPr/>
-          <p:nvPr/>
-        </p:nvSpPr>
-        <p:spPr>
-          <a:xfrm>
-            <a:off x="2612308" y="1073884"/>
-            <a:ext cx="6967384" cy="1015663"/>
-          </a:xfrm>
-          <a:prstGeom prst="rect">
-            <a:avLst/>
-          </a:prstGeom>
-        </p:spPr>
-        <p:txBody>
-          <a:bodyPr wrap="square">
-            <a:spAutoFit/>
-          </a:bodyPr>
-          <a:lstStyle/>
-          <a:p>
-            <a:pPr algn="just">
-              <a:lnSpc>
-                <a:spcPct val="150000"/>
-              </a:lnSpc>
-            </a:pPr>
-            <a:r>
-              <a:rPr lang="ru-RU" sz="2000" dirty="0" smtClean="0">
-                <a:latin typeface="Arial" panose="020B0604020202020204" pitchFamily="34" charset="0"/>
-                <a:ea typeface="Calibri" panose="020F0502020204030204" pitchFamily="34" charset="0"/>
-                <a:cs typeface="Arial" panose="020B0604020202020204" pitchFamily="34" charset="0"/>
-              </a:rPr>
-              <a:t>	Регистрируем </a:t>
-            </a:r>
-            <a:r>
-              <a:rPr lang="ru-RU" sz="2000" dirty="0">
-                <a:latin typeface="Arial" panose="020B0604020202020204" pitchFamily="34" charset="0"/>
-                <a:ea typeface="Calibri" panose="020F0502020204030204" pitchFamily="34" charset="0"/>
-                <a:cs typeface="Arial" panose="020B0604020202020204" pitchFamily="34" charset="0"/>
-              </a:rPr>
-              <a:t>каждую функцию именно в нашем боте с помощью </a:t>
-            </a:r>
-            <a:r>
-              <a:rPr lang="ru-RU" sz="2000" dirty="0" err="1">
-                <a:latin typeface="Arial" panose="020B0604020202020204" pitchFamily="34" charset="0"/>
-                <a:ea typeface="Calibri" panose="020F0502020204030204" pitchFamily="34" charset="0"/>
-                <a:cs typeface="Arial" panose="020B0604020202020204" pitchFamily="34" charset="0"/>
-              </a:rPr>
-              <a:t>токена</a:t>
-            </a:r>
-            <a:r>
-              <a:rPr lang="ru-RU" sz="2000" dirty="0">
-                <a:latin typeface="Arial" panose="020B0604020202020204" pitchFamily="34" charset="0"/>
-                <a:ea typeface="Calibri" panose="020F0502020204030204" pitchFamily="34" charset="0"/>
-                <a:cs typeface="Arial" panose="020B0604020202020204" pitchFamily="34" charset="0"/>
-              </a:rPr>
-              <a:t> и функциям библиотеки </a:t>
-            </a:r>
-            <a:r>
-              <a:rPr lang="en-US" sz="2000" dirty="0" err="1">
-                <a:latin typeface="Arial" panose="020B0604020202020204" pitchFamily="34" charset="0"/>
-                <a:ea typeface="Calibri" panose="020F0502020204030204" pitchFamily="34" charset="0"/>
-                <a:cs typeface="Arial" panose="020B0604020202020204" pitchFamily="34" charset="0"/>
-              </a:rPr>
-              <a:t>aiogram</a:t>
-            </a:r>
-            <a:r>
-              <a:rPr lang="ru-RU" sz="2000" dirty="0">
-                <a:latin typeface="Arial" panose="020B0604020202020204" pitchFamily="34" charset="0"/>
-                <a:ea typeface="Calibri" panose="020F0502020204030204" pitchFamily="34" charset="0"/>
-                <a:cs typeface="Arial" panose="020B0604020202020204" pitchFamily="34" charset="0"/>
-              </a:rPr>
-              <a:t>.</a:t>
-            </a:r>
-            <a:endParaRPr lang="ru-RU" sz="2000" dirty="0">
-              <a:latin typeface="Arial" panose="020B0604020202020204" pitchFamily="34" charset="0"/>
-              <a:cs typeface="Arial" panose="020B0604020202020204" pitchFamily="34" charset="0"/>
-            </a:endParaRPr>
-          </a:p>
-        </p:txBody>
-      </p:sp>
       <p:pic>
         <p:nvPicPr>
-          <p:cNvPr id="6" name="Рисунок 5"/>
+          <p:cNvPr id="5" name="Рисунок 4"/>
           <p:cNvPicPr/>
           <p:nvPr/>
         </p:nvPicPr>
@@ -5766,14 +5661,93 @@
         </p:blipFill>
         <p:spPr>
           <a:xfrm>
-            <a:off x="2700185" y="2353469"/>
-            <a:ext cx="6738784" cy="3789050"/>
+            <a:off x="3135947" y="2049622"/>
+            <a:ext cx="5920105" cy="4467860"/>
           </a:xfrm>
           <a:prstGeom prst="rect">
             <a:avLst/>
           </a:prstGeom>
         </p:spPr>
       </p:pic>
+      <p:sp>
+        <p:nvSpPr>
+          <p:cNvPr id="6" name="Прямоугольник 5"/>
+          <p:cNvSpPr/>
+          <p:nvPr/>
+        </p:nvSpPr>
+        <p:spPr>
+          <a:xfrm>
+            <a:off x="1187859" y="1019493"/>
+            <a:ext cx="9816279" cy="658835"/>
+          </a:xfrm>
+          <a:prstGeom prst="rect">
+            <a:avLst/>
+          </a:prstGeom>
+        </p:spPr>
+        <p:txBody>
+          <a:bodyPr wrap="square">
+            <a:spAutoFit/>
+          </a:bodyPr>
+          <a:lstStyle/>
+          <a:p>
+            <a:pPr algn="ctr">
+              <a:lnSpc>
+                <a:spcPct val="150000"/>
+              </a:lnSpc>
+              <a:spcAft>
+                <a:spcPts val="800"/>
+              </a:spcAft>
+            </a:pPr>
+            <a:r>
+              <a:rPr lang="ru-RU" sz="2800" dirty="0" smtClean="0">
+                <a:latin typeface="Arial" panose="020B0604020202020204" pitchFamily="34" charset="0"/>
+                <a:ea typeface="Calibri" panose="020F0502020204030204" pitchFamily="34" charset="0"/>
+                <a:cs typeface="Arial" panose="020B0604020202020204" pitchFamily="34" charset="0"/>
+              </a:rPr>
+              <a:t>Создаем </a:t>
+            </a:r>
+            <a:r>
+              <a:rPr lang="ru-RU" sz="2800" dirty="0" smtClean="0">
+                <a:solidFill>
+                  <a:srgbClr val="000000"/>
+                </a:solidFill>
+                <a:latin typeface="Arial" panose="020B0604020202020204" pitchFamily="34" charset="0"/>
+                <a:ea typeface="Calibri" panose="020F0502020204030204" pitchFamily="34" charset="0"/>
+                <a:cs typeface="Arial" panose="020B0604020202020204" pitchFamily="34" charset="0"/>
+              </a:rPr>
+              <a:t>асинхронное </a:t>
+            </a:r>
+            <a:r>
+              <a:rPr lang="ru-RU" sz="2800" dirty="0">
+                <a:solidFill>
+                  <a:srgbClr val="000000"/>
+                </a:solidFill>
+                <a:latin typeface="Arial" panose="020B0604020202020204" pitchFamily="34" charset="0"/>
+                <a:ea typeface="Calibri" panose="020F0502020204030204" pitchFamily="34" charset="0"/>
+                <a:cs typeface="Arial" panose="020B0604020202020204" pitchFamily="34" charset="0"/>
+              </a:rPr>
+              <a:t>определение для каждой </a:t>
+            </a:r>
+            <a:r>
+              <a:rPr lang="ru-RU" sz="2800" dirty="0" smtClean="0">
+                <a:solidFill>
+                  <a:srgbClr val="000000"/>
+                </a:solidFill>
+                <a:latin typeface="Arial" panose="020B0604020202020204" pitchFamily="34" charset="0"/>
+                <a:ea typeface="Calibri" panose="020F0502020204030204" pitchFamily="34" charset="0"/>
+                <a:cs typeface="Arial" panose="020B0604020202020204" pitchFamily="34" charset="0"/>
+              </a:rPr>
+              <a:t>команды</a:t>
+            </a:r>
+            <a:endParaRPr lang="ru-RU" sz="2000" dirty="0">
+              <a:effectLst/>
+              <a:latin typeface="Arial" panose="020B0604020202020204" pitchFamily="34" charset="0"/>
+              <a:ea typeface="Calibri" panose="020F0502020204030204" pitchFamily="34" charset="0"/>
+              <a:cs typeface="Arial" panose="020B0604020202020204" pitchFamily="34" charset="0"/>
+            </a:endParaRPr>
+          </a:p>
+        </p:txBody>
+      </p:sp>
       <p:pic>
         <p:nvPicPr>
           <p:cNvPr id="7" name="Picture 2" descr="https://lh7-rt.googleusercontent.com/slidesz/AGV_vUd8F4EE1wzuFxCyXG1Kse3hFsL9usWqkaofEajgMGUQkZLhBlEWhRJgQ4vMglAAyo8vQ3yIipUQeIJAAWQnt_ajpvcI2w5AeFF7CwxXr9Am9vUdasSJUZnIxKzLo4uCuZD4qBnyrg=s2048?key=Y6vFkQwsukFWBCD0PD32GgMn"/>
@@ -5818,7 +5792,7 @@
     </p:spTree>
     <p:extLst>
       <p:ext uri="{BB962C8B-B14F-4D97-AF65-F5344CB8AC3E}">
-        <p14:creationId xmlns:p14="http://schemas.microsoft.com/office/powerpoint/2010/main" val="497896006"/>
+        <p14:creationId xmlns:p14="http://schemas.microsoft.com/office/powerpoint/2010/main" val="2473536965"/>
       </p:ext>
     </p:extLst>
   </p:cSld>
@@ -5928,6 +5902,573 @@
         </p:nvSpPr>
         <p:spPr>
           <a:xfrm>
+            <a:off x="2612308" y="1073884"/>
+            <a:ext cx="6967384" cy="820674"/>
+          </a:xfrm>
+          <a:prstGeom prst="rect">
+            <a:avLst/>
+          </a:prstGeom>
+        </p:spPr>
+        <p:txBody>
+          <a:bodyPr wrap="square">
+            <a:spAutoFit/>
+          </a:bodyPr>
+          <a:lstStyle/>
+          <a:p>
+            <a:pPr algn="ctr">
+              <a:lnSpc>
+                <a:spcPct val="150000"/>
+              </a:lnSpc>
+            </a:pPr>
+            <a:r>
+              <a:rPr lang="ru-RU" sz="3600" dirty="0" smtClean="0">
+                <a:latin typeface="Arial" panose="020B0604020202020204" pitchFamily="34" charset="0"/>
+                <a:ea typeface="Calibri" panose="020F0502020204030204" pitchFamily="34" charset="0"/>
+                <a:cs typeface="Arial" panose="020B0604020202020204" pitchFamily="34" charset="0"/>
+              </a:rPr>
+              <a:t>Регистрируем </a:t>
+            </a:r>
+            <a:r>
+              <a:rPr lang="ru-RU" sz="3600" dirty="0">
+                <a:latin typeface="Arial" panose="020B0604020202020204" pitchFamily="34" charset="0"/>
+                <a:ea typeface="Calibri" panose="020F0502020204030204" pitchFamily="34" charset="0"/>
+                <a:cs typeface="Arial" panose="020B0604020202020204" pitchFamily="34" charset="0"/>
+              </a:rPr>
+              <a:t>каждую </a:t>
+            </a:r>
+            <a:r>
+              <a:rPr lang="ru-RU" sz="3600" dirty="0" smtClean="0">
+                <a:latin typeface="Arial" panose="020B0604020202020204" pitchFamily="34" charset="0"/>
+                <a:ea typeface="Calibri" panose="020F0502020204030204" pitchFamily="34" charset="0"/>
+                <a:cs typeface="Arial" panose="020B0604020202020204" pitchFamily="34" charset="0"/>
+              </a:rPr>
+              <a:t>функцию</a:t>
+            </a:r>
+            <a:endParaRPr lang="ru-RU" sz="3600" dirty="0">
+              <a:latin typeface="Arial" panose="020B0604020202020204" pitchFamily="34" charset="0"/>
+              <a:cs typeface="Arial" panose="020B0604020202020204" pitchFamily="34" charset="0"/>
+            </a:endParaRPr>
+          </a:p>
+        </p:txBody>
+      </p:sp>
+      <p:pic>
+        <p:nvPicPr>
+          <p:cNvPr id="6" name="Рисунок 5"/>
+          <p:cNvPicPr/>
+          <p:nvPr/>
+        </p:nvPicPr>
+        <p:blipFill>
+          <a:blip r:embed="rId3">
+            <a:extLst>
+              <a:ext uri="{28A0092B-C50C-407E-A947-70E740481C1C}">
+                <a14:useLocalDpi xmlns:a14="http://schemas.microsoft.com/office/drawing/2010/main" val="0"/>
+              </a:ext>
+            </a:extLst>
+          </a:blip>
+          <a:stretch>
+            <a:fillRect/>
+          </a:stretch>
+        </p:blipFill>
+        <p:spPr>
+          <a:xfrm>
+            <a:off x="2700185" y="2353469"/>
+            <a:ext cx="6738784" cy="3789050"/>
+          </a:xfrm>
+          <a:prstGeom prst="rect">
+            <a:avLst/>
+          </a:prstGeom>
+        </p:spPr>
+      </p:pic>
+      <p:pic>
+        <p:nvPicPr>
+          <p:cNvPr id="7" name="Picture 2" descr="https://lh7-rt.googleusercontent.com/slidesz/AGV_vUd8F4EE1wzuFxCyXG1Kse3hFsL9usWqkaofEajgMGUQkZLhBlEWhRJgQ4vMglAAyo8vQ3yIipUQeIJAAWQnt_ajpvcI2w5AeFF7CwxXr9Am9vUdasSJUZnIxKzLo4uCuZD4qBnyrg=s2048?key=Y6vFkQwsukFWBCD0PD32GgMn"/>
+          <p:cNvPicPr>
+            <a:picLocks noChangeAspect="1" noChangeArrowheads="1"/>
+          </p:cNvPicPr>
+          <p:nvPr/>
+        </p:nvPicPr>
+        <p:blipFill>
+          <a:blip r:embed="rId4" cstate="print">
+            <a:extLst>
+              <a:ext uri="{28A0092B-C50C-407E-A947-70E740481C1C}">
+                <a14:useLocalDpi xmlns:a14="http://schemas.microsoft.com/office/drawing/2010/main" val="0"/>
+              </a:ext>
+            </a:extLst>
+          </a:blip>
+          <a:srcRect/>
+          <a:stretch>
+            <a:fillRect/>
+          </a:stretch>
+        </p:blipFill>
+        <p:spPr bwMode="auto">
+          <a:xfrm>
+            <a:off x="10961206" y="208100"/>
+            <a:ext cx="1023520" cy="1119117"/>
+          </a:xfrm>
+          <a:prstGeom prst="rect">
+            <a:avLst/>
+          </a:prstGeom>
+          <a:noFill/>
+          <a:extLst>
+            <a:ext uri="{909E8E84-426E-40DD-AFC4-6F175D3DCCD1}">
+              <a14:hiddenFill xmlns:a14="http://schemas.microsoft.com/office/drawing/2010/main">
+                <a:solidFill>
+                  <a:srgbClr val="FFFFFF"/>
+                </a:solidFill>
+              </a14:hiddenFill>
+            </a:ext>
+          </a:extLst>
+        </p:spPr>
+      </p:pic>
+    </p:spTree>
+    <p:extLst>
+      <p:ext uri="{BB962C8B-B14F-4D97-AF65-F5344CB8AC3E}">
+        <p14:creationId xmlns:p14="http://schemas.microsoft.com/office/powerpoint/2010/main" val="497896006"/>
+      </p:ext>
+    </p:extLst>
+  </p:cSld>
+  <p:clrMapOvr>
+    <a:masterClrMapping/>
+  </p:clrMapOvr>
+  <p:timing>
+    <p:tnLst>
+      <p:par>
+        <p:cTn id="1" dur="indefinite" restart="never" nodeType="tmRoot"/>
+      </p:par>
+    </p:tnLst>
+  </p:timing>
+</p:sld>
+</file>
+
+<file path=ppt/slides/slide16.xml><?xml version="1.0" encoding="utf-8"?>
+<p:sld xmlns:a="http://schemas.openxmlformats.org/drawingml/2006/main" xmlns:r="http://schemas.openxmlformats.org/officeDocument/2006/relationships" xmlns:p="http://schemas.openxmlformats.org/presentationml/2006/main">
+  <p:cSld>
+    <p:spTree>
+      <p:nvGrpSpPr>
+        <p:cNvPr id="1" name=""/>
+        <p:cNvGrpSpPr/>
+        <p:nvPr/>
+      </p:nvGrpSpPr>
+      <p:grpSpPr>
+        <a:xfrm>
+          <a:off x="0" y="0"/>
+          <a:ext cx="0" cy="0"/>
+          <a:chOff x="0" y="0"/>
+          <a:chExt cx="0" cy="0"/>
+        </a:xfrm>
+      </p:grpSpPr>
+      <p:sp>
+        <p:nvSpPr>
+          <p:cNvPr id="2" name="Заголовок 1"/>
+          <p:cNvSpPr>
+            <a:spLocks noGrp="1"/>
+          </p:cNvSpPr>
+          <p:nvPr>
+            <p:ph type="title"/>
+          </p:nvPr>
+        </p:nvSpPr>
+        <p:spPr/>
+        <p:txBody>
+          <a:bodyPr/>
+          <a:lstStyle/>
+          <a:p>
+            <a:endParaRPr lang="ru-RU"/>
+          </a:p>
+        </p:txBody>
+      </p:sp>
+      <p:sp>
+        <p:nvSpPr>
+          <p:cNvPr id="3" name="Объект 2"/>
+          <p:cNvSpPr>
+            <a:spLocks noGrp="1"/>
+          </p:cNvSpPr>
+          <p:nvPr>
+            <p:ph idx="1"/>
+          </p:nvPr>
+        </p:nvSpPr>
+        <p:spPr/>
+        <p:txBody>
+          <a:bodyPr/>
+          <a:lstStyle/>
+          <a:p>
+            <a:endParaRPr lang="ru-RU"/>
+          </a:p>
+        </p:txBody>
+      </p:sp>
+      <p:pic>
+        <p:nvPicPr>
+          <p:cNvPr id="4" name="Рисунок 3"/>
+          <p:cNvPicPr>
+            <a:picLocks noChangeAspect="1"/>
+          </p:cNvPicPr>
+          <p:nvPr/>
+        </p:nvPicPr>
+        <p:blipFill>
+          <a:blip r:embed="rId2">
+            <a:extLst>
+              <a:ext uri="{28A0092B-C50C-407E-A947-70E740481C1C}">
+                <a14:useLocalDpi xmlns:a14="http://schemas.microsoft.com/office/drawing/2010/main" val="0"/>
+              </a:ext>
+            </a:extLst>
+          </a:blip>
+          <a:stretch>
+            <a:fillRect/>
+          </a:stretch>
+        </p:blipFill>
+        <p:spPr>
+          <a:xfrm>
+            <a:off x="0" y="0"/>
+            <a:ext cx="12192000" cy="6858000"/>
+          </a:xfrm>
+          <a:prstGeom prst="rect">
+            <a:avLst/>
+          </a:prstGeom>
+        </p:spPr>
+      </p:pic>
+      <p:sp>
+        <p:nvSpPr>
+          <p:cNvPr id="5" name="TextBox 4"/>
+          <p:cNvSpPr txBox="1"/>
+          <p:nvPr/>
+        </p:nvSpPr>
+        <p:spPr>
+          <a:xfrm>
+            <a:off x="1327707" y="1148760"/>
+            <a:ext cx="9536586" cy="923330"/>
+          </a:xfrm>
+          <a:prstGeom prst="rect">
+            <a:avLst/>
+          </a:prstGeom>
+          <a:noFill/>
+        </p:spPr>
+        <p:txBody>
+          <a:bodyPr wrap="none" rtlCol="0">
+            <a:spAutoFit/>
+          </a:bodyPr>
+          <a:lstStyle/>
+          <a:p>
+            <a:pPr algn="ctr"/>
+            <a:r>
+              <a:rPr lang="ru-RU" sz="5400" dirty="0" smtClean="0">
+                <a:latin typeface="Arial Black" panose="020B0A04020102020204" pitchFamily="34" charset="0"/>
+              </a:rPr>
+              <a:t>Отзывы и предложения</a:t>
+            </a:r>
+            <a:endParaRPr lang="ru-RU" sz="5400" dirty="0">
+              <a:latin typeface="Arial Black" panose="020B0A04020102020204" pitchFamily="34" charset="0"/>
+            </a:endParaRPr>
+          </a:p>
+        </p:txBody>
+      </p:sp>
+      <p:sp>
+        <p:nvSpPr>
+          <p:cNvPr id="6" name="Прямоугольник 5"/>
+          <p:cNvSpPr/>
+          <p:nvPr/>
+        </p:nvSpPr>
+        <p:spPr>
+          <a:xfrm>
+            <a:off x="3111908" y="2502067"/>
+            <a:ext cx="5968181" cy="646331"/>
+          </a:xfrm>
+          <a:prstGeom prst="rect">
+            <a:avLst/>
+          </a:prstGeom>
+          <a:ln/>
+        </p:spPr>
+        <p:style>
+          <a:lnRef idx="1">
+            <a:schemeClr val="accent6"/>
+          </a:lnRef>
+          <a:fillRef idx="2">
+            <a:schemeClr val="accent6"/>
+          </a:fillRef>
+          <a:effectRef idx="1">
+            <a:schemeClr val="accent6"/>
+          </a:effectRef>
+          <a:fontRef idx="minor">
+            <a:schemeClr val="dk1"/>
+          </a:fontRef>
+        </p:style>
+        <p:txBody>
+          <a:bodyPr wrap="square">
+            <a:spAutoFit/>
+          </a:bodyPr>
+          <a:lstStyle/>
+          <a:p>
+            <a:pPr marL="285750" indent="-285750" algn="just">
+              <a:buFont typeface="Wingdings" panose="05000000000000000000" pitchFamily="2" charset="2"/>
+              <a:buChar char="Ø"/>
+            </a:pPr>
+            <a:r>
+              <a:rPr lang="ru-RU" dirty="0" smtClean="0"/>
+              <a:t>"</a:t>
+            </a:r>
+            <a:r>
+              <a:rPr lang="ru-RU" dirty="0"/>
+              <a:t>Очень удобно, что можно посмотреть информацию о врачах и выбрать специалиста по рейтингу и отзывам</a:t>
+            </a:r>
+            <a:r>
+              <a:rPr lang="ru-RU" dirty="0" smtClean="0"/>
+              <a:t>.</a:t>
+            </a:r>
+            <a:endParaRPr lang="ru-RU" dirty="0"/>
+          </a:p>
+        </p:txBody>
+      </p:sp>
+      <p:sp>
+        <p:nvSpPr>
+          <p:cNvPr id="7" name="Прямоугольник 6"/>
+          <p:cNvSpPr/>
+          <p:nvPr/>
+        </p:nvSpPr>
+        <p:spPr>
+          <a:xfrm>
+            <a:off x="3115596" y="3389510"/>
+            <a:ext cx="5964494" cy="646331"/>
+          </a:xfrm>
+          <a:prstGeom prst="rect">
+            <a:avLst/>
+          </a:prstGeom>
+          <a:ln/>
+        </p:spPr>
+        <p:style>
+          <a:lnRef idx="1">
+            <a:schemeClr val="accent6"/>
+          </a:lnRef>
+          <a:fillRef idx="2">
+            <a:schemeClr val="accent6"/>
+          </a:fillRef>
+          <a:effectRef idx="1">
+            <a:schemeClr val="accent6"/>
+          </a:effectRef>
+          <a:fontRef idx="minor">
+            <a:schemeClr val="dk1"/>
+          </a:fontRef>
+        </p:style>
+        <p:txBody>
+          <a:bodyPr wrap="square">
+            <a:spAutoFit/>
+          </a:bodyPr>
+          <a:lstStyle/>
+          <a:p>
+            <a:pPr marL="285750" indent="-285750" algn="just">
+              <a:buFont typeface="Wingdings" panose="05000000000000000000" pitchFamily="2" charset="2"/>
+              <a:buChar char="Ø"/>
+            </a:pPr>
+            <a:r>
+              <a:rPr lang="ru-RU" dirty="0"/>
+              <a:t>"Бот работает нормально, но хотелось бы видеть больше функций, например, онлайн-оплату услуг</a:t>
+            </a:r>
+            <a:r>
+              <a:rPr lang="ru-RU" dirty="0" smtClean="0"/>
+              <a:t>."</a:t>
+            </a:r>
+            <a:endParaRPr lang="ru-RU" dirty="0"/>
+          </a:p>
+        </p:txBody>
+      </p:sp>
+      <p:sp>
+        <p:nvSpPr>
+          <p:cNvPr id="8" name="Прямоугольник 7"/>
+          <p:cNvSpPr/>
+          <p:nvPr/>
+        </p:nvSpPr>
+        <p:spPr>
+          <a:xfrm>
+            <a:off x="3111907" y="4276953"/>
+            <a:ext cx="5968181" cy="646331"/>
+          </a:xfrm>
+          <a:prstGeom prst="rect">
+            <a:avLst/>
+          </a:prstGeom>
+          <a:ln/>
+        </p:spPr>
+        <p:style>
+          <a:lnRef idx="1">
+            <a:schemeClr val="accent6"/>
+          </a:lnRef>
+          <a:fillRef idx="2">
+            <a:schemeClr val="accent6"/>
+          </a:fillRef>
+          <a:effectRef idx="1">
+            <a:schemeClr val="accent6"/>
+          </a:effectRef>
+          <a:fontRef idx="minor">
+            <a:schemeClr val="dk1"/>
+          </a:fontRef>
+        </p:style>
+        <p:txBody>
+          <a:bodyPr wrap="square">
+            <a:spAutoFit/>
+          </a:bodyPr>
+          <a:lstStyle/>
+          <a:p>
+            <a:pPr marL="285750" indent="-285750" algn="just">
+              <a:buFont typeface="Wingdings" panose="05000000000000000000" pitchFamily="2" charset="2"/>
+              <a:buChar char="Ø"/>
+            </a:pPr>
+            <a:r>
+              <a:rPr lang="ru-RU" dirty="0"/>
+              <a:t>"Наконец-то нашла расписание работы нужного специалиста без лишних хлопот. Бот просто спас!</a:t>
+            </a:r>
+          </a:p>
+        </p:txBody>
+      </p:sp>
+      <p:sp>
+        <p:nvSpPr>
+          <p:cNvPr id="9" name="Прямоугольник 8"/>
+          <p:cNvSpPr/>
+          <p:nvPr/>
+        </p:nvSpPr>
+        <p:spPr>
+          <a:xfrm>
+            <a:off x="3111907" y="5164396"/>
+            <a:ext cx="5968181" cy="646331"/>
+          </a:xfrm>
+          <a:prstGeom prst="rect">
+            <a:avLst/>
+          </a:prstGeom>
+          <a:ln/>
+        </p:spPr>
+        <p:style>
+          <a:lnRef idx="1">
+            <a:schemeClr val="accent6"/>
+          </a:lnRef>
+          <a:fillRef idx="2">
+            <a:schemeClr val="accent6"/>
+          </a:fillRef>
+          <a:effectRef idx="1">
+            <a:schemeClr val="accent6"/>
+          </a:effectRef>
+          <a:fontRef idx="minor">
+            <a:schemeClr val="dk1"/>
+          </a:fontRef>
+        </p:style>
+        <p:txBody>
+          <a:bodyPr wrap="square">
+            <a:spAutoFit/>
+          </a:bodyPr>
+          <a:lstStyle/>
+          <a:p>
+            <a:pPr marL="285750" indent="-285750" algn="just">
+              <a:buFont typeface="Wingdings" panose="05000000000000000000" pitchFamily="2" charset="2"/>
+              <a:buChar char="Ø"/>
+            </a:pPr>
+            <a:r>
+              <a:rPr lang="ru-RU" dirty="0"/>
+              <a:t>"Пока все устраивает, но не хватает информации о стоимости услуг."</a:t>
+            </a:r>
+            <a:endParaRPr lang="ru-RU" dirty="0"/>
+          </a:p>
+        </p:txBody>
+      </p:sp>
+    </p:spTree>
+    <p:extLst>
+      <p:ext uri="{BB962C8B-B14F-4D97-AF65-F5344CB8AC3E}">
+        <p14:creationId xmlns:p14="http://schemas.microsoft.com/office/powerpoint/2010/main" val="4021373928"/>
+      </p:ext>
+    </p:extLst>
+  </p:cSld>
+  <p:clrMapOvr>
+    <a:masterClrMapping/>
+  </p:clrMapOvr>
+</p:sld>
+</file>
+
+<file path=ppt/slides/slide17.xml><?xml version="1.0" encoding="utf-8"?>
+<p:sld xmlns:a="http://schemas.openxmlformats.org/drawingml/2006/main" xmlns:r="http://schemas.openxmlformats.org/officeDocument/2006/relationships" xmlns:p="http://schemas.openxmlformats.org/presentationml/2006/main">
+  <p:cSld>
+    <p:spTree>
+      <p:nvGrpSpPr>
+        <p:cNvPr id="1" name=""/>
+        <p:cNvGrpSpPr/>
+        <p:nvPr/>
+      </p:nvGrpSpPr>
+      <p:grpSpPr>
+        <a:xfrm>
+          <a:off x="0" y="0"/>
+          <a:ext cx="0" cy="0"/>
+          <a:chOff x="0" y="0"/>
+          <a:chExt cx="0" cy="0"/>
+        </a:xfrm>
+      </p:grpSpPr>
+      <p:sp>
+        <p:nvSpPr>
+          <p:cNvPr id="2" name="Заголовок 1"/>
+          <p:cNvSpPr>
+            <a:spLocks noGrp="1"/>
+          </p:cNvSpPr>
+          <p:nvPr>
+            <p:ph type="title"/>
+          </p:nvPr>
+        </p:nvSpPr>
+        <p:spPr/>
+        <p:txBody>
+          <a:bodyPr/>
+          <a:lstStyle/>
+          <a:p>
+            <a:endParaRPr lang="ru-RU"/>
+          </a:p>
+        </p:txBody>
+      </p:sp>
+      <p:sp>
+        <p:nvSpPr>
+          <p:cNvPr id="3" name="Объект 2"/>
+          <p:cNvSpPr>
+            <a:spLocks noGrp="1"/>
+          </p:cNvSpPr>
+          <p:nvPr>
+            <p:ph idx="1"/>
+          </p:nvPr>
+        </p:nvSpPr>
+        <p:spPr/>
+        <p:txBody>
+          <a:bodyPr/>
+          <a:lstStyle/>
+          <a:p>
+            <a:endParaRPr lang="ru-RU"/>
+          </a:p>
+        </p:txBody>
+      </p:sp>
+      <p:pic>
+        <p:nvPicPr>
+          <p:cNvPr id="4" name="Рисунок 3"/>
+          <p:cNvPicPr>
+            <a:picLocks noChangeAspect="1"/>
+          </p:cNvPicPr>
+          <p:nvPr/>
+        </p:nvPicPr>
+        <p:blipFill>
+          <a:blip r:embed="rId2">
+            <a:extLst>
+              <a:ext uri="{28A0092B-C50C-407E-A947-70E740481C1C}">
+                <a14:useLocalDpi xmlns:a14="http://schemas.microsoft.com/office/drawing/2010/main" val="0"/>
+              </a:ext>
+            </a:extLst>
+          </a:blip>
+          <a:stretch>
+            <a:fillRect/>
+          </a:stretch>
+        </p:blipFill>
+        <p:spPr>
+          <a:xfrm>
+            <a:off x="0" y="0"/>
+            <a:ext cx="12192000" cy="6858000"/>
+          </a:xfrm>
+          <a:prstGeom prst="rect">
+            <a:avLst/>
+          </a:prstGeom>
+        </p:spPr>
+      </p:pic>
+      <p:sp>
+        <p:nvSpPr>
+          <p:cNvPr id="5" name="Прямоугольник 4"/>
+          <p:cNvSpPr/>
+          <p:nvPr/>
+        </p:nvSpPr>
+        <p:spPr>
+          <a:xfrm>
             <a:off x="1987345" y="959922"/>
             <a:ext cx="8217314" cy="830997"/>
           </a:xfrm>
@@ -5960,21 +6501,21 @@
       </p:sp>
       <p:sp>
         <p:nvSpPr>
-          <p:cNvPr id="6" name="Прямоугольник 5"/>
+          <p:cNvPr id="7" name="Прямоугольник 6"/>
           <p:cNvSpPr/>
           <p:nvPr/>
         </p:nvSpPr>
         <p:spPr>
           <a:xfrm>
-            <a:off x="6443817" y="2303883"/>
-            <a:ext cx="5329083" cy="3621504"/>
+            <a:off x="671050" y="2107587"/>
+            <a:ext cx="5552768" cy="4462760"/>
           </a:xfrm>
           <a:prstGeom prst="rect">
             <a:avLst/>
           </a:prstGeom>
         </p:spPr>
         <p:txBody>
-          <a:bodyPr wrap="square" numCol="1">
+          <a:bodyPr wrap="square">
             <a:spAutoFit/>
           </a:bodyPr>
           <a:lstStyle/>
@@ -5988,22 +6529,22 @@
               </a:spcAft>
             </a:pPr>
             <a:r>
-              <a:rPr lang="ru-RU" dirty="0" smtClean="0">
-                <a:latin typeface="Arial" panose="020B0604020202020204" pitchFamily="34" charset="0"/>
-                <a:ea typeface="Calibri" panose="020F0502020204030204" pitchFamily="34" charset="0"/>
-                <a:cs typeface="Arial" panose="020B0604020202020204" pitchFamily="34" charset="0"/>
-              </a:rPr>
-              <a:t>2</a:t>
-            </a:r>
-            <a:r>
-              <a:rPr lang="ru-RU" dirty="0">
-                <a:latin typeface="Arial" panose="020B0604020202020204" pitchFamily="34" charset="0"/>
-                <a:ea typeface="Calibri" panose="020F0502020204030204" pitchFamily="34" charset="0"/>
-                <a:cs typeface="Arial" panose="020B0604020202020204" pitchFamily="34" charset="0"/>
-              </a:rPr>
-              <a:t>. Телемедицинские консультации:</a:t>
-            </a:r>
-            <a:endParaRPr lang="ru-RU" sz="1400" dirty="0" smtClean="0">
+              <a:rPr lang="ru-RU" sz="2200" dirty="0" smtClean="0">
+                <a:latin typeface="Arial" panose="020B0604020202020204" pitchFamily="34" charset="0"/>
+                <a:ea typeface="Calibri" panose="020F0502020204030204" pitchFamily="34" charset="0"/>
+                <a:cs typeface="Arial" panose="020B0604020202020204" pitchFamily="34" charset="0"/>
+              </a:rPr>
+              <a:t>Интеграция </a:t>
+            </a:r>
+            <a:r>
+              <a:rPr lang="ru-RU" sz="2200" dirty="0" smtClean="0">
+                <a:latin typeface="Arial" panose="020B0604020202020204" pitchFamily="34" charset="0"/>
+                <a:ea typeface="Calibri" panose="020F0502020204030204" pitchFamily="34" charset="0"/>
+                <a:cs typeface="Arial" panose="020B0604020202020204" pitchFamily="34" charset="0"/>
+              </a:rPr>
+              <a:t>с Электронной Медицинской   Картой (ЭМК):</a:t>
+            </a:r>
+            <a:endParaRPr lang="ru-RU" sz="2200" dirty="0" smtClean="0">
               <a:effectLst/>
               <a:latin typeface="Arial" panose="020B0604020202020204" pitchFamily="34" charset="0"/>
               <a:ea typeface="Calibri" panose="020F0502020204030204" pitchFamily="34" charset="0"/>
@@ -6020,19 +6561,21 @@
               </a:spcAft>
             </a:pPr>
             <a:r>
-              <a:rPr lang="ru-RU" dirty="0">
-                <a:latin typeface="Arial" panose="020B0604020202020204" pitchFamily="34" charset="0"/>
-                <a:ea typeface="Calibri" panose="020F0502020204030204" pitchFamily="34" charset="0"/>
-                <a:cs typeface="Arial" panose="020B0604020202020204" pitchFamily="34" charset="0"/>
-              </a:rPr>
-              <a:t>⦁ Текстовые консультации с врачами: Возможность задать вопрос врачу и получить консультацию в текстовом формате через бота.</a:t>
-            </a:r>
-            <a:endParaRPr lang="ru-RU" sz="1400" dirty="0" smtClean="0">
-              <a:effectLst/>
-              <a:latin typeface="Arial" panose="020B0604020202020204" pitchFamily="34" charset="0"/>
-              <a:ea typeface="Calibri" panose="020F0502020204030204" pitchFamily="34" charset="0"/>
-              <a:cs typeface="Arial" panose="020B0604020202020204" pitchFamily="34" charset="0"/>
-            </a:endParaRPr>
+              <a:rPr lang="ru-RU" sz="2200" dirty="0" smtClean="0">
+                <a:latin typeface="Arial" panose="020B0604020202020204" pitchFamily="34" charset="0"/>
+                <a:ea typeface="Calibri" panose="020F0502020204030204" pitchFamily="34" charset="0"/>
+                <a:cs typeface="Arial" panose="020B0604020202020204" pitchFamily="34" charset="0"/>
+              </a:rPr>
+              <a:t>⦁ Доступ к результатам </a:t>
+            </a:r>
+            <a:r>
+              <a:rPr lang="ru-RU" sz="2200" dirty="0" smtClean="0">
+                <a:latin typeface="Arial" panose="020B0604020202020204" pitchFamily="34" charset="0"/>
+                <a:ea typeface="Calibri" panose="020F0502020204030204" pitchFamily="34" charset="0"/>
+                <a:cs typeface="Arial" panose="020B0604020202020204" pitchFamily="34" charset="0"/>
+              </a:rPr>
+              <a:t>анализов</a:t>
+            </a:r>
           </a:p>
           <a:p>
             <a:pPr algn="just">
@@ -6044,7 +6587,7 @@
               </a:spcAft>
             </a:pPr>
             <a:r>
-              <a:rPr lang="ru-RU" dirty="0" smtClean="0">
+              <a:rPr lang="ru-RU" sz="2200" dirty="0" smtClean="0">
                 <a:latin typeface="Arial" panose="020B0604020202020204" pitchFamily="34" charset="0"/>
                 <a:ea typeface="Calibri" panose="020F0502020204030204" pitchFamily="34" charset="0"/>
                 <a:cs typeface="Arial" panose="020B0604020202020204" pitchFamily="34" charset="0"/>
@@ -6052,82 +6595,62 @@
               <a:t>⦁ </a:t>
             </a:r>
             <a:r>
-              <a:rPr lang="ru-RU" dirty="0" err="1" smtClean="0">
-                <a:latin typeface="Arial" panose="020B0604020202020204" pitchFamily="34" charset="0"/>
-                <a:ea typeface="Calibri" panose="020F0502020204030204" pitchFamily="34" charset="0"/>
-                <a:cs typeface="Arial" panose="020B0604020202020204" pitchFamily="34" charset="0"/>
-              </a:rPr>
-              <a:t>Видеоконсультации</a:t>
-            </a:r>
-            <a:r>
-              <a:rPr lang="ru-RU" dirty="0">
-                <a:latin typeface="Arial" panose="020B0604020202020204" pitchFamily="34" charset="0"/>
-                <a:ea typeface="Calibri" panose="020F0502020204030204" pitchFamily="34" charset="0"/>
-                <a:cs typeface="Arial" panose="020B0604020202020204" pitchFamily="34" charset="0"/>
-              </a:rPr>
-              <a:t>: Организация </a:t>
-            </a:r>
-            <a:r>
-              <a:rPr lang="ru-RU" dirty="0" err="1">
-                <a:latin typeface="Arial" panose="020B0604020202020204" pitchFamily="34" charset="0"/>
-                <a:ea typeface="Calibri" panose="020F0502020204030204" pitchFamily="34" charset="0"/>
-                <a:cs typeface="Arial" panose="020B0604020202020204" pitchFamily="34" charset="0"/>
-              </a:rPr>
-              <a:t>видеоконсультаций</a:t>
-            </a:r>
-            <a:r>
-              <a:rPr lang="ru-RU" dirty="0">
-                <a:latin typeface="Arial" panose="020B0604020202020204" pitchFamily="34" charset="0"/>
-                <a:ea typeface="Calibri" panose="020F0502020204030204" pitchFamily="34" charset="0"/>
-                <a:cs typeface="Arial" panose="020B0604020202020204" pitchFamily="34" charset="0"/>
-              </a:rPr>
-              <a:t> с врачами через </a:t>
-            </a:r>
-            <a:r>
-              <a:rPr lang="ru-RU" dirty="0" err="1">
-                <a:latin typeface="Arial" panose="020B0604020202020204" pitchFamily="34" charset="0"/>
-                <a:ea typeface="Calibri" panose="020F0502020204030204" pitchFamily="34" charset="0"/>
-                <a:cs typeface="Arial" panose="020B0604020202020204" pitchFamily="34" charset="0"/>
-              </a:rPr>
-              <a:t>Telegram</a:t>
-            </a:r>
-            <a:r>
-              <a:rPr lang="ru-RU" dirty="0">
-                <a:latin typeface="Arial" panose="020B0604020202020204" pitchFamily="34" charset="0"/>
-                <a:ea typeface="Calibri" panose="020F0502020204030204" pitchFamily="34" charset="0"/>
-                <a:cs typeface="Arial" panose="020B0604020202020204" pitchFamily="34" charset="0"/>
-              </a:rPr>
-              <a:t> (с учетом требований безопасности и конфиденциальности).</a:t>
-            </a:r>
-            <a:endParaRPr lang="ru-RU" sz="1400" dirty="0">
-              <a:effectLst/>
+              <a:rPr lang="ru-RU" sz="2200" dirty="0" smtClean="0">
+                <a:latin typeface="Arial" panose="020B0604020202020204" pitchFamily="34" charset="0"/>
+                <a:ea typeface="Calibri" panose="020F0502020204030204" pitchFamily="34" charset="0"/>
+                <a:cs typeface="Arial" panose="020B0604020202020204" pitchFamily="34" charset="0"/>
+              </a:rPr>
+              <a:t>Просмотр истории </a:t>
+            </a:r>
+            <a:r>
+              <a:rPr lang="ru-RU" sz="2200" dirty="0" smtClean="0">
+                <a:latin typeface="Arial" panose="020B0604020202020204" pitchFamily="34" charset="0"/>
+                <a:ea typeface="Calibri" panose="020F0502020204030204" pitchFamily="34" charset="0"/>
+                <a:cs typeface="Arial" panose="020B0604020202020204" pitchFamily="34" charset="0"/>
+              </a:rPr>
+              <a:t>болезни</a:t>
+            </a:r>
+          </a:p>
+          <a:p>
+            <a:pPr algn="just">
+              <a:lnSpc>
+                <a:spcPct val="150000"/>
+              </a:lnSpc>
+            </a:pPr>
+            <a:r>
+              <a:rPr lang="ru-RU" sz="2200" dirty="0">
+                <a:latin typeface="Arial" panose="020B0604020202020204" pitchFamily="34" charset="0"/>
+                <a:cs typeface="Arial" panose="020B0604020202020204" pitchFamily="34" charset="0"/>
+              </a:rPr>
+              <a:t>⦁ Напоминания о приеме лекарств</a:t>
+            </a:r>
+          </a:p>
+          <a:p>
+            <a:pPr algn="just">
+              <a:lnSpc>
+                <a:spcPct val="150000"/>
+              </a:lnSpc>
+            </a:pPr>
+            <a:r>
+              <a:rPr lang="ru-RU" sz="2200" dirty="0" smtClean="0">
+                <a:latin typeface="Arial" panose="020B0604020202020204" pitchFamily="34" charset="0"/>
+                <a:cs typeface="Arial" panose="020B0604020202020204" pitchFamily="34" charset="0"/>
+              </a:rPr>
+              <a:t>⦁ Запись </a:t>
+            </a:r>
+            <a:r>
+              <a:rPr lang="ru-RU" sz="2200" dirty="0">
+                <a:latin typeface="Arial" panose="020B0604020202020204" pitchFamily="34" charset="0"/>
+                <a:cs typeface="Arial" panose="020B0604020202020204" pitchFamily="34" charset="0"/>
+              </a:rPr>
+              <a:t>на повторный прием к врачу на основе рекомендаций из ЭМК: </a:t>
+            </a:r>
+            <a:endParaRPr lang="ru-RU" sz="2200" dirty="0" smtClean="0">
               <a:latin typeface="Arial" panose="020B0604020202020204" pitchFamily="34" charset="0"/>
               <a:ea typeface="Calibri" panose="020F0502020204030204" pitchFamily="34" charset="0"/>
               <a:cs typeface="Arial" panose="020B0604020202020204" pitchFamily="34" charset="0"/>
             </a:endParaRPr>
           </a:p>
-        </p:txBody>
-      </p:sp>
-      <p:sp>
-        <p:nvSpPr>
-          <p:cNvPr id="7" name="Прямоугольник 6"/>
-          <p:cNvSpPr/>
-          <p:nvPr/>
-        </p:nvSpPr>
-        <p:spPr>
-          <a:xfrm>
-            <a:off x="838200" y="1993297"/>
-            <a:ext cx="5356122" cy="4452501"/>
-          </a:xfrm>
-          <a:prstGeom prst="rect">
-            <a:avLst/>
-          </a:prstGeom>
-        </p:spPr>
-        <p:txBody>
-          <a:bodyPr wrap="square">
-            <a:spAutoFit/>
-          </a:bodyPr>
-          <a:lstStyle/>
           <a:p>
             <a:pPr algn="just">
               <a:lnSpc>
@@ -6137,63 +6660,7 @@
                 <a:spcPts val="800"/>
               </a:spcAft>
             </a:pPr>
-            <a:r>
-              <a:rPr lang="ru-RU" dirty="0" smtClean="0">
-                <a:latin typeface="Arial" panose="020B0604020202020204" pitchFamily="34" charset="0"/>
-                <a:ea typeface="Calibri" panose="020F0502020204030204" pitchFamily="34" charset="0"/>
-                <a:cs typeface="Arial" panose="020B0604020202020204" pitchFamily="34" charset="0"/>
-              </a:rPr>
-              <a:t>1. Интеграция с Электронной Медицинской   Картой (ЭМК):</a:t>
-            </a:r>
-            <a:endParaRPr lang="ru-RU" sz="1400" dirty="0" smtClean="0">
-              <a:effectLst/>
-              <a:latin typeface="Arial" panose="020B0604020202020204" pitchFamily="34" charset="0"/>
-              <a:ea typeface="Calibri" panose="020F0502020204030204" pitchFamily="34" charset="0"/>
-              <a:cs typeface="Arial" panose="020B0604020202020204" pitchFamily="34" charset="0"/>
-            </a:endParaRPr>
-          </a:p>
-          <a:p>
-            <a:pPr algn="just">
-              <a:lnSpc>
-                <a:spcPct val="150000"/>
-              </a:lnSpc>
-              <a:spcAft>
-                <a:spcPts val="800"/>
-              </a:spcAft>
-            </a:pPr>
-            <a:r>
-              <a:rPr lang="ru-RU" dirty="0" smtClean="0">
-                <a:latin typeface="Arial" panose="020B0604020202020204" pitchFamily="34" charset="0"/>
-                <a:ea typeface="Calibri" panose="020F0502020204030204" pitchFamily="34" charset="0"/>
-                <a:cs typeface="Arial" panose="020B0604020202020204" pitchFamily="34" charset="0"/>
-              </a:rPr>
-              <a:t>⦁ Доступ к результатам анализов: Пациенты смогут получать результаты своих анализов непосредственно через бота, без необходимости посещения больницы.</a:t>
-            </a:r>
-            <a:endParaRPr lang="ru-RU" sz="1400" dirty="0" smtClean="0">
-              <a:effectLst/>
-              <a:latin typeface="Arial" panose="020B0604020202020204" pitchFamily="34" charset="0"/>
-              <a:ea typeface="Calibri" panose="020F0502020204030204" pitchFamily="34" charset="0"/>
-              <a:cs typeface="Arial" panose="020B0604020202020204" pitchFamily="34" charset="0"/>
-            </a:endParaRPr>
-          </a:p>
-          <a:p>
-            <a:pPr algn="just">
-              <a:lnSpc>
-                <a:spcPct val="150000"/>
-              </a:lnSpc>
-              <a:spcAft>
-                <a:spcPts val="800"/>
-              </a:spcAft>
-            </a:pPr>
-            <a:r>
-              <a:rPr lang="ru-RU" dirty="0" smtClean="0">
-                <a:latin typeface="Arial" panose="020B0604020202020204" pitchFamily="34" charset="0"/>
-                <a:ea typeface="Calibri" panose="020F0502020204030204" pitchFamily="34" charset="0"/>
-                <a:cs typeface="Arial" panose="020B0604020202020204" pitchFamily="34" charset="0"/>
-              </a:rPr>
-              <a:t>⦁ Просмотр истории болезни: Возможность просмотра краткой выписки из ЭМК, содержащей информацию о предыдущих обращениях, диагнозах и назначениях.</a:t>
-            </a:r>
-            <a:endParaRPr lang="ru-RU" sz="1400" dirty="0" smtClean="0">
+            <a:endParaRPr lang="ru-RU" sz="2200" dirty="0" smtClean="0">
               <a:effectLst/>
               <a:latin typeface="Arial" panose="020B0604020202020204" pitchFamily="34" charset="0"/>
               <a:ea typeface="Calibri" panose="020F0502020204030204" pitchFamily="34" charset="0"/>
@@ -6243,6 +6710,115 @@
           </a:extLst>
         </p:spPr>
       </p:pic>
+      <p:sp>
+        <p:nvSpPr>
+          <p:cNvPr id="9" name="Прямоугольник 8"/>
+          <p:cNvSpPr/>
+          <p:nvPr/>
+        </p:nvSpPr>
+        <p:spPr>
+          <a:xfrm>
+            <a:off x="6894871" y="2105845"/>
+            <a:ext cx="5129982" cy="2631490"/>
+          </a:xfrm>
+          <a:prstGeom prst="rect">
+            <a:avLst/>
+          </a:prstGeom>
+        </p:spPr>
+        <p:txBody>
+          <a:bodyPr wrap="square">
+            <a:spAutoFit/>
+          </a:bodyPr>
+          <a:lstStyle/>
+          <a:p>
+            <a:pPr>
+              <a:lnSpc>
+                <a:spcPct val="150000"/>
+              </a:lnSpc>
+            </a:pPr>
+            <a:r>
+              <a:rPr lang="ru-RU" sz="2200" dirty="0">
+                <a:latin typeface="Arial" panose="020B0604020202020204" pitchFamily="34" charset="0"/>
+                <a:ea typeface="Calibri" panose="020F0502020204030204" pitchFamily="34" charset="0"/>
+                <a:cs typeface="Arial" panose="020B0604020202020204" pitchFamily="34" charset="0"/>
+              </a:rPr>
+              <a:t>Дополнительные возможности</a:t>
+            </a:r>
+            <a:r>
+              <a:rPr lang="ru-RU" sz="2200" dirty="0" smtClean="0">
+                <a:latin typeface="Arial" panose="020B0604020202020204" pitchFamily="34" charset="0"/>
+                <a:ea typeface="Calibri" panose="020F0502020204030204" pitchFamily="34" charset="0"/>
+                <a:cs typeface="Arial" panose="020B0604020202020204" pitchFamily="34" charset="0"/>
+              </a:rPr>
+              <a:t>:</a:t>
+            </a:r>
+          </a:p>
+          <a:p>
+            <a:pPr marL="342900" indent="-342900">
+              <a:lnSpc>
+                <a:spcPct val="150000"/>
+              </a:lnSpc>
+              <a:buFont typeface="Arial" panose="020B0604020202020204" pitchFamily="34" charset="0"/>
+              <a:buChar char="•"/>
+            </a:pPr>
+            <a:r>
+              <a:rPr lang="ru-RU" sz="2200" dirty="0" err="1" smtClean="0">
+                <a:latin typeface="Arial" panose="020B0604020202020204" pitchFamily="34" charset="0"/>
+                <a:cs typeface="Arial" panose="020B0604020202020204" pitchFamily="34" charset="0"/>
+              </a:rPr>
+              <a:t>Многоязычность</a:t>
+            </a:r>
+            <a:endParaRPr lang="ru-RU" sz="2200" dirty="0" smtClean="0">
+              <a:latin typeface="Arial" panose="020B0604020202020204" pitchFamily="34" charset="0"/>
+              <a:cs typeface="Arial" panose="020B0604020202020204" pitchFamily="34" charset="0"/>
+            </a:endParaRPr>
+          </a:p>
+          <a:p>
+            <a:pPr marL="342900" indent="-342900">
+              <a:lnSpc>
+                <a:spcPct val="150000"/>
+              </a:lnSpc>
+              <a:buFont typeface="Arial" panose="020B0604020202020204" pitchFamily="34" charset="0"/>
+              <a:buChar char="•"/>
+            </a:pPr>
+            <a:r>
+              <a:rPr lang="ru-RU" sz="2200" dirty="0">
+                <a:latin typeface="Arial" panose="020B0604020202020204" pitchFamily="34" charset="0"/>
+                <a:cs typeface="Arial" panose="020B0604020202020204" pitchFamily="34" charset="0"/>
+              </a:rPr>
+              <a:t>Расширенный поиск по специализациям и </a:t>
+            </a:r>
+            <a:r>
+              <a:rPr lang="ru-RU" sz="2200" dirty="0" smtClean="0">
+                <a:latin typeface="Arial" panose="020B0604020202020204" pitchFamily="34" charset="0"/>
+                <a:cs typeface="Arial" panose="020B0604020202020204" pitchFamily="34" charset="0"/>
+              </a:rPr>
+              <a:t>услугам</a:t>
+            </a:r>
+          </a:p>
+          <a:p>
+            <a:pPr marL="342900" indent="-342900">
+              <a:lnSpc>
+                <a:spcPct val="150000"/>
+              </a:lnSpc>
+              <a:buFont typeface="Arial" panose="020B0604020202020204" pitchFamily="34" charset="0"/>
+              <a:buChar char="•"/>
+            </a:pPr>
+            <a:r>
+              <a:rPr lang="ru-RU" sz="2200" dirty="0">
+                <a:latin typeface="Arial" panose="020B0604020202020204" pitchFamily="34" charset="0"/>
+                <a:cs typeface="Arial" panose="020B0604020202020204" pitchFamily="34" charset="0"/>
+              </a:rPr>
+              <a:t>Интерактивные опросы и анкеты</a:t>
+            </a:r>
+            <a:endParaRPr lang="ru-RU" sz="2200" dirty="0" smtClean="0">
+              <a:latin typeface="Arial" panose="020B0604020202020204" pitchFamily="34" charset="0"/>
+              <a:ea typeface="Calibri" panose="020F0502020204030204" pitchFamily="34" charset="0"/>
+              <a:cs typeface="Arial" panose="020B0604020202020204" pitchFamily="34" charset="0"/>
+            </a:endParaRPr>
+          </a:p>
+        </p:txBody>
+      </p:sp>
     </p:spTree>
     <p:extLst>
       <p:ext uri="{BB962C8B-B14F-4D97-AF65-F5344CB8AC3E}">
@@ -6263,7 +6839,7 @@
 </p:sld>
 </file>
 
-<file path=ppt/slides/slide16.xml><?xml version="1.0" encoding="utf-8"?>
+<file path=ppt/slides/slide18.xml><?xml version="1.0" encoding="utf-8"?>
 <p:sld xmlns:a="http://schemas.openxmlformats.org/drawingml/2006/main" xmlns:r="http://schemas.openxmlformats.org/officeDocument/2006/relationships" xmlns:p="http://schemas.openxmlformats.org/presentationml/2006/main">
   <p:cSld>
     <p:spTree>
@@ -6425,6 +7001,261 @@
           <a:chExt cx="0" cy="0"/>
         </a:xfrm>
       </p:grpSpPr>
+      <p:sp>
+        <p:nvSpPr>
+          <p:cNvPr id="2" name="Заголовок 1"/>
+          <p:cNvSpPr>
+            <a:spLocks noGrp="1"/>
+          </p:cNvSpPr>
+          <p:nvPr>
+            <p:ph type="title"/>
+          </p:nvPr>
+        </p:nvSpPr>
+        <p:spPr/>
+        <p:txBody>
+          <a:bodyPr/>
+          <a:lstStyle/>
+          <a:p>
+            <a:endParaRPr lang="ru-RU"/>
+          </a:p>
+        </p:txBody>
+      </p:sp>
+      <p:sp>
+        <p:nvSpPr>
+          <p:cNvPr id="3" name="Объект 2"/>
+          <p:cNvSpPr>
+            <a:spLocks noGrp="1"/>
+          </p:cNvSpPr>
+          <p:nvPr>
+            <p:ph idx="1"/>
+          </p:nvPr>
+        </p:nvSpPr>
+        <p:spPr/>
+        <p:txBody>
+          <a:bodyPr/>
+          <a:lstStyle/>
+          <a:p>
+            <a:endParaRPr lang="ru-RU"/>
+          </a:p>
+        </p:txBody>
+      </p:sp>
+      <p:pic>
+        <p:nvPicPr>
+          <p:cNvPr id="4" name="Рисунок 3"/>
+          <p:cNvPicPr>
+            <a:picLocks noChangeAspect="1"/>
+          </p:cNvPicPr>
+          <p:nvPr/>
+        </p:nvPicPr>
+        <p:blipFill>
+          <a:blip r:embed="rId2">
+            <a:extLst>
+              <a:ext uri="{28A0092B-C50C-407E-A947-70E740481C1C}">
+                <a14:useLocalDpi xmlns:a14="http://schemas.microsoft.com/office/drawing/2010/main" val="0"/>
+              </a:ext>
+            </a:extLst>
+          </a:blip>
+          <a:stretch>
+            <a:fillRect/>
+          </a:stretch>
+        </p:blipFill>
+        <p:spPr>
+          <a:xfrm>
+            <a:off x="0" y="0"/>
+            <a:ext cx="12192000" cy="6858000"/>
+          </a:xfrm>
+          <a:prstGeom prst="rect">
+            <a:avLst/>
+          </a:prstGeom>
+        </p:spPr>
+      </p:pic>
+      <p:sp>
+        <p:nvSpPr>
+          <p:cNvPr id="5" name="TextBox 4"/>
+          <p:cNvSpPr txBox="1"/>
+          <p:nvPr/>
+        </p:nvSpPr>
+        <p:spPr>
+          <a:xfrm>
+            <a:off x="3106159" y="1157870"/>
+            <a:ext cx="5979682" cy="830997"/>
+          </a:xfrm>
+          <a:prstGeom prst="rect">
+            <a:avLst/>
+          </a:prstGeom>
+          <a:noFill/>
+        </p:spPr>
+        <p:txBody>
+          <a:bodyPr wrap="square" rtlCol="0">
+            <a:spAutoFit/>
+          </a:bodyPr>
+          <a:lstStyle/>
+          <a:p>
+            <a:pPr algn="ctr"/>
+            <a:r>
+              <a:rPr lang="ru-RU" sz="4800" dirty="0" smtClean="0">
+                <a:latin typeface="Arial Black" panose="020B0A04020102020204" pitchFamily="34" charset="0"/>
+              </a:rPr>
+              <a:t>ВВЕДЕНИЕ</a:t>
+            </a:r>
+            <a:endParaRPr lang="ru-RU" sz="4800" dirty="0">
+              <a:latin typeface="Arial Black" panose="020B0A04020102020204" pitchFamily="34" charset="0"/>
+            </a:endParaRPr>
+          </a:p>
+        </p:txBody>
+      </p:sp>
+      <p:sp>
+        <p:nvSpPr>
+          <p:cNvPr id="6" name="Прямоугольник 5"/>
+          <p:cNvSpPr/>
+          <p:nvPr/>
+        </p:nvSpPr>
+        <p:spPr>
+          <a:xfrm>
+            <a:off x="1582994" y="2157284"/>
+            <a:ext cx="8947354" cy="3901837"/>
+          </a:xfrm>
+          <a:prstGeom prst="rect">
+            <a:avLst/>
+          </a:prstGeom>
+        </p:spPr>
+        <p:txBody>
+          <a:bodyPr wrap="square">
+            <a:spAutoFit/>
+          </a:bodyPr>
+          <a:lstStyle/>
+          <a:p>
+            <a:pPr algn="just">
+              <a:lnSpc>
+                <a:spcPct val="150000"/>
+              </a:lnSpc>
+            </a:pPr>
+            <a:r>
+              <a:rPr lang="ru-RU" sz="2400" dirty="0" smtClean="0">
+                <a:latin typeface="Arial" panose="020B0604020202020204" pitchFamily="34" charset="0"/>
+                <a:ea typeface="Calibri" panose="020F0502020204030204" pitchFamily="34" charset="0"/>
+                <a:cs typeface="Arial" panose="020B0604020202020204" pitchFamily="34" charset="0"/>
+              </a:rPr>
+              <a:t>	Современные </a:t>
+            </a:r>
+            <a:r>
+              <a:rPr lang="ru-RU" sz="2400" dirty="0">
+                <a:latin typeface="Arial" panose="020B0604020202020204" pitchFamily="34" charset="0"/>
+                <a:ea typeface="Calibri" panose="020F0502020204030204" pitchFamily="34" charset="0"/>
+                <a:cs typeface="Arial" panose="020B0604020202020204" pitchFamily="34" charset="0"/>
+              </a:rPr>
+              <a:t>технологии играют все более важную роль в повышении доступности и качества медицинских услуг. </a:t>
+            </a:r>
+            <a:r>
+              <a:rPr lang="ru-RU" sz="2400" dirty="0" err="1">
+                <a:latin typeface="Arial" panose="020B0604020202020204" pitchFamily="34" charset="0"/>
+                <a:ea typeface="Calibri" panose="020F0502020204030204" pitchFamily="34" charset="0"/>
+                <a:cs typeface="Arial" panose="020B0604020202020204" pitchFamily="34" charset="0"/>
+              </a:rPr>
+              <a:t>Telegram</a:t>
+            </a:r>
+            <a:r>
+              <a:rPr lang="ru-RU" sz="2400" dirty="0">
+                <a:latin typeface="Arial" panose="020B0604020202020204" pitchFamily="34" charset="0"/>
+                <a:ea typeface="Calibri" panose="020F0502020204030204" pitchFamily="34" charset="0"/>
+                <a:cs typeface="Arial" panose="020B0604020202020204" pitchFamily="34" charset="0"/>
+              </a:rPr>
+              <a:t>-бот "Консультант" разработан для районной больницы ОГБУЗ </a:t>
+            </a:r>
+            <a:r>
+              <a:rPr lang="ru-RU" sz="2400" dirty="0" err="1">
+                <a:latin typeface="Arial" panose="020B0604020202020204" pitchFamily="34" charset="0"/>
+                <a:ea typeface="Calibri" panose="020F0502020204030204" pitchFamily="34" charset="0"/>
+                <a:cs typeface="Arial" panose="020B0604020202020204" pitchFamily="34" charset="0"/>
+              </a:rPr>
+              <a:t>Аларской</a:t>
+            </a:r>
+            <a:r>
+              <a:rPr lang="ru-RU" sz="2400" dirty="0">
+                <a:latin typeface="Arial" panose="020B0604020202020204" pitchFamily="34" charset="0"/>
+                <a:ea typeface="Calibri" panose="020F0502020204030204" pitchFamily="34" charset="0"/>
+                <a:cs typeface="Arial" panose="020B0604020202020204" pitchFamily="34" charset="0"/>
+              </a:rPr>
+              <a:t> РБ с целью оптимизации коммуникации с пациентами, предоставления удобного доступа к информации и улучшения общего уровня обслуживания.</a:t>
+            </a:r>
+            <a:endParaRPr lang="ru-RU" sz="2400" dirty="0">
+              <a:latin typeface="Arial" panose="020B0604020202020204" pitchFamily="34" charset="0"/>
+              <a:cs typeface="Arial" panose="020B0604020202020204" pitchFamily="34" charset="0"/>
+            </a:endParaRPr>
+          </a:p>
+        </p:txBody>
+      </p:sp>
+      <p:pic>
+        <p:nvPicPr>
+          <p:cNvPr id="7" name="Picture 2" descr="https://lh7-rt.googleusercontent.com/slidesz/AGV_vUd8F4EE1wzuFxCyXG1Kse3hFsL9usWqkaofEajgMGUQkZLhBlEWhRJgQ4vMglAAyo8vQ3yIipUQeIJAAWQnt_ajpvcI2w5AeFF7CwxXr9Am9vUdasSJUZnIxKzLo4uCuZD4qBnyrg=s2048?key=Y6vFkQwsukFWBCD0PD32GgMn"/>
+          <p:cNvPicPr>
+            <a:picLocks noChangeAspect="1" noChangeArrowheads="1"/>
+          </p:cNvPicPr>
+          <p:nvPr/>
+        </p:nvPicPr>
+        <p:blipFill>
+          <a:blip r:embed="rId3" cstate="print">
+            <a:extLst>
+              <a:ext uri="{28A0092B-C50C-407E-A947-70E740481C1C}">
+                <a14:useLocalDpi xmlns:a14="http://schemas.microsoft.com/office/drawing/2010/main" val="0"/>
+              </a:ext>
+            </a:extLst>
+          </a:blip>
+          <a:srcRect/>
+          <a:stretch>
+            <a:fillRect/>
+          </a:stretch>
+        </p:blipFill>
+        <p:spPr bwMode="auto">
+          <a:xfrm>
+            <a:off x="10998151" y="134216"/>
+            <a:ext cx="1023520" cy="1119117"/>
+          </a:xfrm>
+          <a:prstGeom prst="rect">
+            <a:avLst/>
+          </a:prstGeom>
+          <a:noFill/>
+          <a:extLst>
+            <a:ext uri="{909E8E84-426E-40DD-AFC4-6F175D3DCCD1}">
+              <a14:hiddenFill xmlns:a14="http://schemas.microsoft.com/office/drawing/2010/main">
+                <a:solidFill>
+                  <a:srgbClr val="FFFFFF"/>
+                </a:solidFill>
+              </a14:hiddenFill>
+            </a:ext>
+          </a:extLst>
+        </p:spPr>
+      </p:pic>
+    </p:spTree>
+    <p:extLst>
+      <p:ext uri="{BB962C8B-B14F-4D97-AF65-F5344CB8AC3E}">
+        <p14:creationId xmlns:p14="http://schemas.microsoft.com/office/powerpoint/2010/main" val="438913646"/>
+      </p:ext>
+    </p:extLst>
+  </p:cSld>
+  <p:clrMapOvr>
+    <a:masterClrMapping/>
+  </p:clrMapOvr>
+</p:sld>
+</file>
+
+<file path=ppt/slides/slide3.xml><?xml version="1.0" encoding="utf-8"?>
+<p:sld xmlns:a="http://schemas.openxmlformats.org/drawingml/2006/main" xmlns:r="http://schemas.openxmlformats.org/officeDocument/2006/relationships" xmlns:p="http://schemas.openxmlformats.org/presentationml/2006/main">
+  <p:cSld>
+    <p:spTree>
+      <p:nvGrpSpPr>
+        <p:cNvPr id="1" name=""/>
+        <p:cNvGrpSpPr/>
+        <p:nvPr/>
+      </p:nvGrpSpPr>
+      <p:grpSpPr>
+        <a:xfrm>
+          <a:off x="0" y="0"/>
+          <a:ext cx="0" cy="0"/>
+          <a:chOff x="0" y="0"/>
+          <a:chExt cx="0" cy="0"/>
+        </a:xfrm>
+      </p:grpSpPr>
       <p:pic>
         <p:nvPicPr>
           <p:cNvPr id="8" name="Рисунок 7"/>
@@ -6660,7 +7491,7 @@
 </p:sld>
 </file>
 
-<file path=ppt/slides/slide3.xml><?xml version="1.0" encoding="utf-8"?>
+<file path=ppt/slides/slide4.xml><?xml version="1.0" encoding="utf-8"?>
 <p:sld xmlns:a="http://schemas.openxmlformats.org/drawingml/2006/main" xmlns:r="http://schemas.openxmlformats.org/officeDocument/2006/relationships" xmlns:p="http://schemas.openxmlformats.org/presentationml/2006/main">
   <p:cSld>
     <p:spTree>
@@ -6777,7 +7608,7 @@
         </p:blipFill>
         <p:spPr bwMode="auto">
           <a:xfrm>
-            <a:off x="10961206" y="5454361"/>
+            <a:off x="10951374" y="164606"/>
             <a:ext cx="1023520" cy="1119117"/>
           </a:xfrm>
           <a:prstGeom prst="rect">
@@ -6957,7 +7788,7 @@
 </p:sld>
 </file>
 
-<file path=ppt/slides/slide4.xml><?xml version="1.0" encoding="utf-8"?>
+<file path=ppt/slides/slide5.xml><?xml version="1.0" encoding="utf-8"?>
 <p:sld xmlns:a="http://schemas.openxmlformats.org/drawingml/2006/main" xmlns:r="http://schemas.openxmlformats.org/officeDocument/2006/relationships" xmlns:p="http://schemas.openxmlformats.org/presentationml/2006/main">
   <p:cSld>
     <p:spTree>
@@ -7354,7 +8185,7 @@
 </p:sld>
 </file>
 
-<file path=ppt/slides/slide5.xml><?xml version="1.0" encoding="utf-8"?>
+<file path=ppt/slides/slide6.xml><?xml version="1.0" encoding="utf-8"?>
 <p:sld xmlns:a="http://schemas.openxmlformats.org/drawingml/2006/main" xmlns:r="http://schemas.openxmlformats.org/officeDocument/2006/relationships" xmlns:p="http://schemas.openxmlformats.org/presentationml/2006/main">
   <p:cSld>
     <p:spTree>
@@ -7610,7 +8441,7 @@
 </p:sld>
 </file>
 
-<file path=ppt/slides/slide6.xml><?xml version="1.0" encoding="utf-8"?>
+<file path=ppt/slides/slide7.xml><?xml version="1.0" encoding="utf-8"?>
 <p:sld xmlns:a="http://schemas.openxmlformats.org/drawingml/2006/main" xmlns:r="http://schemas.openxmlformats.org/officeDocument/2006/relationships" xmlns:p="http://schemas.openxmlformats.org/presentationml/2006/main">
   <p:cSld>
     <p:spTree>
@@ -7752,7 +8583,7 @@
         </p:nvSpPr>
         <p:spPr>
           <a:xfrm>
-            <a:off x="7127601" y="927858"/>
+            <a:off x="7127600" y="1355656"/>
             <a:ext cx="3121367" cy="721480"/>
           </a:xfrm>
           <a:prstGeom prst="rect">
@@ -7807,8 +8638,8 @@
         </p:nvSpPr>
         <p:spPr>
           <a:xfrm>
-            <a:off x="5522297" y="1726166"/>
-            <a:ext cx="6331974" cy="4662815"/>
+            <a:off x="5522297" y="2463585"/>
+            <a:ext cx="6331974" cy="2805320"/>
           </a:xfrm>
           <a:prstGeom prst="rect">
             <a:avLst/>
@@ -7826,7 +8657,7 @@
               </a:lnSpc>
             </a:pPr>
             <a:r>
-              <a:rPr lang="ru-RU" dirty="0" smtClean="0">
+              <a:rPr lang="ru-RU" sz="2000" dirty="0" smtClean="0">
                 <a:solidFill>
                   <a:srgbClr val="000000"/>
                 </a:solidFill>
@@ -7834,10 +8665,10 @@
                 <a:ea typeface="Calibri" panose="020F0502020204030204" pitchFamily="34" charset="0"/>
                 <a:cs typeface="Arial" panose="020B0604020202020204" pitchFamily="34" charset="0"/>
               </a:rPr>
-              <a:t>	Существующие </a:t>
-            </a:r>
-            <a:r>
-              <a:rPr lang="ru-RU" dirty="0">
+              <a:t>	</a:t>
+            </a:r>
+            <a:r>
+              <a:rPr lang="ru-RU" sz="2000" dirty="0" smtClean="0">
                 <a:solidFill>
                   <a:srgbClr val="000000"/>
                 </a:solidFill>
@@ -7845,9 +8676,31 @@
                 <a:ea typeface="Calibri" panose="020F0502020204030204" pitchFamily="34" charset="0"/>
                 <a:cs typeface="Arial" panose="020B0604020202020204" pitchFamily="34" charset="0"/>
               </a:rPr>
-              <a:t>методы коммуникации между пациентами и районной больницей зачастую неэффективны и неудобны. Пациенты сталкиваются с трудностями при попытке дозвониться в регистратуру, получить необходимую информацию о врачах и услугах. Это приводит к длительному ожиданию, очередям, неудовлетворенности пациентов и дополнительной нагрузке на персонал больницы. Отсутствие современных инструментов коммуникации затрудняет доступ к медицинской информации и снижает эффективность работы медицинского учреждения.</a:t>
-            </a:r>
-            <a:endParaRPr lang="ru-RU" dirty="0">
+              <a:t>Пациенты </a:t>
+            </a:r>
+            <a:r>
+              <a:rPr lang="ru-RU" sz="2000" dirty="0">
+                <a:solidFill>
+                  <a:srgbClr val="000000"/>
+                </a:solidFill>
+                <a:latin typeface="Arial" panose="020B0604020202020204" pitchFamily="34" charset="0"/>
+                <a:ea typeface="Calibri" panose="020F0502020204030204" pitchFamily="34" charset="0"/>
+                <a:cs typeface="Arial" panose="020B0604020202020204" pitchFamily="34" charset="0"/>
+              </a:rPr>
+              <a:t>сталкиваются с трудностями при попытке дозвониться в регистратуру, получить необходимую информацию о врачах и услугах. Это приводит к длительному ожиданию, очередям, неудовлетворенности пациентов и дополнительной нагрузке на персонал больницы</a:t>
+            </a:r>
+            <a:r>
+              <a:rPr lang="ru-RU" sz="2000" dirty="0" smtClean="0">
+                <a:solidFill>
+                  <a:srgbClr val="000000"/>
+                </a:solidFill>
+                <a:latin typeface="Arial" panose="020B0604020202020204" pitchFamily="34" charset="0"/>
+                <a:ea typeface="Calibri" panose="020F0502020204030204" pitchFamily="34" charset="0"/>
+                <a:cs typeface="Arial" panose="020B0604020202020204" pitchFamily="34" charset="0"/>
+              </a:rPr>
+              <a:t>.</a:t>
+            </a:r>
+            <a:endParaRPr lang="ru-RU" sz="2000" dirty="0">
               <a:latin typeface="Arial" panose="020B0604020202020204" pitchFamily="34" charset="0"/>
               <a:cs typeface="Arial" panose="020B0604020202020204" pitchFamily="34" charset="0"/>
             </a:endParaRPr>
@@ -7899,453 +8752,6 @@
     <p:extLst>
       <p:ext uri="{BB962C8B-B14F-4D97-AF65-F5344CB8AC3E}">
         <p14:creationId xmlns:p14="http://schemas.microsoft.com/office/powerpoint/2010/main" val="3707471548"/>
-      </p:ext>
-    </p:extLst>
-  </p:cSld>
-  <p:clrMapOvr>
-    <a:masterClrMapping/>
-  </p:clrMapOvr>
-  <p:timing>
-    <p:tnLst>
-      <p:par>
-        <p:cTn id="1" dur="indefinite" restart="never" nodeType="tmRoot"/>
-      </p:par>
-    </p:tnLst>
-  </p:timing>
-</p:sld>
-</file>
-
-<file path=ppt/slides/slide7.xml><?xml version="1.0" encoding="utf-8"?>
-<p:sld xmlns:a="http://schemas.openxmlformats.org/drawingml/2006/main" xmlns:r="http://schemas.openxmlformats.org/officeDocument/2006/relationships" xmlns:p="http://schemas.openxmlformats.org/presentationml/2006/main">
-  <p:cSld>
-    <p:spTree>
-      <p:nvGrpSpPr>
-        <p:cNvPr id="1" name=""/>
-        <p:cNvGrpSpPr/>
-        <p:nvPr/>
-      </p:nvGrpSpPr>
-      <p:grpSpPr>
-        <a:xfrm>
-          <a:off x="0" y="0"/>
-          <a:ext cx="0" cy="0"/>
-          <a:chOff x="0" y="0"/>
-          <a:chExt cx="0" cy="0"/>
-        </a:xfrm>
-      </p:grpSpPr>
-      <p:sp>
-        <p:nvSpPr>
-          <p:cNvPr id="2" name="Заголовок 1"/>
-          <p:cNvSpPr>
-            <a:spLocks noGrp="1"/>
-          </p:cNvSpPr>
-          <p:nvPr>
-            <p:ph type="title"/>
-          </p:nvPr>
-        </p:nvSpPr>
-        <p:spPr/>
-        <p:txBody>
-          <a:bodyPr/>
-          <a:lstStyle/>
-          <a:p>
-            <a:endParaRPr lang="ru-RU"/>
-          </a:p>
-        </p:txBody>
-      </p:sp>
-      <p:sp>
-        <p:nvSpPr>
-          <p:cNvPr id="3" name="Объект 2"/>
-          <p:cNvSpPr>
-            <a:spLocks noGrp="1"/>
-          </p:cNvSpPr>
-          <p:nvPr>
-            <p:ph idx="1"/>
-          </p:nvPr>
-        </p:nvSpPr>
-        <p:spPr/>
-        <p:txBody>
-          <a:bodyPr/>
-          <a:lstStyle/>
-          <a:p>
-            <a:endParaRPr lang="ru-RU"/>
-          </a:p>
-        </p:txBody>
-      </p:sp>
-      <p:pic>
-        <p:nvPicPr>
-          <p:cNvPr id="4" name="Рисунок 3"/>
-          <p:cNvPicPr>
-            <a:picLocks noChangeAspect="1"/>
-          </p:cNvPicPr>
-          <p:nvPr/>
-        </p:nvPicPr>
-        <p:blipFill>
-          <a:blip r:embed="rId2">
-            <a:extLst>
-              <a:ext uri="{28A0092B-C50C-407E-A947-70E740481C1C}">
-                <a14:useLocalDpi xmlns:a14="http://schemas.microsoft.com/office/drawing/2010/main" val="0"/>
-              </a:ext>
-            </a:extLst>
-          </a:blip>
-          <a:stretch>
-            <a:fillRect/>
-          </a:stretch>
-        </p:blipFill>
-        <p:spPr>
-          <a:xfrm>
-            <a:off x="0" y="0"/>
-            <a:ext cx="12192000" cy="6858000"/>
-          </a:xfrm>
-          <a:prstGeom prst="rect">
-            <a:avLst/>
-          </a:prstGeom>
-        </p:spPr>
-      </p:pic>
-      <p:sp>
-        <p:nvSpPr>
-          <p:cNvPr id="5" name="Прямоугольник 4"/>
-          <p:cNvSpPr/>
-          <p:nvPr/>
-        </p:nvSpPr>
-        <p:spPr>
-          <a:xfrm>
-            <a:off x="2618126" y="1066018"/>
-            <a:ext cx="6955751" cy="784382"/>
-          </a:xfrm>
-          <a:prstGeom prst="rect">
-            <a:avLst/>
-          </a:prstGeom>
-        </p:spPr>
-        <p:txBody>
-          <a:bodyPr wrap="none">
-            <a:spAutoFit/>
-          </a:bodyPr>
-          <a:lstStyle/>
-          <a:p>
-            <a:pPr algn="ctr">
-              <a:lnSpc>
-                <a:spcPct val="107000"/>
-              </a:lnSpc>
-              <a:spcBef>
-                <a:spcPts val="200"/>
-              </a:spcBef>
-              <a:spcAft>
-                <a:spcPts val="0"/>
-              </a:spcAft>
-            </a:pPr>
-            <a:r>
-              <a:rPr lang="ru-RU" sz="4400" b="1" dirty="0">
-                <a:solidFill>
-                  <a:srgbClr val="000000"/>
-                </a:solidFill>
-                <a:latin typeface="Arial Black" panose="020B0A04020102020204" pitchFamily="34" charset="0"/>
-                <a:ea typeface="Times New Roman" panose="02020603050405020304" pitchFamily="18" charset="0"/>
-                <a:cs typeface="Times New Roman" panose="02020603050405020304" pitchFamily="18" charset="0"/>
-              </a:rPr>
-              <a:t>Теоретическая часть</a:t>
-            </a:r>
-            <a:endParaRPr lang="ru-RU" sz="4800" b="1" dirty="0">
-              <a:solidFill>
-                <a:srgbClr val="2E74B5"/>
-              </a:solidFill>
-              <a:effectLst/>
-              <a:latin typeface="Arial Black" panose="020B0A04020102020204" pitchFamily="34" charset="0"/>
-              <a:ea typeface="Times New Roman" panose="02020603050405020304" pitchFamily="18" charset="0"/>
-              <a:cs typeface="Times New Roman" panose="02020603050405020304" pitchFamily="18" charset="0"/>
-            </a:endParaRPr>
-          </a:p>
-        </p:txBody>
-      </p:sp>
-      <p:sp>
-        <p:nvSpPr>
-          <p:cNvPr id="6" name="Прямоугольник 5"/>
-          <p:cNvSpPr/>
-          <p:nvPr/>
-        </p:nvSpPr>
-        <p:spPr>
-          <a:xfrm>
-            <a:off x="838200" y="2240541"/>
-            <a:ext cx="10515600" cy="3826689"/>
-          </a:xfrm>
-          <a:prstGeom prst="rect">
-            <a:avLst/>
-          </a:prstGeom>
-        </p:spPr>
-        <p:txBody>
-          <a:bodyPr wrap="square">
-            <a:spAutoFit/>
-          </a:bodyPr>
-          <a:lstStyle/>
-          <a:p>
-            <a:pPr algn="just">
-              <a:lnSpc>
-                <a:spcPct val="150000"/>
-              </a:lnSpc>
-              <a:spcAft>
-                <a:spcPts val="800"/>
-              </a:spcAft>
-            </a:pPr>
-            <a:r>
-              <a:rPr lang="ru-RU" dirty="0">
-                <a:latin typeface="Arial" panose="020B0604020202020204" pitchFamily="34" charset="0"/>
-                <a:ea typeface="Calibri" panose="020F0502020204030204" pitchFamily="34" charset="0"/>
-                <a:cs typeface="Arial" panose="020B0604020202020204" pitchFamily="34" charset="0"/>
-              </a:rPr>
-              <a:t>1. Архитектура </a:t>
-            </a:r>
-            <a:r>
-              <a:rPr lang="ru-RU" dirty="0" err="1">
-                <a:latin typeface="Arial" panose="020B0604020202020204" pitchFamily="34" charset="0"/>
-                <a:ea typeface="Calibri" panose="020F0502020204030204" pitchFamily="34" charset="0"/>
-                <a:cs typeface="Arial" panose="020B0604020202020204" pitchFamily="34" charset="0"/>
-              </a:rPr>
-              <a:t>Telegram</a:t>
-            </a:r>
-            <a:r>
-              <a:rPr lang="ru-RU" dirty="0">
-                <a:latin typeface="Arial" panose="020B0604020202020204" pitchFamily="34" charset="0"/>
-                <a:ea typeface="Calibri" panose="020F0502020204030204" pitchFamily="34" charset="0"/>
-                <a:cs typeface="Arial" panose="020B0604020202020204" pitchFamily="34" charset="0"/>
-              </a:rPr>
-              <a:t>-ботов:</a:t>
-            </a:r>
-            <a:endParaRPr lang="ru-RU" dirty="0" smtClean="0">
-              <a:effectLst/>
-              <a:latin typeface="Arial" panose="020B0604020202020204" pitchFamily="34" charset="0"/>
-              <a:ea typeface="Calibri" panose="020F0502020204030204" pitchFamily="34" charset="0"/>
-              <a:cs typeface="Arial" panose="020B0604020202020204" pitchFamily="34" charset="0"/>
-            </a:endParaRPr>
-          </a:p>
-          <a:p>
-            <a:pPr algn="just">
-              <a:lnSpc>
-                <a:spcPct val="150000"/>
-              </a:lnSpc>
-              <a:spcAft>
-                <a:spcPts val="800"/>
-              </a:spcAft>
-            </a:pPr>
-            <a:r>
-              <a:rPr lang="ru-RU" dirty="0" err="1">
-                <a:latin typeface="Arial" panose="020B0604020202020204" pitchFamily="34" charset="0"/>
-                <a:ea typeface="Calibri" panose="020F0502020204030204" pitchFamily="34" charset="0"/>
-                <a:cs typeface="Arial" panose="020B0604020202020204" pitchFamily="34" charset="0"/>
-              </a:rPr>
-              <a:t>Telegram</a:t>
-            </a:r>
-            <a:r>
-              <a:rPr lang="ru-RU" dirty="0">
-                <a:latin typeface="Arial" panose="020B0604020202020204" pitchFamily="34" charset="0"/>
-                <a:ea typeface="Calibri" panose="020F0502020204030204" pitchFamily="34" charset="0"/>
-                <a:cs typeface="Arial" panose="020B0604020202020204" pitchFamily="34" charset="0"/>
-              </a:rPr>
-              <a:t>-боты работают на основе API </a:t>
-            </a:r>
-            <a:r>
-              <a:rPr lang="ru-RU" dirty="0" err="1">
-                <a:latin typeface="Arial" panose="020B0604020202020204" pitchFamily="34" charset="0"/>
-                <a:ea typeface="Calibri" panose="020F0502020204030204" pitchFamily="34" charset="0"/>
-                <a:cs typeface="Arial" panose="020B0604020202020204" pitchFamily="34" charset="0"/>
-              </a:rPr>
-              <a:t>Telegram</a:t>
-            </a:r>
-            <a:r>
-              <a:rPr lang="ru-RU" dirty="0">
-                <a:latin typeface="Arial" panose="020B0604020202020204" pitchFamily="34" charset="0"/>
-                <a:ea typeface="Calibri" panose="020F0502020204030204" pitchFamily="34" charset="0"/>
-                <a:cs typeface="Arial" panose="020B0604020202020204" pitchFamily="34" charset="0"/>
-              </a:rPr>
-              <a:t>, который позволяет взаимодействовать с платформой </a:t>
-            </a:r>
-            <a:r>
-              <a:rPr lang="ru-RU" dirty="0" err="1">
-                <a:latin typeface="Arial" panose="020B0604020202020204" pitchFamily="34" charset="0"/>
-                <a:ea typeface="Calibri" panose="020F0502020204030204" pitchFamily="34" charset="0"/>
-                <a:cs typeface="Arial" panose="020B0604020202020204" pitchFamily="34" charset="0"/>
-              </a:rPr>
-              <a:t>Telegram</a:t>
-            </a:r>
-            <a:r>
-              <a:rPr lang="ru-RU" dirty="0">
-                <a:latin typeface="Arial" panose="020B0604020202020204" pitchFamily="34" charset="0"/>
-                <a:ea typeface="Calibri" panose="020F0502020204030204" pitchFamily="34" charset="0"/>
-                <a:cs typeface="Arial" panose="020B0604020202020204" pitchFamily="34" charset="0"/>
-              </a:rPr>
-              <a:t>. Архитектура бота включает следующие компоненты:</a:t>
-            </a:r>
-            <a:endParaRPr lang="ru-RU" dirty="0" smtClean="0">
-              <a:effectLst/>
-              <a:latin typeface="Arial" panose="020B0604020202020204" pitchFamily="34" charset="0"/>
-              <a:ea typeface="Calibri" panose="020F0502020204030204" pitchFamily="34" charset="0"/>
-              <a:cs typeface="Arial" panose="020B0604020202020204" pitchFamily="34" charset="0"/>
-            </a:endParaRPr>
-          </a:p>
-          <a:p>
-            <a:pPr algn="just">
-              <a:lnSpc>
-                <a:spcPct val="150000"/>
-              </a:lnSpc>
-              <a:spcAft>
-                <a:spcPts val="800"/>
-              </a:spcAft>
-            </a:pPr>
-            <a:r>
-              <a:rPr lang="ru-RU" dirty="0">
-                <a:latin typeface="Arial" panose="020B0604020202020204" pitchFamily="34" charset="0"/>
-                <a:ea typeface="Calibri" panose="020F0502020204030204" pitchFamily="34" charset="0"/>
-                <a:cs typeface="Arial" panose="020B0604020202020204" pitchFamily="34" charset="0"/>
-              </a:rPr>
-              <a:t>⦁ Пользовательский интерфейс: Интерфейс, через который пользователь взаимодействует с ботом в </a:t>
-            </a:r>
-            <a:r>
-              <a:rPr lang="ru-RU" dirty="0" err="1">
-                <a:latin typeface="Arial" panose="020B0604020202020204" pitchFamily="34" charset="0"/>
-                <a:ea typeface="Calibri" panose="020F0502020204030204" pitchFamily="34" charset="0"/>
-                <a:cs typeface="Arial" panose="020B0604020202020204" pitchFamily="34" charset="0"/>
-              </a:rPr>
-              <a:t>Telegram</a:t>
-            </a:r>
-            <a:r>
-              <a:rPr lang="ru-RU" dirty="0">
-                <a:latin typeface="Arial" panose="020B0604020202020204" pitchFamily="34" charset="0"/>
-                <a:ea typeface="Calibri" panose="020F0502020204030204" pitchFamily="34" charset="0"/>
-                <a:cs typeface="Arial" panose="020B0604020202020204" pitchFamily="34" charset="0"/>
-              </a:rPr>
-              <a:t>.</a:t>
-            </a:r>
-            <a:endParaRPr lang="ru-RU" dirty="0" smtClean="0">
-              <a:effectLst/>
-              <a:latin typeface="Arial" panose="020B0604020202020204" pitchFamily="34" charset="0"/>
-              <a:ea typeface="Calibri" panose="020F0502020204030204" pitchFamily="34" charset="0"/>
-              <a:cs typeface="Arial" panose="020B0604020202020204" pitchFamily="34" charset="0"/>
-            </a:endParaRPr>
-          </a:p>
-          <a:p>
-            <a:pPr algn="just">
-              <a:lnSpc>
-                <a:spcPct val="150000"/>
-              </a:lnSpc>
-              <a:spcAft>
-                <a:spcPts val="800"/>
-              </a:spcAft>
-            </a:pPr>
-            <a:r>
-              <a:rPr lang="ru-RU" dirty="0">
-                <a:latin typeface="Arial" panose="020B0604020202020204" pitchFamily="34" charset="0"/>
-                <a:ea typeface="Calibri" panose="020F0502020204030204" pitchFamily="34" charset="0"/>
-                <a:cs typeface="Arial" panose="020B0604020202020204" pitchFamily="34" charset="0"/>
-              </a:rPr>
-              <a:t>⦁ Бот: Программа, которая обрабатывает запросы пользователей и отправляет ответы.</a:t>
-            </a:r>
-            <a:endParaRPr lang="ru-RU" dirty="0" smtClean="0">
-              <a:effectLst/>
-              <a:latin typeface="Arial" panose="020B0604020202020204" pitchFamily="34" charset="0"/>
-              <a:ea typeface="Calibri" panose="020F0502020204030204" pitchFamily="34" charset="0"/>
-              <a:cs typeface="Arial" panose="020B0604020202020204" pitchFamily="34" charset="0"/>
-            </a:endParaRPr>
-          </a:p>
-          <a:p>
-            <a:pPr algn="just">
-              <a:lnSpc>
-                <a:spcPct val="150000"/>
-              </a:lnSpc>
-              <a:spcAft>
-                <a:spcPts val="800"/>
-              </a:spcAft>
-            </a:pPr>
-            <a:r>
-              <a:rPr lang="ru-RU" dirty="0">
-                <a:latin typeface="Arial" panose="020B0604020202020204" pitchFamily="34" charset="0"/>
-                <a:ea typeface="Calibri" panose="020F0502020204030204" pitchFamily="34" charset="0"/>
-                <a:cs typeface="Arial" panose="020B0604020202020204" pitchFamily="34" charset="0"/>
-              </a:rPr>
-              <a:t>⦁ API </a:t>
-            </a:r>
-            <a:r>
-              <a:rPr lang="ru-RU" dirty="0" err="1">
-                <a:latin typeface="Arial" panose="020B0604020202020204" pitchFamily="34" charset="0"/>
-                <a:ea typeface="Calibri" panose="020F0502020204030204" pitchFamily="34" charset="0"/>
-                <a:cs typeface="Arial" panose="020B0604020202020204" pitchFamily="34" charset="0"/>
-              </a:rPr>
-              <a:t>Telegram</a:t>
-            </a:r>
-            <a:r>
-              <a:rPr lang="ru-RU" dirty="0">
-                <a:latin typeface="Arial" panose="020B0604020202020204" pitchFamily="34" charset="0"/>
-                <a:ea typeface="Calibri" panose="020F0502020204030204" pitchFamily="34" charset="0"/>
-                <a:cs typeface="Arial" panose="020B0604020202020204" pitchFamily="34" charset="0"/>
-              </a:rPr>
-              <a:t>: Интерфейс программирования приложений, который обеспечивает взаимодействие между ботом и </a:t>
-            </a:r>
-            <a:r>
-              <a:rPr lang="ru-RU" dirty="0" err="1">
-                <a:latin typeface="Arial" panose="020B0604020202020204" pitchFamily="34" charset="0"/>
-                <a:ea typeface="Calibri" panose="020F0502020204030204" pitchFamily="34" charset="0"/>
-                <a:cs typeface="Arial" panose="020B0604020202020204" pitchFamily="34" charset="0"/>
-              </a:rPr>
-              <a:t>Telegram</a:t>
-            </a:r>
-            <a:r>
-              <a:rPr lang="ru-RU" dirty="0">
-                <a:latin typeface="Arial" panose="020B0604020202020204" pitchFamily="34" charset="0"/>
-                <a:ea typeface="Calibri" panose="020F0502020204030204" pitchFamily="34" charset="0"/>
-                <a:cs typeface="Arial" panose="020B0604020202020204" pitchFamily="34" charset="0"/>
-              </a:rPr>
-              <a:t>.</a:t>
-            </a:r>
-            <a:endParaRPr lang="ru-RU" dirty="0">
-              <a:effectLst/>
-              <a:latin typeface="Arial" panose="020B0604020202020204" pitchFamily="34" charset="0"/>
-              <a:ea typeface="Calibri" panose="020F0502020204030204" pitchFamily="34" charset="0"/>
-              <a:cs typeface="Arial" panose="020B0604020202020204" pitchFamily="34" charset="0"/>
-            </a:endParaRPr>
-          </a:p>
-        </p:txBody>
-      </p:sp>
-      <p:pic>
-        <p:nvPicPr>
-          <p:cNvPr id="7" name="Picture 2" descr="https://lh7-rt.googleusercontent.com/slidesz/AGV_vUd8F4EE1wzuFxCyXG1Kse3hFsL9usWqkaofEajgMGUQkZLhBlEWhRJgQ4vMglAAyo8vQ3yIipUQeIJAAWQnt_ajpvcI2w5AeFF7CwxXr9Am9vUdasSJUZnIxKzLo4uCuZD4qBnyrg=s2048?key=Y6vFkQwsukFWBCD0PD32GgMn"/>
-          <p:cNvPicPr>
-            <a:picLocks noChangeAspect="1" noChangeArrowheads="1"/>
-          </p:cNvPicPr>
-          <p:nvPr/>
-        </p:nvPicPr>
-        <p:blipFill>
-          <a:blip r:embed="rId3" cstate="print">
-            <a:extLst>
-              <a:ext uri="{28A0092B-C50C-407E-A947-70E740481C1C}">
-                <a14:useLocalDpi xmlns:a14="http://schemas.microsoft.com/office/drawing/2010/main" val="0"/>
-              </a:ext>
-            </a:extLst>
-          </a:blip>
-          <a:srcRect/>
-          <a:stretch>
-            <a:fillRect/>
-          </a:stretch>
-        </p:blipFill>
-        <p:spPr bwMode="auto">
-          <a:xfrm>
-            <a:off x="10961206" y="208100"/>
-            <a:ext cx="1023520" cy="1119117"/>
-          </a:xfrm>
-          <a:prstGeom prst="rect">
-            <a:avLst/>
-          </a:prstGeom>
-          <a:noFill/>
-          <a:extLst>
-            <a:ext uri="{909E8E84-426E-40DD-AFC4-6F175D3DCCD1}">
-              <a14:hiddenFill xmlns:a14="http://schemas.microsoft.com/office/drawing/2010/main">
-                <a:solidFill>
-                  <a:srgbClr val="FFFFFF"/>
-                </a:solidFill>
-              </a14:hiddenFill>
-            </a:ext>
-          </a:extLst>
-        </p:spPr>
-      </p:pic>
-    </p:spTree>
-    <p:extLst>
-      <p:ext uri="{BB962C8B-B14F-4D97-AF65-F5344CB8AC3E}">
-        <p14:creationId xmlns:p14="http://schemas.microsoft.com/office/powerpoint/2010/main" val="1326663686"/>
       </p:ext>
     </p:extLst>
   </p:cSld>
@@ -8455,8 +8861,63 @@
         </p:nvSpPr>
         <p:spPr>
           <a:xfrm>
-            <a:off x="1823884" y="1382286"/>
-            <a:ext cx="8544232" cy="4093428"/>
+            <a:off x="2618126" y="1066018"/>
+            <a:ext cx="6955751" cy="784382"/>
+          </a:xfrm>
+          <a:prstGeom prst="rect">
+            <a:avLst/>
+          </a:prstGeom>
+        </p:spPr>
+        <p:txBody>
+          <a:bodyPr wrap="none">
+            <a:spAutoFit/>
+          </a:bodyPr>
+          <a:lstStyle/>
+          <a:p>
+            <a:pPr algn="ctr">
+              <a:lnSpc>
+                <a:spcPct val="107000"/>
+              </a:lnSpc>
+              <a:spcBef>
+                <a:spcPts val="200"/>
+              </a:spcBef>
+              <a:spcAft>
+                <a:spcPts val="0"/>
+              </a:spcAft>
+            </a:pPr>
+            <a:r>
+              <a:rPr lang="ru-RU" sz="4400" b="1" dirty="0">
+                <a:solidFill>
+                  <a:srgbClr val="000000"/>
+                </a:solidFill>
+                <a:latin typeface="Arial Black" panose="020B0A04020102020204" pitchFamily="34" charset="0"/>
+                <a:ea typeface="Times New Roman" panose="02020603050405020304" pitchFamily="18" charset="0"/>
+                <a:cs typeface="Times New Roman" panose="02020603050405020304" pitchFamily="18" charset="0"/>
+              </a:rPr>
+              <a:t>Теоретическая часть</a:t>
+            </a:r>
+            <a:endParaRPr lang="ru-RU" sz="4800" b="1" dirty="0">
+              <a:solidFill>
+                <a:srgbClr val="2E74B5"/>
+              </a:solidFill>
+              <a:effectLst/>
+              <a:latin typeface="Arial Black" panose="020B0A04020102020204" pitchFamily="34" charset="0"/>
+              <a:ea typeface="Times New Roman" panose="02020603050405020304" pitchFamily="18" charset="0"/>
+              <a:cs typeface="Times New Roman" panose="02020603050405020304" pitchFamily="18" charset="0"/>
+            </a:endParaRPr>
+          </a:p>
+        </p:txBody>
+      </p:sp>
+      <p:sp>
+        <p:nvSpPr>
+          <p:cNvPr id="6" name="Прямоугольник 5"/>
+          <p:cNvSpPr/>
+          <p:nvPr/>
+        </p:nvSpPr>
+        <p:spPr>
+          <a:xfrm>
+            <a:off x="838200" y="1936505"/>
+            <a:ext cx="10515600" cy="4312206"/>
           </a:xfrm>
           <a:prstGeom prst="rect">
             <a:avLst/>
@@ -8477,99 +8938,15 @@
               </a:spcAft>
             </a:pPr>
             <a:r>
-              <a:rPr lang="ru-RU" sz="2000" dirty="0">
-                <a:latin typeface="Arial" panose="020B0604020202020204" pitchFamily="34" charset="0"/>
-                <a:ea typeface="Calibri" panose="020F0502020204030204" pitchFamily="34" charset="0"/>
-                <a:cs typeface="Arial" panose="020B0604020202020204" pitchFamily="34" charset="0"/>
-              </a:rPr>
-              <a:t>2. Технологии, используемые в проекте:</a:t>
-            </a:r>
-            <a:endParaRPr lang="ru-RU" sz="1600" dirty="0" smtClean="0">
-              <a:effectLst/>
-              <a:latin typeface="Arial" panose="020B0604020202020204" pitchFamily="34" charset="0"/>
-              <a:ea typeface="Calibri" panose="020F0502020204030204" pitchFamily="34" charset="0"/>
-              <a:cs typeface="Arial" panose="020B0604020202020204" pitchFamily="34" charset="0"/>
-            </a:endParaRPr>
-          </a:p>
-          <a:p>
-            <a:pPr marL="342900" lvl="0" indent="-342900" algn="just">
-              <a:lnSpc>
-                <a:spcPct val="150000"/>
-              </a:lnSpc>
-              <a:spcAft>
-                <a:spcPts val="0"/>
-              </a:spcAft>
-              <a:buFont typeface="Symbol" panose="05050102010706020507" pitchFamily="18" charset="2"/>
-              <a:buChar char=""/>
-            </a:pPr>
-            <a:r>
-              <a:rPr lang="ru-RU" sz="2000" dirty="0" err="1">
-                <a:latin typeface="Arial" panose="020B0604020202020204" pitchFamily="34" charset="0"/>
-                <a:ea typeface="Calibri" panose="020F0502020204030204" pitchFamily="34" charset="0"/>
-                <a:cs typeface="Arial" panose="020B0604020202020204" pitchFamily="34" charset="0"/>
-              </a:rPr>
-              <a:t>Python</a:t>
-            </a:r>
-            <a:r>
-              <a:rPr lang="ru-RU" sz="2000" dirty="0">
-                <a:latin typeface="Arial" panose="020B0604020202020204" pitchFamily="34" charset="0"/>
-                <a:ea typeface="Calibri" panose="020F0502020204030204" pitchFamily="34" charset="0"/>
-                <a:cs typeface="Arial" panose="020B0604020202020204" pitchFamily="34" charset="0"/>
-              </a:rPr>
-              <a:t>: Язык программирования, используемый для разработки бота.</a:t>
-            </a:r>
-            <a:endParaRPr lang="ru-RU" sz="1600" dirty="0" smtClean="0">
-              <a:effectLst/>
-              <a:latin typeface="Arial" panose="020B0604020202020204" pitchFamily="34" charset="0"/>
-              <a:ea typeface="Calibri" panose="020F0502020204030204" pitchFamily="34" charset="0"/>
-              <a:cs typeface="Arial" panose="020B0604020202020204" pitchFamily="34" charset="0"/>
-            </a:endParaRPr>
-          </a:p>
-          <a:p>
-            <a:pPr marL="342900" lvl="0" indent="-342900" algn="just">
-              <a:lnSpc>
-                <a:spcPct val="150000"/>
-              </a:lnSpc>
-              <a:spcAft>
-                <a:spcPts val="800"/>
-              </a:spcAft>
-              <a:buFont typeface="Symbol" panose="05050102010706020507" pitchFamily="18" charset="2"/>
-              <a:buChar char=""/>
-            </a:pPr>
-            <a:r>
-              <a:rPr lang="ru-RU" sz="2000" dirty="0" err="1">
-                <a:latin typeface="Arial" panose="020B0604020202020204" pitchFamily="34" charset="0"/>
-                <a:ea typeface="Calibri" panose="020F0502020204030204" pitchFamily="34" charset="0"/>
-                <a:cs typeface="Arial" panose="020B0604020202020204" pitchFamily="34" charset="0"/>
-              </a:rPr>
-              <a:t>Aiogram</a:t>
-            </a:r>
-            <a:r>
-              <a:rPr lang="ru-RU" sz="2000" dirty="0">
-                <a:latin typeface="Arial" panose="020B0604020202020204" pitchFamily="34" charset="0"/>
-                <a:ea typeface="Calibri" panose="020F0502020204030204" pitchFamily="34" charset="0"/>
-                <a:cs typeface="Arial" panose="020B0604020202020204" pitchFamily="34" charset="0"/>
-              </a:rPr>
-              <a:t>: Библиотека </a:t>
-            </a:r>
-            <a:r>
-              <a:rPr lang="ru-RU" sz="2000" dirty="0" err="1">
-                <a:latin typeface="Arial" panose="020B0604020202020204" pitchFamily="34" charset="0"/>
-                <a:ea typeface="Calibri" panose="020F0502020204030204" pitchFamily="34" charset="0"/>
-                <a:cs typeface="Arial" panose="020B0604020202020204" pitchFamily="34" charset="0"/>
-              </a:rPr>
-              <a:t>Python</a:t>
-            </a:r>
-            <a:r>
-              <a:rPr lang="ru-RU" sz="2000" dirty="0">
-                <a:latin typeface="Arial" panose="020B0604020202020204" pitchFamily="34" charset="0"/>
-                <a:ea typeface="Calibri" panose="020F0502020204030204" pitchFamily="34" charset="0"/>
-                <a:cs typeface="Arial" panose="020B0604020202020204" pitchFamily="34" charset="0"/>
-              </a:rPr>
-              <a:t> для работы с API </a:t>
-            </a:r>
-            <a:r>
-              <a:rPr lang="ru-RU" sz="2000" dirty="0" err="1">
+              <a:rPr lang="ru-RU" sz="2400" dirty="0">
+                <a:latin typeface="Arial" panose="020B0604020202020204" pitchFamily="34" charset="0"/>
+                <a:ea typeface="Calibri" panose="020F0502020204030204" pitchFamily="34" charset="0"/>
+                <a:cs typeface="Arial" panose="020B0604020202020204" pitchFamily="34" charset="0"/>
+              </a:rPr>
+              <a:t>1. Архитектура </a:t>
+            </a:r>
+            <a:r>
+              <a:rPr lang="ru-RU" sz="2400" dirty="0" err="1">
                 <a:latin typeface="Arial" panose="020B0604020202020204" pitchFamily="34" charset="0"/>
                 <a:ea typeface="Calibri" panose="020F0502020204030204" pitchFamily="34" charset="0"/>
                 <a:cs typeface="Arial" panose="020B0604020202020204" pitchFamily="34" charset="0"/>
@@ -8577,14 +8954,14 @@
               <a:t>Telegram</a:t>
             </a:r>
             <a:r>
-              <a:rPr lang="ru-RU" sz="2000" dirty="0">
-                <a:latin typeface="Arial" panose="020B0604020202020204" pitchFamily="34" charset="0"/>
-                <a:ea typeface="Calibri" panose="020F0502020204030204" pitchFamily="34" charset="0"/>
-                <a:cs typeface="Arial" panose="020B0604020202020204" pitchFamily="34" charset="0"/>
-              </a:rPr>
-              <a:t>.</a:t>
-            </a:r>
-            <a:endParaRPr lang="ru-RU" sz="1600" dirty="0" smtClean="0">
+              <a:rPr lang="ru-RU" sz="2400" dirty="0">
+                <a:latin typeface="Arial" panose="020B0604020202020204" pitchFamily="34" charset="0"/>
+                <a:ea typeface="Calibri" panose="020F0502020204030204" pitchFamily="34" charset="0"/>
+                <a:cs typeface="Arial" panose="020B0604020202020204" pitchFamily="34" charset="0"/>
+              </a:rPr>
+              <a:t>-ботов:</a:t>
+            </a:r>
+            <a:endParaRPr lang="ru-RU" sz="2400" dirty="0" smtClean="0">
               <a:effectLst/>
               <a:latin typeface="Arial" panose="020B0604020202020204" pitchFamily="34" charset="0"/>
               <a:ea typeface="Calibri" panose="020F0502020204030204" pitchFamily="34" charset="0"/>
@@ -8601,14 +8978,54 @@
               </a:spcAft>
             </a:pPr>
             <a:r>
-              <a:rPr lang="ru-RU" sz="2000" dirty="0">
-                <a:latin typeface="Arial" panose="020B0604020202020204" pitchFamily="34" charset="0"/>
-                <a:ea typeface="Calibri" panose="020F0502020204030204" pitchFamily="34" charset="0"/>
-                <a:cs typeface="Arial" panose="020B0604020202020204" pitchFamily="34" charset="0"/>
-              </a:rPr>
-              <a:t>3. Информационная безопасность:</a:t>
-            </a:r>
-            <a:endParaRPr lang="ru-RU" sz="1600" dirty="0" smtClean="0">
+              <a:rPr lang="ru-RU" sz="2400" dirty="0" err="1">
+                <a:latin typeface="Arial" panose="020B0604020202020204" pitchFamily="34" charset="0"/>
+                <a:ea typeface="Calibri" panose="020F0502020204030204" pitchFamily="34" charset="0"/>
+                <a:cs typeface="Arial" panose="020B0604020202020204" pitchFamily="34" charset="0"/>
+              </a:rPr>
+              <a:t>Telegram</a:t>
+            </a:r>
+            <a:r>
+              <a:rPr lang="ru-RU" sz="2400" dirty="0">
+                <a:latin typeface="Arial" panose="020B0604020202020204" pitchFamily="34" charset="0"/>
+                <a:ea typeface="Calibri" panose="020F0502020204030204" pitchFamily="34" charset="0"/>
+                <a:cs typeface="Arial" panose="020B0604020202020204" pitchFamily="34" charset="0"/>
+              </a:rPr>
+              <a:t>-боты работают на основе API </a:t>
+            </a:r>
+            <a:r>
+              <a:rPr lang="ru-RU" sz="2400" dirty="0" err="1">
+                <a:latin typeface="Arial" panose="020B0604020202020204" pitchFamily="34" charset="0"/>
+                <a:ea typeface="Calibri" panose="020F0502020204030204" pitchFamily="34" charset="0"/>
+                <a:cs typeface="Arial" panose="020B0604020202020204" pitchFamily="34" charset="0"/>
+              </a:rPr>
+              <a:t>Telegram</a:t>
+            </a:r>
+            <a:r>
+              <a:rPr lang="ru-RU" sz="2400" dirty="0">
+                <a:latin typeface="Arial" panose="020B0604020202020204" pitchFamily="34" charset="0"/>
+                <a:ea typeface="Calibri" panose="020F0502020204030204" pitchFamily="34" charset="0"/>
+                <a:cs typeface="Arial" panose="020B0604020202020204" pitchFamily="34" charset="0"/>
+              </a:rPr>
+              <a:t>, который позволяет взаимодействовать с платформой </a:t>
+            </a:r>
+            <a:r>
+              <a:rPr lang="ru-RU" sz="2400" dirty="0" err="1">
+                <a:latin typeface="Arial" panose="020B0604020202020204" pitchFamily="34" charset="0"/>
+                <a:ea typeface="Calibri" panose="020F0502020204030204" pitchFamily="34" charset="0"/>
+                <a:cs typeface="Arial" panose="020B0604020202020204" pitchFamily="34" charset="0"/>
+              </a:rPr>
+              <a:t>Telegram</a:t>
+            </a:r>
+            <a:r>
+              <a:rPr lang="ru-RU" sz="2400" dirty="0">
+                <a:latin typeface="Arial" panose="020B0604020202020204" pitchFamily="34" charset="0"/>
+                <a:ea typeface="Calibri" panose="020F0502020204030204" pitchFamily="34" charset="0"/>
+                <a:cs typeface="Arial" panose="020B0604020202020204" pitchFamily="34" charset="0"/>
+              </a:rPr>
+              <a:t>. Архитектура бота включает следующие компоненты:</a:t>
+            </a:r>
+            <a:endParaRPr lang="ru-RU" sz="2400" dirty="0" smtClean="0">
               <a:effectLst/>
               <a:latin typeface="Arial" panose="020B0604020202020204" pitchFamily="34" charset="0"/>
               <a:ea typeface="Calibri" panose="020F0502020204030204" pitchFamily="34" charset="0"/>
@@ -8625,25 +9042,90 @@
               </a:spcAft>
             </a:pPr>
             <a:r>
-              <a:rPr lang="ru-RU" sz="2000" dirty="0">
-                <a:latin typeface="Arial" panose="020B0604020202020204" pitchFamily="34" charset="0"/>
-                <a:ea typeface="Calibri" panose="020F0502020204030204" pitchFamily="34" charset="0"/>
-                <a:cs typeface="Arial" panose="020B0604020202020204" pitchFamily="34" charset="0"/>
-              </a:rPr>
-              <a:t>В рамках проекта особое внимание уделяется вопросам информационной безопасности. При разработке бота учитываются требования законодательства о защите персональных данных.</a:t>
-            </a:r>
-            <a:endParaRPr lang="ru-RU" sz="1600" dirty="0">
+              <a:rPr lang="ru-RU" sz="2400" dirty="0">
+                <a:latin typeface="Arial" panose="020B0604020202020204" pitchFamily="34" charset="0"/>
+                <a:ea typeface="Calibri" panose="020F0502020204030204" pitchFamily="34" charset="0"/>
+                <a:cs typeface="Arial" panose="020B0604020202020204" pitchFamily="34" charset="0"/>
+              </a:rPr>
+              <a:t>⦁ Пользовательский </a:t>
+            </a:r>
+            <a:r>
+              <a:rPr lang="ru-RU" sz="2400" dirty="0" smtClean="0">
+                <a:latin typeface="Arial" panose="020B0604020202020204" pitchFamily="34" charset="0"/>
+                <a:ea typeface="Calibri" panose="020F0502020204030204" pitchFamily="34" charset="0"/>
+                <a:cs typeface="Arial" panose="020B0604020202020204" pitchFamily="34" charset="0"/>
+              </a:rPr>
+              <a:t>интерфейс</a:t>
+            </a:r>
+            <a:endParaRPr lang="ru-RU" sz="2400" dirty="0" smtClean="0">
               <a:effectLst/>
               <a:latin typeface="Arial" panose="020B0604020202020204" pitchFamily="34" charset="0"/>
               <a:ea typeface="Calibri" panose="020F0502020204030204" pitchFamily="34" charset="0"/>
               <a:cs typeface="Arial" panose="020B0604020202020204" pitchFamily="34" charset="0"/>
             </a:endParaRPr>
           </a:p>
+          <a:p>
+            <a:pPr algn="just">
+              <a:lnSpc>
+                <a:spcPct val="150000"/>
+              </a:lnSpc>
+              <a:spcAft>
+                <a:spcPts val="800"/>
+              </a:spcAft>
+            </a:pPr>
+            <a:r>
+              <a:rPr lang="ru-RU" sz="2400" dirty="0">
+                <a:latin typeface="Arial" panose="020B0604020202020204" pitchFamily="34" charset="0"/>
+                <a:ea typeface="Calibri" panose="020F0502020204030204" pitchFamily="34" charset="0"/>
+                <a:cs typeface="Arial" panose="020B0604020202020204" pitchFamily="34" charset="0"/>
+              </a:rPr>
+              <a:t>⦁ </a:t>
+            </a:r>
+            <a:r>
+              <a:rPr lang="ru-RU" sz="2400" dirty="0" smtClean="0">
+                <a:latin typeface="Arial" panose="020B0604020202020204" pitchFamily="34" charset="0"/>
+                <a:ea typeface="Calibri" panose="020F0502020204030204" pitchFamily="34" charset="0"/>
+                <a:cs typeface="Arial" panose="020B0604020202020204" pitchFamily="34" charset="0"/>
+              </a:rPr>
+              <a:t>Бот</a:t>
+            </a:r>
+          </a:p>
+          <a:p>
+            <a:pPr algn="just">
+              <a:lnSpc>
+                <a:spcPct val="150000"/>
+              </a:lnSpc>
+              <a:spcAft>
+                <a:spcPts val="800"/>
+              </a:spcAft>
+            </a:pPr>
+            <a:r>
+              <a:rPr lang="ru-RU" sz="2400" dirty="0" smtClean="0">
+                <a:latin typeface="Arial" panose="020B0604020202020204" pitchFamily="34" charset="0"/>
+                <a:ea typeface="Calibri" panose="020F0502020204030204" pitchFamily="34" charset="0"/>
+                <a:cs typeface="Arial" panose="020B0604020202020204" pitchFamily="34" charset="0"/>
+              </a:rPr>
+              <a:t>⦁ API </a:t>
+            </a:r>
+            <a:r>
+              <a:rPr lang="ru-RU" sz="2400" dirty="0" err="1" smtClean="0">
+                <a:latin typeface="Arial" panose="020B0604020202020204" pitchFamily="34" charset="0"/>
+                <a:ea typeface="Calibri" panose="020F0502020204030204" pitchFamily="34" charset="0"/>
+                <a:cs typeface="Arial" panose="020B0604020202020204" pitchFamily="34" charset="0"/>
+              </a:rPr>
+              <a:t>Telegram</a:t>
+            </a:r>
+            <a:endParaRPr lang="ru-RU" sz="2400" dirty="0" smtClean="0">
+              <a:latin typeface="Arial" panose="020B0604020202020204" pitchFamily="34" charset="0"/>
+              <a:ea typeface="Calibri" panose="020F0502020204030204" pitchFamily="34" charset="0"/>
+              <a:cs typeface="Arial" panose="020B0604020202020204" pitchFamily="34" charset="0"/>
+            </a:endParaRPr>
+          </a:p>
         </p:txBody>
       </p:sp>
       <p:pic>
         <p:nvPicPr>
-          <p:cNvPr id="6" name="Picture 2" descr="https://lh7-rt.googleusercontent.com/slidesz/AGV_vUd8F4EE1wzuFxCyXG1Kse3hFsL9usWqkaofEajgMGUQkZLhBlEWhRJgQ4vMglAAyo8vQ3yIipUQeIJAAWQnt_ajpvcI2w5AeFF7CwxXr9Am9vUdasSJUZnIxKzLo4uCuZD4qBnyrg=s2048?key=Y6vFkQwsukFWBCD0PD32GgMn"/>
+          <p:cNvPr id="7" name="Picture 2" descr="https://lh7-rt.googleusercontent.com/slidesz/AGV_vUd8F4EE1wzuFxCyXG1Kse3hFsL9usWqkaofEajgMGUQkZLhBlEWhRJgQ4vMglAAyo8vQ3yIipUQeIJAAWQnt_ajpvcI2w5AeFF7CwxXr9Am9vUdasSJUZnIxKzLo4uCuZD4qBnyrg=s2048?key=Y6vFkQwsukFWBCD0PD32GgMn"/>
           <p:cNvPicPr>
             <a:picLocks noChangeAspect="1" noChangeArrowheads="1"/>
           </p:cNvPicPr>
@@ -8685,7 +9167,7 @@
     </p:spTree>
     <p:extLst>
       <p:ext uri="{BB962C8B-B14F-4D97-AF65-F5344CB8AC3E}">
-        <p14:creationId xmlns:p14="http://schemas.microsoft.com/office/powerpoint/2010/main" val="2847323434"/>
+        <p14:creationId xmlns:p14="http://schemas.microsoft.com/office/powerpoint/2010/main" val="1326663686"/>
       </p:ext>
     </p:extLst>
   </p:cSld>
@@ -8719,9 +9201,47 @@
           <a:chExt cx="0" cy="0"/>
         </a:xfrm>
       </p:grpSpPr>
+      <p:sp>
+        <p:nvSpPr>
+          <p:cNvPr id="2" name="Заголовок 1"/>
+          <p:cNvSpPr>
+            <a:spLocks noGrp="1"/>
+          </p:cNvSpPr>
+          <p:nvPr>
+            <p:ph type="title"/>
+          </p:nvPr>
+        </p:nvSpPr>
+        <p:spPr/>
+        <p:txBody>
+          <a:bodyPr/>
+          <a:lstStyle/>
+          <a:p>
+            <a:endParaRPr lang="ru-RU"/>
+          </a:p>
+        </p:txBody>
+      </p:sp>
+      <p:sp>
+        <p:nvSpPr>
+          <p:cNvPr id="3" name="Объект 2"/>
+          <p:cNvSpPr>
+            <a:spLocks noGrp="1"/>
+          </p:cNvSpPr>
+          <p:nvPr>
+            <p:ph idx="1"/>
+          </p:nvPr>
+        </p:nvSpPr>
+        <p:spPr/>
+        <p:txBody>
+          <a:bodyPr/>
+          <a:lstStyle/>
+          <a:p>
+            <a:endParaRPr lang="ru-RU"/>
+          </a:p>
+        </p:txBody>
+      </p:sp>
       <p:pic>
         <p:nvPicPr>
-          <p:cNvPr id="8" name="Рисунок 7"/>
+          <p:cNvPr id="4" name="Рисунок 3"/>
           <p:cNvPicPr>
             <a:picLocks noChangeAspect="1"/>
           </p:cNvPicPr>
@@ -8757,85 +9277,20 @@
         </p:nvSpPr>
         <p:spPr>
           <a:xfrm>
-            <a:off x="2782436" y="833558"/>
-            <a:ext cx="6627135" cy="784382"/>
+            <a:off x="1823884" y="1027906"/>
+            <a:ext cx="8544232" cy="4832092"/>
           </a:xfrm>
           <a:prstGeom prst="rect">
             <a:avLst/>
           </a:prstGeom>
         </p:spPr>
         <p:txBody>
-          <a:bodyPr wrap="none">
-            <a:spAutoFit/>
-          </a:bodyPr>
-          <a:lstStyle/>
-          <a:p>
-            <a:pPr algn="ctr">
-              <a:lnSpc>
-                <a:spcPct val="107000"/>
-              </a:lnSpc>
-              <a:spcBef>
-                <a:spcPts val="1200"/>
-              </a:spcBef>
-              <a:spcAft>
-                <a:spcPts val="0"/>
-              </a:spcAft>
-            </a:pPr>
-            <a:r>
-              <a:rPr lang="ru-RU" sz="4400" b="1" kern="0" dirty="0">
-                <a:solidFill>
-                  <a:srgbClr val="000000"/>
-                </a:solidFill>
-                <a:latin typeface="Arial Black" panose="020B0A04020102020204" pitchFamily="34" charset="0"/>
-                <a:ea typeface="Times New Roman" panose="02020603050405020304" pitchFamily="18" charset="0"/>
-                <a:cs typeface="Times New Roman" panose="02020603050405020304" pitchFamily="18" charset="0"/>
-              </a:rPr>
-              <a:t>Практическая </a:t>
-            </a:r>
-            <a:r>
-              <a:rPr lang="ru-RU" sz="4400" b="1" kern="0" dirty="0" smtClean="0">
-                <a:solidFill>
-                  <a:srgbClr val="000000"/>
-                </a:solidFill>
-                <a:latin typeface="Arial Black" panose="020B0A04020102020204" pitchFamily="34" charset="0"/>
-                <a:ea typeface="Times New Roman" panose="02020603050405020304" pitchFamily="18" charset="0"/>
-                <a:cs typeface="Times New Roman" panose="02020603050405020304" pitchFamily="18" charset="0"/>
-              </a:rPr>
-              <a:t>часть</a:t>
-            </a:r>
-            <a:endParaRPr lang="ru-RU" sz="4400" b="1" kern="0" dirty="0">
-              <a:solidFill>
-                <a:srgbClr val="2F5496"/>
-              </a:solidFill>
-              <a:latin typeface="Arial Black" panose="020B0A04020102020204" pitchFamily="34" charset="0"/>
-              <a:ea typeface="Times New Roman" panose="02020603050405020304" pitchFamily="18" charset="0"/>
-              <a:cs typeface="Times New Roman" panose="02020603050405020304" pitchFamily="18" charset="0"/>
-            </a:endParaRPr>
-          </a:p>
-        </p:txBody>
-      </p:sp>
-      <p:sp>
-        <p:nvSpPr>
-          <p:cNvPr id="6" name="Прямоугольник 5"/>
-          <p:cNvSpPr/>
-          <p:nvPr/>
-        </p:nvSpPr>
-        <p:spPr>
-          <a:xfrm>
-            <a:off x="2413820" y="1735926"/>
-            <a:ext cx="7364360" cy="2308324"/>
-          </a:xfrm>
-          <a:prstGeom prst="rect">
-            <a:avLst/>
-          </a:prstGeom>
-        </p:spPr>
-        <p:txBody>
           <a:bodyPr wrap="square">
             <a:spAutoFit/>
           </a:bodyPr>
           <a:lstStyle/>
           <a:p>
-            <a:pPr algn="ctr">
+            <a:pPr algn="just">
               <a:lnSpc>
                 <a:spcPct val="150000"/>
               </a:lnSpc>
@@ -8844,12 +9299,87 @@
               </a:spcAft>
             </a:pPr>
             <a:r>
+              <a:rPr lang="ru-RU" sz="2400" dirty="0">
+                <a:latin typeface="Arial" panose="020B0604020202020204" pitchFamily="34" charset="0"/>
+                <a:ea typeface="Calibri" panose="020F0502020204030204" pitchFamily="34" charset="0"/>
+                <a:cs typeface="Arial" panose="020B0604020202020204" pitchFamily="34" charset="0"/>
+              </a:rPr>
+              <a:t>2. Технологии, используемые в проекте:</a:t>
+            </a:r>
+            <a:endParaRPr lang="ru-RU" dirty="0" smtClean="0">
+              <a:effectLst/>
+              <a:latin typeface="Arial" panose="020B0604020202020204" pitchFamily="34" charset="0"/>
+              <a:ea typeface="Calibri" panose="020F0502020204030204" pitchFamily="34" charset="0"/>
+              <a:cs typeface="Arial" panose="020B0604020202020204" pitchFamily="34" charset="0"/>
+            </a:endParaRPr>
+          </a:p>
+          <a:p>
+            <a:pPr marL="342900" lvl="0" indent="-342900" algn="just">
+              <a:lnSpc>
+                <a:spcPct val="150000"/>
+              </a:lnSpc>
+              <a:spcAft>
+                <a:spcPts val="0"/>
+              </a:spcAft>
+              <a:buFont typeface="Symbol" panose="05050102010706020507" pitchFamily="18" charset="2"/>
+              <a:buChar char=""/>
+            </a:pPr>
+            <a:r>
+              <a:rPr lang="ru-RU" sz="2400" dirty="0" err="1" smtClean="0">
+                <a:latin typeface="Arial" panose="020B0604020202020204" pitchFamily="34" charset="0"/>
+                <a:ea typeface="Calibri" panose="020F0502020204030204" pitchFamily="34" charset="0"/>
+                <a:cs typeface="Arial" panose="020B0604020202020204" pitchFamily="34" charset="0"/>
+              </a:rPr>
+              <a:t>Python</a:t>
+            </a:r>
+            <a:endParaRPr lang="ru-RU" dirty="0" smtClean="0">
+              <a:effectLst/>
+              <a:latin typeface="Arial" panose="020B0604020202020204" pitchFamily="34" charset="0"/>
+              <a:ea typeface="Calibri" panose="020F0502020204030204" pitchFamily="34" charset="0"/>
+              <a:cs typeface="Arial" panose="020B0604020202020204" pitchFamily="34" charset="0"/>
+            </a:endParaRPr>
+          </a:p>
+          <a:p>
+            <a:pPr marL="342900" lvl="0" indent="-342900" algn="just">
+              <a:lnSpc>
+                <a:spcPct val="150000"/>
+              </a:lnSpc>
+              <a:spcAft>
+                <a:spcPts val="800"/>
+              </a:spcAft>
+              <a:buFont typeface="Symbol" panose="05050102010706020507" pitchFamily="18" charset="2"/>
+              <a:buChar char=""/>
+            </a:pPr>
+            <a:r>
+              <a:rPr lang="ru-RU" sz="2400" dirty="0" err="1" smtClean="0">
+                <a:latin typeface="Arial" panose="020B0604020202020204" pitchFamily="34" charset="0"/>
+                <a:ea typeface="Calibri" panose="020F0502020204030204" pitchFamily="34" charset="0"/>
+                <a:cs typeface="Arial" panose="020B0604020202020204" pitchFamily="34" charset="0"/>
+              </a:rPr>
+              <a:t>Aiogram</a:t>
+            </a:r>
+            <a:endParaRPr lang="ru-RU" sz="2400" dirty="0" smtClean="0">
+              <a:latin typeface="Arial" panose="020B0604020202020204" pitchFamily="34" charset="0"/>
+              <a:ea typeface="Calibri" panose="020F0502020204030204" pitchFamily="34" charset="0"/>
+              <a:cs typeface="Arial" panose="020B0604020202020204" pitchFamily="34" charset="0"/>
+            </a:endParaRPr>
+          </a:p>
+          <a:p>
+            <a:pPr lvl="0" algn="just">
+              <a:lnSpc>
+                <a:spcPct val="150000"/>
+              </a:lnSpc>
+              <a:spcAft>
+                <a:spcPts val="800"/>
+              </a:spcAft>
+            </a:pPr>
+            <a:r>
               <a:rPr lang="ru-RU" sz="2400" dirty="0" smtClean="0">
                 <a:latin typeface="Arial" panose="020B0604020202020204" pitchFamily="34" charset="0"/>
                 <a:ea typeface="Calibri" panose="020F0502020204030204" pitchFamily="34" charset="0"/>
                 <a:cs typeface="Arial" panose="020B0604020202020204" pitchFamily="34" charset="0"/>
               </a:rPr>
-              <a:t>Для </a:t>
+              <a:t>3</a:t>
             </a:r>
             <a:r>
               <a:rPr lang="ru-RU" sz="2400" dirty="0">
@@ -8857,55 +9387,31 @@
                 <a:ea typeface="Calibri" panose="020F0502020204030204" pitchFamily="34" charset="0"/>
                 <a:cs typeface="Arial" panose="020B0604020202020204" pitchFamily="34" charset="0"/>
               </a:rPr>
-              <a:t>начала импортируем необходимые библиотеки, а также библиотеку </a:t>
-            </a:r>
-            <a:r>
-              <a:rPr lang="en-US" sz="2400" dirty="0" err="1">
-                <a:latin typeface="Arial" panose="020B0604020202020204" pitchFamily="34" charset="0"/>
-                <a:ea typeface="Calibri" panose="020F0502020204030204" pitchFamily="34" charset="0"/>
-                <a:cs typeface="Arial" panose="020B0604020202020204" pitchFamily="34" charset="0"/>
-              </a:rPr>
-              <a:t>aiogram</a:t>
-            </a:r>
+              <a:t>. Информационная безопасность:</a:t>
+            </a:r>
+            <a:endParaRPr lang="ru-RU" dirty="0" smtClean="0">
+              <a:effectLst/>
+              <a:latin typeface="Arial" panose="020B0604020202020204" pitchFamily="34" charset="0"/>
+              <a:ea typeface="Calibri" panose="020F0502020204030204" pitchFamily="34" charset="0"/>
+              <a:cs typeface="Arial" panose="020B0604020202020204" pitchFamily="34" charset="0"/>
+            </a:endParaRPr>
+          </a:p>
+          <a:p>
+            <a:pPr algn="just">
+              <a:lnSpc>
+                <a:spcPct val="150000"/>
+              </a:lnSpc>
+              <a:spcAft>
+                <a:spcPts val="800"/>
+              </a:spcAft>
+            </a:pPr>
             <a:r>
               <a:rPr lang="ru-RU" sz="2400" dirty="0">
                 <a:latin typeface="Arial" panose="020B0604020202020204" pitchFamily="34" charset="0"/>
                 <a:ea typeface="Calibri" panose="020F0502020204030204" pitchFamily="34" charset="0"/>
                 <a:cs typeface="Arial" panose="020B0604020202020204" pitchFamily="34" charset="0"/>
               </a:rPr>
-              <a:t>, которая поможет работать с API </a:t>
-            </a:r>
-            <a:r>
-              <a:rPr lang="ru-RU" sz="2400" dirty="0" err="1">
-                <a:latin typeface="Arial" panose="020B0604020202020204" pitchFamily="34" charset="0"/>
-                <a:ea typeface="Calibri" panose="020F0502020204030204" pitchFamily="34" charset="0"/>
-                <a:cs typeface="Arial" panose="020B0604020202020204" pitchFamily="34" charset="0"/>
-              </a:rPr>
-              <a:t>Telegram</a:t>
-            </a:r>
-            <a:r>
-              <a:rPr lang="ru-RU" sz="2400" dirty="0">
-                <a:latin typeface="Arial" panose="020B0604020202020204" pitchFamily="34" charset="0"/>
-                <a:ea typeface="Calibri" panose="020F0502020204030204" pitchFamily="34" charset="0"/>
-                <a:cs typeface="Arial" panose="020B0604020202020204" pitchFamily="34" charset="0"/>
-              </a:rPr>
-              <a:t>, то есть поможет нам во взаимодействии бота и </a:t>
-            </a:r>
-            <a:r>
-              <a:rPr lang="ru-RU" sz="2400" dirty="0" err="1">
-                <a:latin typeface="Arial" panose="020B0604020202020204" pitchFamily="34" charset="0"/>
-                <a:ea typeface="Calibri" panose="020F0502020204030204" pitchFamily="34" charset="0"/>
-                <a:cs typeface="Arial" panose="020B0604020202020204" pitchFamily="34" charset="0"/>
-              </a:rPr>
-              <a:t>Telegram</a:t>
-            </a:r>
-            <a:r>
-              <a:rPr lang="ru-RU" sz="2400" dirty="0">
-                <a:latin typeface="Arial" panose="020B0604020202020204" pitchFamily="34" charset="0"/>
-                <a:ea typeface="Calibri" panose="020F0502020204030204" pitchFamily="34" charset="0"/>
-                <a:cs typeface="Arial" panose="020B0604020202020204" pitchFamily="34" charset="0"/>
-              </a:rPr>
-              <a:t>.</a:t>
+              <a:t>В рамках проекта особое внимание уделяется вопросам информационной безопасности. При разработке бота учитываются требования законодательства о защите персональных данных.</a:t>
             </a:r>
             <a:endParaRPr lang="ru-RU" dirty="0">
               <a:effectLst/>
@@ -8918,42 +9424,14 @@
       </p:sp>
       <p:pic>
         <p:nvPicPr>
-          <p:cNvPr id="7" name="Рисунок 6"/>
-          <p:cNvPicPr/>
-          <p:nvPr/>
-        </p:nvPicPr>
-        <p:blipFill>
-          <a:blip r:embed="rId3">
-            <a:extLst>
-              <a:ext uri="{28A0092B-C50C-407E-A947-70E740481C1C}">
-                <a14:useLocalDpi xmlns:a14="http://schemas.microsoft.com/office/drawing/2010/main" val="0"/>
-              </a:ext>
-            </a:extLst>
-          </a:blip>
-          <a:stretch>
-            <a:fillRect/>
-          </a:stretch>
-        </p:blipFill>
-        <p:spPr>
-          <a:xfrm>
-            <a:off x="2782436" y="4301799"/>
-            <a:ext cx="6627135" cy="2043014"/>
-          </a:xfrm>
-          <a:prstGeom prst="rect">
-            <a:avLst/>
-          </a:prstGeom>
-        </p:spPr>
-      </p:pic>
-      <p:pic>
-        <p:nvPicPr>
-          <p:cNvPr id="9" name="Picture 2" descr="https://lh7-rt.googleusercontent.com/slidesz/AGV_vUd8F4EE1wzuFxCyXG1Kse3hFsL9usWqkaofEajgMGUQkZLhBlEWhRJgQ4vMglAAyo8vQ3yIipUQeIJAAWQnt_ajpvcI2w5AeFF7CwxXr9Am9vUdasSJUZnIxKzLo4uCuZD4qBnyrg=s2048?key=Y6vFkQwsukFWBCD0PD32GgMn"/>
+          <p:cNvPr id="6" name="Picture 2" descr="https://lh7-rt.googleusercontent.com/slidesz/AGV_vUd8F4EE1wzuFxCyXG1Kse3hFsL9usWqkaofEajgMGUQkZLhBlEWhRJgQ4vMglAAyo8vQ3yIipUQeIJAAWQnt_ajpvcI2w5AeFF7CwxXr9Am9vUdasSJUZnIxKzLo4uCuZD4qBnyrg=s2048?key=Y6vFkQwsukFWBCD0PD32GgMn"/>
           <p:cNvPicPr>
             <a:picLocks noChangeAspect="1" noChangeArrowheads="1"/>
           </p:cNvPicPr>
           <p:nvPr/>
         </p:nvPicPr>
         <p:blipFill>
-          <a:blip r:embed="rId4" cstate="print">
+          <a:blip r:embed="rId3" cstate="print">
             <a:extLst>
               <a:ext uri="{28A0092B-C50C-407E-A947-70E740481C1C}">
                 <a14:useLocalDpi xmlns:a14="http://schemas.microsoft.com/office/drawing/2010/main" val="0"/>
@@ -8988,7 +9466,7 @@
     </p:spTree>
     <p:extLst>
       <p:ext uri="{BB962C8B-B14F-4D97-AF65-F5344CB8AC3E}">
-        <p14:creationId xmlns:p14="http://schemas.microsoft.com/office/powerpoint/2010/main" val="2595437770"/>
+        <p14:creationId xmlns:p14="http://schemas.microsoft.com/office/powerpoint/2010/main" val="2847323434"/>
       </p:ext>
     </p:extLst>
   </p:cSld>
